--- a/others/Relazione UniBookMi.pptx
+++ b/others/Relazione UniBookMi.pptx
@@ -1,42 +1,46 @@
 
 <file path=ppt/presentation.xml><?xml version="1.0" encoding="utf-8"?>
-<p:presentation xmlns:a="http://schemas.openxmlformats.org/drawingml/2006/main" xmlns:r="http://schemas.openxmlformats.org/officeDocument/2006/relationships" xmlns:mc="http://schemas.openxmlformats.org/markup-compatibility/2006" xmlns:mv="urn:schemas-microsoft-com:mac:vml" xmlns:p="http://schemas.openxmlformats.org/presentationml/2006/main" xmlns:c="http://schemas.openxmlformats.org/drawingml/2006/chart" xmlns:dgm="http://schemas.openxmlformats.org/drawingml/2006/diagram" xmlns:o="urn:schemas-microsoft-com:office:office" xmlns:v="urn:schemas-microsoft-com:vml" xmlns:pvml="urn:schemas-microsoft-com:office:powerpoint" xmlns:com="http://schemas.openxmlformats.org/drawingml/2006/compatibility" xmlns:p14="http://schemas.microsoft.com/office/powerpoint/2010/main" xmlns:p15="http://schemas.microsoft.com/office/powerpoint/2012/main" xmlns:ahyp="http://schemas.microsoft.com/office/drawing/2018/hyperlinkcolor" autoCompressPictures="0" embedTrueTypeFonts="1" strictFirstAndLastChars="0" saveSubsetFonts="1">
+<p:presentation xmlns:a="http://schemas.openxmlformats.org/drawingml/2006/main" xmlns:r="http://schemas.openxmlformats.org/officeDocument/2006/relationships" xmlns:p="http://schemas.openxmlformats.org/presentationml/2006/main" strictFirstAndLastChars="0" embedTrueTypeFonts="1" saveSubsetFonts="1" autoCompressPictures="0">
   <p:sldMasterIdLst>
-    <p:sldMasterId id="2147483659" r:id="rId4"/>
+    <p:sldMasterId id="2147483659" r:id="rId1"/>
   </p:sldMasterIdLst>
   <p:notesMasterIdLst>
-    <p:notesMasterId r:id="rId5"/>
+    <p:notesMasterId r:id="rId15"/>
   </p:notesMasterIdLst>
   <p:sldIdLst>
-    <p:sldId id="256" r:id="rId6"/>
-    <p:sldId id="257" r:id="rId7"/>
-    <p:sldId id="258" r:id="rId8"/>
-    <p:sldId id="259" r:id="rId9"/>
-    <p:sldId id="260" r:id="rId10"/>
-    <p:sldId id="261" r:id="rId11"/>
-    <p:sldId id="262" r:id="rId12"/>
-    <p:sldId id="263" r:id="rId13"/>
-    <p:sldId id="264" r:id="rId14"/>
+    <p:sldId id="256" r:id="rId2"/>
+    <p:sldId id="257" r:id="rId3"/>
+    <p:sldId id="258" r:id="rId4"/>
+    <p:sldId id="259" r:id="rId5"/>
+    <p:sldId id="260" r:id="rId6"/>
+    <p:sldId id="261" r:id="rId7"/>
+    <p:sldId id="262" r:id="rId8"/>
+    <p:sldId id="263" r:id="rId9"/>
+    <p:sldId id="264" r:id="rId10"/>
+    <p:sldId id="265" r:id="rId11"/>
+    <p:sldId id="266" r:id="rId12"/>
+    <p:sldId id="267" r:id="rId13"/>
+    <p:sldId id="268" r:id="rId14"/>
   </p:sldIdLst>
-  <p:sldSz cy="5143500" cx="9144000"/>
+  <p:sldSz cx="9144000" cy="5143500" type="screen16x9"/>
   <p:notesSz cx="6858000" cy="9144000"/>
   <p:embeddedFontLst>
     <p:embeddedFont>
-      <p:font typeface="Roboto"/>
-      <p:regular r:id="rId15"/>
-      <p:bold r:id="rId16"/>
-      <p:italic r:id="rId17"/>
-      <p:boldItalic r:id="rId18"/>
+      <p:font typeface="Old Standard TT" pitchFamily="2" charset="77"/>
+      <p:regular r:id="rId16"/>
+      <p:bold r:id="rId17"/>
+      <p:italic r:id="rId18"/>
     </p:embeddedFont>
     <p:embeddedFont>
-      <p:font typeface="Old Standard TT"/>
+      <p:font typeface="Roboto" panose="02000000000000000000" pitchFamily="2" charset="0"/>
       <p:regular r:id="rId19"/>
       <p:bold r:id="rId20"/>
       <p:italic r:id="rId21"/>
+      <p:boldItalic r:id="rId22"/>
     </p:embeddedFont>
   </p:embeddedFontLst>
   <p:defaultTextStyle>
-    <a:defPPr lvl="0" marR="0" rtl="0" algn="l">
+    <a:defPPr marR="0" lvl="0" algn="l" rtl="0">
       <a:lnSpc>
         <a:spcPct val="100000"/>
       </a:lnSpc>
@@ -47,7 +51,7 @@
         <a:spcPts val="0"/>
       </a:spcAft>
     </a:defPPr>
-    <a:lvl1pPr lvl="0" marR="0" rtl="0" algn="l">
+    <a:lvl1pPr marR="0" lvl="0" algn="l" rtl="0">
       <a:lnSpc>
         <a:spcPct val="100000"/>
       </a:lnSpc>
@@ -61,7 +65,7 @@
         <a:srgbClr val="000000"/>
       </a:buClr>
       <a:buFont typeface="Arial"/>
-      <a:defRPr b="0" i="0" sz="1400" u="none" cap="none" strike="noStrike">
+      <a:defRPr sz="1400" b="0" i="0" u="none" strike="noStrike" cap="none">
         <a:solidFill>
           <a:srgbClr val="000000"/>
         </a:solidFill>
@@ -71,7 +75,7 @@
         <a:sym typeface="Arial"/>
       </a:defRPr>
     </a:lvl1pPr>
-    <a:lvl2pPr lvl="1" marR="0" rtl="0" algn="l">
+    <a:lvl2pPr marR="0" lvl="1" algn="l" rtl="0">
       <a:lnSpc>
         <a:spcPct val="100000"/>
       </a:lnSpc>
@@ -85,7 +89,7 @@
         <a:srgbClr val="000000"/>
       </a:buClr>
       <a:buFont typeface="Arial"/>
-      <a:defRPr b="0" i="0" sz="1400" u="none" cap="none" strike="noStrike">
+      <a:defRPr sz="1400" b="0" i="0" u="none" strike="noStrike" cap="none">
         <a:solidFill>
           <a:srgbClr val="000000"/>
         </a:solidFill>
@@ -95,7 +99,7 @@
         <a:sym typeface="Arial"/>
       </a:defRPr>
     </a:lvl2pPr>
-    <a:lvl3pPr lvl="2" marR="0" rtl="0" algn="l">
+    <a:lvl3pPr marR="0" lvl="2" algn="l" rtl="0">
       <a:lnSpc>
         <a:spcPct val="100000"/>
       </a:lnSpc>
@@ -109,7 +113,7 @@
         <a:srgbClr val="000000"/>
       </a:buClr>
       <a:buFont typeface="Arial"/>
-      <a:defRPr b="0" i="0" sz="1400" u="none" cap="none" strike="noStrike">
+      <a:defRPr sz="1400" b="0" i="0" u="none" strike="noStrike" cap="none">
         <a:solidFill>
           <a:srgbClr val="000000"/>
         </a:solidFill>
@@ -119,7 +123,7 @@
         <a:sym typeface="Arial"/>
       </a:defRPr>
     </a:lvl3pPr>
-    <a:lvl4pPr lvl="3" marR="0" rtl="0" algn="l">
+    <a:lvl4pPr marR="0" lvl="3" algn="l" rtl="0">
       <a:lnSpc>
         <a:spcPct val="100000"/>
       </a:lnSpc>
@@ -133,7 +137,7 @@
         <a:srgbClr val="000000"/>
       </a:buClr>
       <a:buFont typeface="Arial"/>
-      <a:defRPr b="0" i="0" sz="1400" u="none" cap="none" strike="noStrike">
+      <a:defRPr sz="1400" b="0" i="0" u="none" strike="noStrike" cap="none">
         <a:solidFill>
           <a:srgbClr val="000000"/>
         </a:solidFill>
@@ -143,7 +147,7 @@
         <a:sym typeface="Arial"/>
       </a:defRPr>
     </a:lvl4pPr>
-    <a:lvl5pPr lvl="4" marR="0" rtl="0" algn="l">
+    <a:lvl5pPr marR="0" lvl="4" algn="l" rtl="0">
       <a:lnSpc>
         <a:spcPct val="100000"/>
       </a:lnSpc>
@@ -157,7 +161,7 @@
         <a:srgbClr val="000000"/>
       </a:buClr>
       <a:buFont typeface="Arial"/>
-      <a:defRPr b="0" i="0" sz="1400" u="none" cap="none" strike="noStrike">
+      <a:defRPr sz="1400" b="0" i="0" u="none" strike="noStrike" cap="none">
         <a:solidFill>
           <a:srgbClr val="000000"/>
         </a:solidFill>
@@ -167,7 +171,7 @@
         <a:sym typeface="Arial"/>
       </a:defRPr>
     </a:lvl5pPr>
-    <a:lvl6pPr lvl="5" marR="0" rtl="0" algn="l">
+    <a:lvl6pPr marR="0" lvl="5" algn="l" rtl="0">
       <a:lnSpc>
         <a:spcPct val="100000"/>
       </a:lnSpc>
@@ -181,7 +185,7 @@
         <a:srgbClr val="000000"/>
       </a:buClr>
       <a:buFont typeface="Arial"/>
-      <a:defRPr b="0" i="0" sz="1400" u="none" cap="none" strike="noStrike">
+      <a:defRPr sz="1400" b="0" i="0" u="none" strike="noStrike" cap="none">
         <a:solidFill>
           <a:srgbClr val="000000"/>
         </a:solidFill>
@@ -191,7 +195,7 @@
         <a:sym typeface="Arial"/>
       </a:defRPr>
     </a:lvl6pPr>
-    <a:lvl7pPr lvl="6" marR="0" rtl="0" algn="l">
+    <a:lvl7pPr marR="0" lvl="6" algn="l" rtl="0">
       <a:lnSpc>
         <a:spcPct val="100000"/>
       </a:lnSpc>
@@ -205,7 +209,7 @@
         <a:srgbClr val="000000"/>
       </a:buClr>
       <a:buFont typeface="Arial"/>
-      <a:defRPr b="0" i="0" sz="1400" u="none" cap="none" strike="noStrike">
+      <a:defRPr sz="1400" b="0" i="0" u="none" strike="noStrike" cap="none">
         <a:solidFill>
           <a:srgbClr val="000000"/>
         </a:solidFill>
@@ -215,7 +219,7 @@
         <a:sym typeface="Arial"/>
       </a:defRPr>
     </a:lvl7pPr>
-    <a:lvl8pPr lvl="7" marR="0" rtl="0" algn="l">
+    <a:lvl8pPr marR="0" lvl="7" algn="l" rtl="0">
       <a:lnSpc>
         <a:spcPct val="100000"/>
       </a:lnSpc>
@@ -229,7 +233,7 @@
         <a:srgbClr val="000000"/>
       </a:buClr>
       <a:buFont typeface="Arial"/>
-      <a:defRPr b="0" i="0" sz="1400" u="none" cap="none" strike="noStrike">
+      <a:defRPr sz="1400" b="0" i="0" u="none" strike="noStrike" cap="none">
         <a:solidFill>
           <a:srgbClr val="000000"/>
         </a:solidFill>
@@ -239,7 +243,7 @@
         <a:sym typeface="Arial"/>
       </a:defRPr>
     </a:lvl8pPr>
-    <a:lvl9pPr lvl="8" marR="0" rtl="0" algn="l">
+    <a:lvl9pPr marR="0" lvl="8" algn="l" rtl="0">
       <a:lnSpc>
         <a:spcPct val="100000"/>
       </a:lnSpc>
@@ -253,7 +257,7 @@
         <a:srgbClr val="000000"/>
       </a:buClr>
       <a:buFont typeface="Arial"/>
-      <a:defRPr b="0" i="0" sz="1400" u="none" cap="none" strike="noStrike">
+      <a:defRPr sz="1400" b="0" i="0" u="none" strike="noStrike" cap="none">
         <a:solidFill>
           <a:srgbClr val="000000"/>
         </a:solidFill>
@@ -266,7 +270,7 @@
   </p:defaultTextStyle>
   <p:extLst>
     <p:ext uri="{EFAFB233-063F-42B5-8137-9DF3F51BA10A}">
-      <p15:sldGuideLst>
+      <p15:sldGuideLst xmlns:p15="http://schemas.microsoft.com/office/powerpoint/2012/main">
         <p15:guide id="1" orient="horz" pos="1620">
           <p15:clr>
             <a:srgbClr val="747775"/>
@@ -284,11 +288,16 @@
 </file>
 
 <file path=ppt/notesMasters/notesMaster1.xml><?xml version="1.0" encoding="utf-8"?>
-<p:notesMaster xmlns:a="http://schemas.openxmlformats.org/drawingml/2006/main" xmlns:r="http://schemas.openxmlformats.org/officeDocument/2006/relationships" xmlns:mc="http://schemas.openxmlformats.org/markup-compatibility/2006" xmlns:mv="urn:schemas-microsoft-com:mac:vml" xmlns:p="http://schemas.openxmlformats.org/presentationml/2006/main" xmlns:c="http://schemas.openxmlformats.org/drawingml/2006/chart" xmlns:dgm="http://schemas.openxmlformats.org/drawingml/2006/diagram" xmlns:o="urn:schemas-microsoft-com:office:office" xmlns:v="urn:schemas-microsoft-com:vml" xmlns:pvml="urn:schemas-microsoft-com:office:powerpoint" xmlns:com="http://schemas.openxmlformats.org/drawingml/2006/compatibility" xmlns:p14="http://schemas.microsoft.com/office/powerpoint/2010/main" xmlns:p15="http://schemas.microsoft.com/office/powerpoint/2012/main" xmlns:ahyp="http://schemas.microsoft.com/office/drawing/2018/hyperlinkcolor">
+<p:notesMaster xmlns:a="http://schemas.openxmlformats.org/drawingml/2006/main" xmlns:r="http://schemas.openxmlformats.org/officeDocument/2006/relationships" xmlns:p="http://schemas.openxmlformats.org/presentationml/2006/main">
   <p:cSld>
+    <p:bg>
+      <p:bgRef idx="1001">
+        <a:schemeClr val="bg1"/>
+      </p:bgRef>
+    </p:bg>
     <p:spTree>
       <p:nvGrpSpPr>
-        <p:cNvPr id="2" name="Shape 2"/>
+        <p:cNvPr id="1" name="Shape 2"/>
         <p:cNvGrpSpPr/>
         <p:nvPr/>
       </p:nvGrpSpPr>
@@ -303,9 +312,11 @@
       <p:sp>
         <p:nvSpPr>
           <p:cNvPr id="3" name="Google Shape;3;n"/>
-          <p:cNvSpPr/>
+          <p:cNvSpPr>
+            <a:spLocks noGrp="1" noRot="1" noChangeAspect="1"/>
+          </p:cNvSpPr>
           <p:nvPr>
-            <p:ph idx="2" type="sldImg"/>
+            <p:ph type="sldImg" idx="2"/>
           </p:nvPr>
         </p:nvSpPr>
         <p:spPr>
@@ -314,9 +325,13 @@
             <a:ext cx="6096075" cy="3429000"/>
           </a:xfrm>
           <a:custGeom>
-            <a:rect b="b" l="l" r="r" t="t"/>
+            <a:avLst/>
+            <a:gdLst/>
+            <a:ahLst/>
+            <a:cxnLst/>
+            <a:rect l="l" t="t" r="r" b="b"/>
             <a:pathLst>
-              <a:path extrusionOk="0" h="120000" w="120000">
+              <a:path w="120000" h="120000" extrusionOk="0">
                 <a:moveTo>
                   <a:pt x="0" y="0"/>
                 </a:moveTo>
@@ -334,23 +349,25 @@
             </a:pathLst>
           </a:custGeom>
           <a:noFill/>
-          <a:ln cap="flat" cmpd="sng" w="9525">
+          <a:ln w="9525" cap="flat" cmpd="sng">
             <a:solidFill>
               <a:srgbClr val="000000"/>
             </a:solidFill>
             <a:prstDash val="solid"/>
             <a:round/>
-            <a:headEnd len="sm" w="sm" type="none"/>
-            <a:tailEnd len="sm" w="sm" type="none"/>
+            <a:headEnd type="none" w="sm" len="sm"/>
+            <a:tailEnd type="none" w="sm" len="sm"/>
           </a:ln>
         </p:spPr>
       </p:sp>
       <p:sp>
         <p:nvSpPr>
           <p:cNvPr id="4" name="Google Shape;4;n"/>
-          <p:cNvSpPr txBox="1"/>
+          <p:cNvSpPr txBox="1">
+            <a:spLocks noGrp="1"/>
+          </p:cNvSpPr>
           <p:nvPr>
-            <p:ph idx="1" type="body"/>
+            <p:ph type="body" idx="1"/>
           </p:nvPr>
         </p:nvSpPr>
         <p:spPr>
@@ -367,11 +384,11 @@
           </a:ln>
         </p:spPr>
         <p:txBody>
-          <a:bodyPr anchorCtr="0" anchor="t" bIns="91425" lIns="91425" spcFirstLastPara="1" rIns="91425" wrap="square" tIns="91425">
+          <a:bodyPr spcFirstLastPara="1" wrap="square" lIns="91425" tIns="91425" rIns="91425" bIns="91425" anchor="t" anchorCtr="0">
             <a:noAutofit/>
           </a:bodyPr>
           <a:lstStyle>
-            <a:lvl1pPr indent="-317500" lvl="0" marL="457200">
+            <a:lvl1pPr marL="457200" lvl="0" indent="-317500">
               <a:spcBef>
                 <a:spcPts val="0"/>
               </a:spcBef>
@@ -382,7 +399,7 @@
               <a:buChar char="●"/>
               <a:defRPr sz="1100"/>
             </a:lvl1pPr>
-            <a:lvl2pPr indent="-317500" lvl="1" marL="914400">
+            <a:lvl2pPr marL="914400" lvl="1" indent="-317500">
               <a:spcBef>
                 <a:spcPts val="0"/>
               </a:spcBef>
@@ -393,7 +410,7 @@
               <a:buChar char="○"/>
               <a:defRPr sz="1100"/>
             </a:lvl2pPr>
-            <a:lvl3pPr indent="-317500" lvl="2" marL="1371600">
+            <a:lvl3pPr marL="1371600" lvl="2" indent="-317500">
               <a:spcBef>
                 <a:spcPts val="0"/>
               </a:spcBef>
@@ -404,7 +421,7 @@
               <a:buChar char="■"/>
               <a:defRPr sz="1100"/>
             </a:lvl3pPr>
-            <a:lvl4pPr indent="-317500" lvl="3" marL="1828800">
+            <a:lvl4pPr marL="1828800" lvl="3" indent="-317500">
               <a:spcBef>
                 <a:spcPts val="0"/>
               </a:spcBef>
@@ -415,7 +432,7 @@
               <a:buChar char="●"/>
               <a:defRPr sz="1100"/>
             </a:lvl4pPr>
-            <a:lvl5pPr indent="-317500" lvl="4" marL="2286000">
+            <a:lvl5pPr marL="2286000" lvl="4" indent="-317500">
               <a:spcBef>
                 <a:spcPts val="0"/>
               </a:spcBef>
@@ -426,7 +443,7 @@
               <a:buChar char="○"/>
               <a:defRPr sz="1100"/>
             </a:lvl5pPr>
-            <a:lvl6pPr indent="-317500" lvl="5" marL="2743200">
+            <a:lvl6pPr marL="2743200" lvl="5" indent="-317500">
               <a:spcBef>
                 <a:spcPts val="0"/>
               </a:spcBef>
@@ -437,7 +454,7 @@
               <a:buChar char="■"/>
               <a:defRPr sz="1100"/>
             </a:lvl6pPr>
-            <a:lvl7pPr indent="-317500" lvl="6" marL="3200400">
+            <a:lvl7pPr marL="3200400" lvl="6" indent="-317500">
               <a:spcBef>
                 <a:spcPts val="0"/>
               </a:spcBef>
@@ -448,7 +465,7 @@
               <a:buChar char="●"/>
               <a:defRPr sz="1100"/>
             </a:lvl7pPr>
-            <a:lvl8pPr indent="-317500" lvl="7" marL="3657600">
+            <a:lvl8pPr marL="3657600" lvl="7" indent="-317500">
               <a:spcBef>
                 <a:spcPts val="0"/>
               </a:spcBef>
@@ -459,7 +476,7 @@
               <a:buChar char="○"/>
               <a:defRPr sz="1100"/>
             </a:lvl8pPr>
-            <a:lvl9pPr indent="-317500" lvl="8" marL="4114800">
+            <a:lvl9pPr marL="4114800" lvl="8" indent="-317500">
               <a:spcBef>
                 <a:spcPts val="0"/>
               </a:spcBef>
@@ -471,14 +488,16 @@
               <a:defRPr sz="1100"/>
             </a:lvl9pPr>
           </a:lstStyle>
-          <a:p/>
+          <a:p>
+            <a:endParaRPr/>
+          </a:p>
         </p:txBody>
       </p:sp>
     </p:spTree>
   </p:cSld>
-  <p:clrMap accent1="accent1" accent2="accent2" accent3="accent3" accent4="accent4" accent5="accent5" accent6="accent6" bg1="lt1" bg2="dk2" tx1="dk1" tx2="lt2" folHlink="folHlink" hlink="hlink"/>
+  <p:clrMap bg1="lt1" tx1="dk1" bg2="dk2" tx2="lt2" accent1="accent1" accent2="accent2" accent3="accent3" accent4="accent4" accent5="accent5" accent6="accent6" hlink="hlink" folHlink="folHlink"/>
   <p:notesStyle>
-    <a:defPPr lvl="0" marR="0" rtl="0" algn="l">
+    <a:defPPr marR="0" lvl="0" algn="l" rtl="0">
       <a:lnSpc>
         <a:spcPct val="100000"/>
       </a:lnSpc>
@@ -489,7 +508,7 @@
         <a:spcPts val="0"/>
       </a:spcAft>
     </a:defPPr>
-    <a:lvl1pPr lvl="0" marR="0" rtl="0" algn="l">
+    <a:lvl1pPr marR="0" lvl="0" algn="l" rtl="0">
       <a:lnSpc>
         <a:spcPct val="100000"/>
       </a:lnSpc>
@@ -503,7 +522,7 @@
         <a:srgbClr val="000000"/>
       </a:buClr>
       <a:buFont typeface="Arial"/>
-      <a:defRPr b="0" i="0" sz="1400" u="none" cap="none" strike="noStrike">
+      <a:defRPr sz="1400" b="0" i="0" u="none" strike="noStrike" cap="none">
         <a:solidFill>
           <a:srgbClr val="000000"/>
         </a:solidFill>
@@ -513,7 +532,7 @@
         <a:sym typeface="Arial"/>
       </a:defRPr>
     </a:lvl1pPr>
-    <a:lvl2pPr lvl="1" marR="0" rtl="0" algn="l">
+    <a:lvl2pPr marR="0" lvl="1" algn="l" rtl="0">
       <a:lnSpc>
         <a:spcPct val="100000"/>
       </a:lnSpc>
@@ -527,7 +546,7 @@
         <a:srgbClr val="000000"/>
       </a:buClr>
       <a:buFont typeface="Arial"/>
-      <a:defRPr b="0" i="0" sz="1400" u="none" cap="none" strike="noStrike">
+      <a:defRPr sz="1400" b="0" i="0" u="none" strike="noStrike" cap="none">
         <a:solidFill>
           <a:srgbClr val="000000"/>
         </a:solidFill>
@@ -537,7 +556,7 @@
         <a:sym typeface="Arial"/>
       </a:defRPr>
     </a:lvl2pPr>
-    <a:lvl3pPr lvl="2" marR="0" rtl="0" algn="l">
+    <a:lvl3pPr marR="0" lvl="2" algn="l" rtl="0">
       <a:lnSpc>
         <a:spcPct val="100000"/>
       </a:lnSpc>
@@ -551,7 +570,7 @@
         <a:srgbClr val="000000"/>
       </a:buClr>
       <a:buFont typeface="Arial"/>
-      <a:defRPr b="0" i="0" sz="1400" u="none" cap="none" strike="noStrike">
+      <a:defRPr sz="1400" b="0" i="0" u="none" strike="noStrike" cap="none">
         <a:solidFill>
           <a:srgbClr val="000000"/>
         </a:solidFill>
@@ -561,7 +580,7 @@
         <a:sym typeface="Arial"/>
       </a:defRPr>
     </a:lvl3pPr>
-    <a:lvl4pPr lvl="3" marR="0" rtl="0" algn="l">
+    <a:lvl4pPr marR="0" lvl="3" algn="l" rtl="0">
       <a:lnSpc>
         <a:spcPct val="100000"/>
       </a:lnSpc>
@@ -575,7 +594,7 @@
         <a:srgbClr val="000000"/>
       </a:buClr>
       <a:buFont typeface="Arial"/>
-      <a:defRPr b="0" i="0" sz="1400" u="none" cap="none" strike="noStrike">
+      <a:defRPr sz="1400" b="0" i="0" u="none" strike="noStrike" cap="none">
         <a:solidFill>
           <a:srgbClr val="000000"/>
         </a:solidFill>
@@ -585,7 +604,7 @@
         <a:sym typeface="Arial"/>
       </a:defRPr>
     </a:lvl4pPr>
-    <a:lvl5pPr lvl="4" marR="0" rtl="0" algn="l">
+    <a:lvl5pPr marR="0" lvl="4" algn="l" rtl="0">
       <a:lnSpc>
         <a:spcPct val="100000"/>
       </a:lnSpc>
@@ -599,7 +618,7 @@
         <a:srgbClr val="000000"/>
       </a:buClr>
       <a:buFont typeface="Arial"/>
-      <a:defRPr b="0" i="0" sz="1400" u="none" cap="none" strike="noStrike">
+      <a:defRPr sz="1400" b="0" i="0" u="none" strike="noStrike" cap="none">
         <a:solidFill>
           <a:srgbClr val="000000"/>
         </a:solidFill>
@@ -609,7 +628,7 @@
         <a:sym typeface="Arial"/>
       </a:defRPr>
     </a:lvl5pPr>
-    <a:lvl6pPr lvl="5" marR="0" rtl="0" algn="l">
+    <a:lvl6pPr marR="0" lvl="5" algn="l" rtl="0">
       <a:lnSpc>
         <a:spcPct val="100000"/>
       </a:lnSpc>
@@ -623,7 +642,7 @@
         <a:srgbClr val="000000"/>
       </a:buClr>
       <a:buFont typeface="Arial"/>
-      <a:defRPr b="0" i="0" sz="1400" u="none" cap="none" strike="noStrike">
+      <a:defRPr sz="1400" b="0" i="0" u="none" strike="noStrike" cap="none">
         <a:solidFill>
           <a:srgbClr val="000000"/>
         </a:solidFill>
@@ -633,7 +652,7 @@
         <a:sym typeface="Arial"/>
       </a:defRPr>
     </a:lvl6pPr>
-    <a:lvl7pPr lvl="6" marR="0" rtl="0" algn="l">
+    <a:lvl7pPr marR="0" lvl="6" algn="l" rtl="0">
       <a:lnSpc>
         <a:spcPct val="100000"/>
       </a:lnSpc>
@@ -647,7 +666,7 @@
         <a:srgbClr val="000000"/>
       </a:buClr>
       <a:buFont typeface="Arial"/>
-      <a:defRPr b="0" i="0" sz="1400" u="none" cap="none" strike="noStrike">
+      <a:defRPr sz="1400" b="0" i="0" u="none" strike="noStrike" cap="none">
         <a:solidFill>
           <a:srgbClr val="000000"/>
         </a:solidFill>
@@ -657,7 +676,7 @@
         <a:sym typeface="Arial"/>
       </a:defRPr>
     </a:lvl7pPr>
-    <a:lvl8pPr lvl="7" marR="0" rtl="0" algn="l">
+    <a:lvl8pPr marR="0" lvl="7" algn="l" rtl="0">
       <a:lnSpc>
         <a:spcPct val="100000"/>
       </a:lnSpc>
@@ -671,7 +690,7 @@
         <a:srgbClr val="000000"/>
       </a:buClr>
       <a:buFont typeface="Arial"/>
-      <a:defRPr b="0" i="0" sz="1400" u="none" cap="none" strike="noStrike">
+      <a:defRPr sz="1400" b="0" i="0" u="none" strike="noStrike" cap="none">
         <a:solidFill>
           <a:srgbClr val="000000"/>
         </a:solidFill>
@@ -681,7 +700,7 @@
         <a:sym typeface="Arial"/>
       </a:defRPr>
     </a:lvl8pPr>
-    <a:lvl9pPr lvl="8" marR="0" rtl="0" algn="l">
+    <a:lvl9pPr marR="0" lvl="8" algn="l" rtl="0">
       <a:lnSpc>
         <a:spcPct val="100000"/>
       </a:lnSpc>
@@ -695,7 +714,7 @@
         <a:srgbClr val="000000"/>
       </a:buClr>
       <a:buFont typeface="Arial"/>
-      <a:defRPr b="0" i="0" sz="1400" u="none" cap="none" strike="noStrike">
+      <a:defRPr sz="1400" b="0" i="0" u="none" strike="noStrike" cap="none">
         <a:solidFill>
           <a:srgbClr val="000000"/>
         </a:solidFill>
@@ -710,11 +729,11 @@
 </file>
 
 <file path=ppt/notesSlides/notesSlide1.xml><?xml version="1.0" encoding="utf-8"?>
-<p:notes xmlns:a="http://schemas.openxmlformats.org/drawingml/2006/main" xmlns:r="http://schemas.openxmlformats.org/officeDocument/2006/relationships" xmlns:mc="http://schemas.openxmlformats.org/markup-compatibility/2006" xmlns:mv="urn:schemas-microsoft-com:mac:vml" xmlns:p="http://schemas.openxmlformats.org/presentationml/2006/main" xmlns:c="http://schemas.openxmlformats.org/drawingml/2006/chart" xmlns:dgm="http://schemas.openxmlformats.org/drawingml/2006/diagram" xmlns:o="urn:schemas-microsoft-com:office:office" xmlns:v="urn:schemas-microsoft-com:vml" xmlns:pvml="urn:schemas-microsoft-com:office:powerpoint" xmlns:com="http://schemas.openxmlformats.org/drawingml/2006/compatibility" xmlns:p14="http://schemas.microsoft.com/office/powerpoint/2010/main" xmlns:p15="http://schemas.microsoft.com/office/powerpoint/2012/main" xmlns:ahyp="http://schemas.microsoft.com/office/drawing/2018/hyperlinkcolor" showMasterPhAnim="0" showMasterSp="0">
+<p:notes xmlns:a="http://schemas.openxmlformats.org/drawingml/2006/main" xmlns:r="http://schemas.openxmlformats.org/officeDocument/2006/relationships" xmlns:p="http://schemas.openxmlformats.org/presentationml/2006/main" showMasterSp="0" showMasterPhAnim="0">
   <p:cSld>
     <p:spTree>
       <p:nvGrpSpPr>
-        <p:cNvPr id="55" name="Shape 55"/>
+        <p:cNvPr id="1" name="Shape 55"/>
         <p:cNvGrpSpPr/>
         <p:nvPr/>
       </p:nvGrpSpPr>
@@ -729,9 +748,11 @@
       <p:sp>
         <p:nvSpPr>
           <p:cNvPr id="56" name="Google Shape;56;g2a600cb2756_0_5:notes"/>
-          <p:cNvSpPr/>
+          <p:cNvSpPr>
+            <a:spLocks noGrp="1" noRot="1" noChangeAspect="1"/>
+          </p:cNvSpPr>
           <p:nvPr>
-            <p:ph idx="2" type="sldImg"/>
+            <p:ph type="sldImg" idx="2"/>
           </p:nvPr>
         </p:nvSpPr>
         <p:spPr>
@@ -740,9 +761,13 @@
             <a:ext cx="6096000" cy="3429000"/>
           </a:xfrm>
           <a:custGeom>
-            <a:rect b="b" l="l" r="r" t="t"/>
+            <a:avLst/>
+            <a:gdLst/>
+            <a:ahLst/>
+            <a:cxnLst/>
+            <a:rect l="l" t="t" r="r" b="b"/>
             <a:pathLst>
-              <a:path extrusionOk="0" h="120000" w="120000">
+              <a:path w="120000" h="120000" extrusionOk="0">
                 <a:moveTo>
                   <a:pt x="0" y="0"/>
                 </a:moveTo>
@@ -764,9 +789,11 @@
       <p:sp>
         <p:nvSpPr>
           <p:cNvPr id="57" name="Google Shape;57;g2a600cb2756_0_5:notes"/>
-          <p:cNvSpPr txBox="1"/>
+          <p:cNvSpPr txBox="1">
+            <a:spLocks noGrp="1"/>
+          </p:cNvSpPr>
           <p:nvPr>
-            <p:ph idx="1" type="body"/>
+            <p:ph type="body" idx="1"/>
           </p:nvPr>
         </p:nvSpPr>
         <p:spPr>
@@ -779,12 +806,12 @@
           </a:prstGeom>
         </p:spPr>
         <p:txBody>
-          <a:bodyPr anchorCtr="0" anchor="t" bIns="91425" lIns="91425" spcFirstLastPara="1" rIns="91425" wrap="square" tIns="91425">
+          <a:bodyPr spcFirstLastPara="1" wrap="square" lIns="91425" tIns="91425" rIns="91425" bIns="91425" anchor="t" anchorCtr="0">
             <a:noAutofit/>
           </a:bodyPr>
           <a:lstStyle/>
           <a:p>
-            <a:pPr indent="0" lvl="0" marL="0" rtl="0" algn="l">
+            <a:pPr marL="0" lvl="0" indent="0" algn="l" rtl="0">
               <a:spcBef>
                 <a:spcPts val="0"/>
               </a:spcBef>
@@ -793,9 +820,6 @@
               </a:spcAft>
               <a:buNone/>
             </a:pPr>
-            <a:r>
-              <a:t/>
-            </a:r>
             <a:endParaRPr/>
           </a:p>
         </p:txBody>
@@ -808,12 +832,520 @@
 </p:notes>
 </file>
 
-<file path=ppt/notesSlides/notesSlide2.xml><?xml version="1.0" encoding="utf-8"?>
-<p:notes xmlns:a="http://schemas.openxmlformats.org/drawingml/2006/main" xmlns:r="http://schemas.openxmlformats.org/officeDocument/2006/relationships" xmlns:mc="http://schemas.openxmlformats.org/markup-compatibility/2006" xmlns:mv="urn:schemas-microsoft-com:mac:vml" xmlns:p="http://schemas.openxmlformats.org/presentationml/2006/main" xmlns:c="http://schemas.openxmlformats.org/drawingml/2006/chart" xmlns:dgm="http://schemas.openxmlformats.org/drawingml/2006/diagram" xmlns:o="urn:schemas-microsoft-com:office:office" xmlns:v="urn:schemas-microsoft-com:vml" xmlns:pvml="urn:schemas-microsoft-com:office:powerpoint" xmlns:com="http://schemas.openxmlformats.org/drawingml/2006/compatibility" xmlns:p14="http://schemas.microsoft.com/office/powerpoint/2010/main" xmlns:p15="http://schemas.microsoft.com/office/powerpoint/2012/main" xmlns:ahyp="http://schemas.microsoft.com/office/drawing/2018/hyperlinkcolor" showMasterPhAnim="0" showMasterSp="0">
+<file path=ppt/notesSlides/notesSlide10.xml><?xml version="1.0" encoding="utf-8"?>
+<p:notes xmlns:a="http://schemas.openxmlformats.org/drawingml/2006/main" xmlns:r="http://schemas.openxmlformats.org/officeDocument/2006/relationships" xmlns:p="http://schemas.openxmlformats.org/presentationml/2006/main" showMasterSp="0" showMasterPhAnim="0">
   <p:cSld>
     <p:spTree>
       <p:nvGrpSpPr>
-        <p:cNvPr id="60" name="Shape 60"/>
+        <p:cNvPr id="1" name="Shape 96">
+          <a:extLst>
+            <a:ext uri="{FF2B5EF4-FFF2-40B4-BE49-F238E27FC236}">
+              <a16:creationId xmlns:a16="http://schemas.microsoft.com/office/drawing/2014/main" id="{B8BD399A-EE4A-E2C2-888A-D05CEAAD9F94}"/>
+            </a:ext>
+          </a:extLst>
+        </p:cNvPr>
+        <p:cNvGrpSpPr/>
+        <p:nvPr/>
+      </p:nvGrpSpPr>
+      <p:grpSpPr>
+        <a:xfrm>
+          <a:off x="0" y="0"/>
+          <a:ext cx="0" cy="0"/>
+          <a:chOff x="0" y="0"/>
+          <a:chExt cx="0" cy="0"/>
+        </a:xfrm>
+      </p:grpSpPr>
+      <p:sp>
+        <p:nvSpPr>
+          <p:cNvPr id="97" name="Google Shape;97;g2a611630393_0_29:notes">
+            <a:extLst>
+              <a:ext uri="{FF2B5EF4-FFF2-40B4-BE49-F238E27FC236}">
+                <a16:creationId xmlns:a16="http://schemas.microsoft.com/office/drawing/2014/main" id="{BDFA828F-2052-B3BE-2AC1-D093E0C90043}"/>
+              </a:ext>
+            </a:extLst>
+          </p:cNvPr>
+          <p:cNvSpPr>
+            <a:spLocks noGrp="1" noRot="1" noChangeAspect="1"/>
+          </p:cNvSpPr>
+          <p:nvPr>
+            <p:ph type="sldImg" idx="2"/>
+          </p:nvPr>
+        </p:nvSpPr>
+        <p:spPr>
+          <a:xfrm>
+            <a:off x="381000" y="685800"/>
+            <a:ext cx="6096000" cy="3429000"/>
+          </a:xfrm>
+          <a:custGeom>
+            <a:avLst/>
+            <a:gdLst/>
+            <a:ahLst/>
+            <a:cxnLst/>
+            <a:rect l="l" t="t" r="r" b="b"/>
+            <a:pathLst>
+              <a:path w="120000" h="120000" extrusionOk="0">
+                <a:moveTo>
+                  <a:pt x="0" y="0"/>
+                </a:moveTo>
+                <a:lnTo>
+                  <a:pt x="120000" y="0"/>
+                </a:lnTo>
+                <a:lnTo>
+                  <a:pt x="120000" y="120000"/>
+                </a:lnTo>
+                <a:lnTo>
+                  <a:pt x="0" y="120000"/>
+                </a:lnTo>
+                <a:close/>
+              </a:path>
+            </a:pathLst>
+          </a:custGeom>
+        </p:spPr>
+      </p:sp>
+      <p:sp>
+        <p:nvSpPr>
+          <p:cNvPr id="98" name="Google Shape;98;g2a611630393_0_29:notes">
+            <a:extLst>
+              <a:ext uri="{FF2B5EF4-FFF2-40B4-BE49-F238E27FC236}">
+                <a16:creationId xmlns:a16="http://schemas.microsoft.com/office/drawing/2014/main" id="{3A56A4FE-7FCF-491A-319B-84FA76C263FE}"/>
+              </a:ext>
+            </a:extLst>
+          </p:cNvPr>
+          <p:cNvSpPr txBox="1">
+            <a:spLocks noGrp="1"/>
+          </p:cNvSpPr>
+          <p:nvPr>
+            <p:ph type="body" idx="1"/>
+          </p:nvPr>
+        </p:nvSpPr>
+        <p:spPr>
+          <a:xfrm>
+            <a:off x="685800" y="4343400"/>
+            <a:ext cx="5486400" cy="4114800"/>
+          </a:xfrm>
+          <a:prstGeom prst="rect">
+            <a:avLst/>
+          </a:prstGeom>
+        </p:spPr>
+        <p:txBody>
+          <a:bodyPr spcFirstLastPara="1" wrap="square" lIns="91425" tIns="91425" rIns="91425" bIns="91425" anchor="t" anchorCtr="0">
+            <a:noAutofit/>
+          </a:bodyPr>
+          <a:lstStyle/>
+          <a:p>
+            <a:pPr marL="0" lvl="0" indent="0" algn="l" rtl="0">
+              <a:spcBef>
+                <a:spcPts val="0"/>
+              </a:spcBef>
+              <a:spcAft>
+                <a:spcPts val="0"/>
+              </a:spcAft>
+              <a:buNone/>
+            </a:pPr>
+            <a:endParaRPr/>
+          </a:p>
+        </p:txBody>
+      </p:sp>
+    </p:spTree>
+    <p:extLst>
+      <p:ext uri="{BB962C8B-B14F-4D97-AF65-F5344CB8AC3E}">
+        <p14:creationId xmlns:p14="http://schemas.microsoft.com/office/powerpoint/2010/main" val="2120226426"/>
+      </p:ext>
+    </p:extLst>
+  </p:cSld>
+  <p:clrMapOvr>
+    <a:masterClrMapping/>
+  </p:clrMapOvr>
+</p:notes>
+</file>
+
+<file path=ppt/notesSlides/notesSlide11.xml><?xml version="1.0" encoding="utf-8"?>
+<p:notes xmlns:a="http://schemas.openxmlformats.org/drawingml/2006/main" xmlns:r="http://schemas.openxmlformats.org/officeDocument/2006/relationships" xmlns:p="http://schemas.openxmlformats.org/presentationml/2006/main" showMasterSp="0" showMasterPhAnim="0">
+  <p:cSld>
+    <p:spTree>
+      <p:nvGrpSpPr>
+        <p:cNvPr id="1" name="Shape 96">
+          <a:extLst>
+            <a:ext uri="{FF2B5EF4-FFF2-40B4-BE49-F238E27FC236}">
+              <a16:creationId xmlns:a16="http://schemas.microsoft.com/office/drawing/2014/main" id="{DCF038D7-2896-3C05-1024-7C4F5E16AA17}"/>
+            </a:ext>
+          </a:extLst>
+        </p:cNvPr>
+        <p:cNvGrpSpPr/>
+        <p:nvPr/>
+      </p:nvGrpSpPr>
+      <p:grpSpPr>
+        <a:xfrm>
+          <a:off x="0" y="0"/>
+          <a:ext cx="0" cy="0"/>
+          <a:chOff x="0" y="0"/>
+          <a:chExt cx="0" cy="0"/>
+        </a:xfrm>
+      </p:grpSpPr>
+      <p:sp>
+        <p:nvSpPr>
+          <p:cNvPr id="97" name="Google Shape;97;g2a611630393_0_29:notes">
+            <a:extLst>
+              <a:ext uri="{FF2B5EF4-FFF2-40B4-BE49-F238E27FC236}">
+                <a16:creationId xmlns:a16="http://schemas.microsoft.com/office/drawing/2014/main" id="{BE71D747-F4E4-C8C5-AA05-296589519BCB}"/>
+              </a:ext>
+            </a:extLst>
+          </p:cNvPr>
+          <p:cNvSpPr>
+            <a:spLocks noGrp="1" noRot="1" noChangeAspect="1"/>
+          </p:cNvSpPr>
+          <p:nvPr>
+            <p:ph type="sldImg" idx="2"/>
+          </p:nvPr>
+        </p:nvSpPr>
+        <p:spPr>
+          <a:xfrm>
+            <a:off x="381000" y="685800"/>
+            <a:ext cx="6096000" cy="3429000"/>
+          </a:xfrm>
+          <a:custGeom>
+            <a:avLst/>
+            <a:gdLst/>
+            <a:ahLst/>
+            <a:cxnLst/>
+            <a:rect l="l" t="t" r="r" b="b"/>
+            <a:pathLst>
+              <a:path w="120000" h="120000" extrusionOk="0">
+                <a:moveTo>
+                  <a:pt x="0" y="0"/>
+                </a:moveTo>
+                <a:lnTo>
+                  <a:pt x="120000" y="0"/>
+                </a:lnTo>
+                <a:lnTo>
+                  <a:pt x="120000" y="120000"/>
+                </a:lnTo>
+                <a:lnTo>
+                  <a:pt x="0" y="120000"/>
+                </a:lnTo>
+                <a:close/>
+              </a:path>
+            </a:pathLst>
+          </a:custGeom>
+        </p:spPr>
+      </p:sp>
+      <p:sp>
+        <p:nvSpPr>
+          <p:cNvPr id="98" name="Google Shape;98;g2a611630393_0_29:notes">
+            <a:extLst>
+              <a:ext uri="{FF2B5EF4-FFF2-40B4-BE49-F238E27FC236}">
+                <a16:creationId xmlns:a16="http://schemas.microsoft.com/office/drawing/2014/main" id="{0722B490-1A87-3570-EBCC-F0E6F70AA295}"/>
+              </a:ext>
+            </a:extLst>
+          </p:cNvPr>
+          <p:cNvSpPr txBox="1">
+            <a:spLocks noGrp="1"/>
+          </p:cNvSpPr>
+          <p:nvPr>
+            <p:ph type="body" idx="1"/>
+          </p:nvPr>
+        </p:nvSpPr>
+        <p:spPr>
+          <a:xfrm>
+            <a:off x="685800" y="4343400"/>
+            <a:ext cx="5486400" cy="4114800"/>
+          </a:xfrm>
+          <a:prstGeom prst="rect">
+            <a:avLst/>
+          </a:prstGeom>
+        </p:spPr>
+        <p:txBody>
+          <a:bodyPr spcFirstLastPara="1" wrap="square" lIns="91425" tIns="91425" rIns="91425" bIns="91425" anchor="t" anchorCtr="0">
+            <a:noAutofit/>
+          </a:bodyPr>
+          <a:lstStyle/>
+          <a:p>
+            <a:pPr marL="0" lvl="0" indent="0" algn="l" rtl="0">
+              <a:spcBef>
+                <a:spcPts val="0"/>
+              </a:spcBef>
+              <a:spcAft>
+                <a:spcPts val="0"/>
+              </a:spcAft>
+              <a:buNone/>
+            </a:pPr>
+            <a:endParaRPr/>
+          </a:p>
+        </p:txBody>
+      </p:sp>
+    </p:spTree>
+    <p:extLst>
+      <p:ext uri="{BB962C8B-B14F-4D97-AF65-F5344CB8AC3E}">
+        <p14:creationId xmlns:p14="http://schemas.microsoft.com/office/powerpoint/2010/main" val="848084341"/>
+      </p:ext>
+    </p:extLst>
+  </p:cSld>
+  <p:clrMapOvr>
+    <a:masterClrMapping/>
+  </p:clrMapOvr>
+</p:notes>
+</file>
+
+<file path=ppt/notesSlides/notesSlide12.xml><?xml version="1.0" encoding="utf-8"?>
+<p:notes xmlns:a="http://schemas.openxmlformats.org/drawingml/2006/main" xmlns:r="http://schemas.openxmlformats.org/officeDocument/2006/relationships" xmlns:p="http://schemas.openxmlformats.org/presentationml/2006/main" showMasterSp="0" showMasterPhAnim="0">
+  <p:cSld>
+    <p:spTree>
+      <p:nvGrpSpPr>
+        <p:cNvPr id="1" name="Shape 96">
+          <a:extLst>
+            <a:ext uri="{FF2B5EF4-FFF2-40B4-BE49-F238E27FC236}">
+              <a16:creationId xmlns:a16="http://schemas.microsoft.com/office/drawing/2014/main" id="{7027278F-D234-AC53-A46F-41CD34E09AC3}"/>
+            </a:ext>
+          </a:extLst>
+        </p:cNvPr>
+        <p:cNvGrpSpPr/>
+        <p:nvPr/>
+      </p:nvGrpSpPr>
+      <p:grpSpPr>
+        <a:xfrm>
+          <a:off x="0" y="0"/>
+          <a:ext cx="0" cy="0"/>
+          <a:chOff x="0" y="0"/>
+          <a:chExt cx="0" cy="0"/>
+        </a:xfrm>
+      </p:grpSpPr>
+      <p:sp>
+        <p:nvSpPr>
+          <p:cNvPr id="97" name="Google Shape;97;g2a611630393_0_29:notes">
+            <a:extLst>
+              <a:ext uri="{FF2B5EF4-FFF2-40B4-BE49-F238E27FC236}">
+                <a16:creationId xmlns:a16="http://schemas.microsoft.com/office/drawing/2014/main" id="{C071235E-3083-C57D-B586-1BE347824E15}"/>
+              </a:ext>
+            </a:extLst>
+          </p:cNvPr>
+          <p:cNvSpPr>
+            <a:spLocks noGrp="1" noRot="1" noChangeAspect="1"/>
+          </p:cNvSpPr>
+          <p:nvPr>
+            <p:ph type="sldImg" idx="2"/>
+          </p:nvPr>
+        </p:nvSpPr>
+        <p:spPr>
+          <a:xfrm>
+            <a:off x="381000" y="685800"/>
+            <a:ext cx="6096000" cy="3429000"/>
+          </a:xfrm>
+          <a:custGeom>
+            <a:avLst/>
+            <a:gdLst/>
+            <a:ahLst/>
+            <a:cxnLst/>
+            <a:rect l="l" t="t" r="r" b="b"/>
+            <a:pathLst>
+              <a:path w="120000" h="120000" extrusionOk="0">
+                <a:moveTo>
+                  <a:pt x="0" y="0"/>
+                </a:moveTo>
+                <a:lnTo>
+                  <a:pt x="120000" y="0"/>
+                </a:lnTo>
+                <a:lnTo>
+                  <a:pt x="120000" y="120000"/>
+                </a:lnTo>
+                <a:lnTo>
+                  <a:pt x="0" y="120000"/>
+                </a:lnTo>
+                <a:close/>
+              </a:path>
+            </a:pathLst>
+          </a:custGeom>
+        </p:spPr>
+      </p:sp>
+      <p:sp>
+        <p:nvSpPr>
+          <p:cNvPr id="98" name="Google Shape;98;g2a611630393_0_29:notes">
+            <a:extLst>
+              <a:ext uri="{FF2B5EF4-FFF2-40B4-BE49-F238E27FC236}">
+                <a16:creationId xmlns:a16="http://schemas.microsoft.com/office/drawing/2014/main" id="{F3699111-2039-3BEC-49AF-E6555399473E}"/>
+              </a:ext>
+            </a:extLst>
+          </p:cNvPr>
+          <p:cNvSpPr txBox="1">
+            <a:spLocks noGrp="1"/>
+          </p:cNvSpPr>
+          <p:nvPr>
+            <p:ph type="body" idx="1"/>
+          </p:nvPr>
+        </p:nvSpPr>
+        <p:spPr>
+          <a:xfrm>
+            <a:off x="685800" y="4343400"/>
+            <a:ext cx="5486400" cy="4114800"/>
+          </a:xfrm>
+          <a:prstGeom prst="rect">
+            <a:avLst/>
+          </a:prstGeom>
+        </p:spPr>
+        <p:txBody>
+          <a:bodyPr spcFirstLastPara="1" wrap="square" lIns="91425" tIns="91425" rIns="91425" bIns="91425" anchor="t" anchorCtr="0">
+            <a:noAutofit/>
+          </a:bodyPr>
+          <a:lstStyle/>
+          <a:p>
+            <a:pPr marL="0" lvl="0" indent="0" algn="l" rtl="0">
+              <a:spcBef>
+                <a:spcPts val="0"/>
+              </a:spcBef>
+              <a:spcAft>
+                <a:spcPts val="0"/>
+              </a:spcAft>
+              <a:buNone/>
+            </a:pPr>
+            <a:endParaRPr/>
+          </a:p>
+        </p:txBody>
+      </p:sp>
+    </p:spTree>
+    <p:extLst>
+      <p:ext uri="{BB962C8B-B14F-4D97-AF65-F5344CB8AC3E}">
+        <p14:creationId xmlns:p14="http://schemas.microsoft.com/office/powerpoint/2010/main" val="2454116324"/>
+      </p:ext>
+    </p:extLst>
+  </p:cSld>
+  <p:clrMapOvr>
+    <a:masterClrMapping/>
+  </p:clrMapOvr>
+</p:notes>
+</file>
+
+<file path=ppt/notesSlides/notesSlide13.xml><?xml version="1.0" encoding="utf-8"?>
+<p:notes xmlns:a="http://schemas.openxmlformats.org/drawingml/2006/main" xmlns:r="http://schemas.openxmlformats.org/officeDocument/2006/relationships" xmlns:p="http://schemas.openxmlformats.org/presentationml/2006/main" showMasterSp="0" showMasterPhAnim="0">
+  <p:cSld>
+    <p:spTree>
+      <p:nvGrpSpPr>
+        <p:cNvPr id="1" name="Shape 96">
+          <a:extLst>
+            <a:ext uri="{FF2B5EF4-FFF2-40B4-BE49-F238E27FC236}">
+              <a16:creationId xmlns:a16="http://schemas.microsoft.com/office/drawing/2014/main" id="{C2919314-61CB-1409-036B-928F0F1CA4FA}"/>
+            </a:ext>
+          </a:extLst>
+        </p:cNvPr>
+        <p:cNvGrpSpPr/>
+        <p:nvPr/>
+      </p:nvGrpSpPr>
+      <p:grpSpPr>
+        <a:xfrm>
+          <a:off x="0" y="0"/>
+          <a:ext cx="0" cy="0"/>
+          <a:chOff x="0" y="0"/>
+          <a:chExt cx="0" cy="0"/>
+        </a:xfrm>
+      </p:grpSpPr>
+      <p:sp>
+        <p:nvSpPr>
+          <p:cNvPr id="97" name="Google Shape;97;g2a611630393_0_29:notes">
+            <a:extLst>
+              <a:ext uri="{FF2B5EF4-FFF2-40B4-BE49-F238E27FC236}">
+                <a16:creationId xmlns:a16="http://schemas.microsoft.com/office/drawing/2014/main" id="{A59B75D6-222A-47A1-F491-AD928C64C0EF}"/>
+              </a:ext>
+            </a:extLst>
+          </p:cNvPr>
+          <p:cNvSpPr>
+            <a:spLocks noGrp="1" noRot="1" noChangeAspect="1"/>
+          </p:cNvSpPr>
+          <p:nvPr>
+            <p:ph type="sldImg" idx="2"/>
+          </p:nvPr>
+        </p:nvSpPr>
+        <p:spPr>
+          <a:xfrm>
+            <a:off x="381000" y="685800"/>
+            <a:ext cx="6096000" cy="3429000"/>
+          </a:xfrm>
+          <a:custGeom>
+            <a:avLst/>
+            <a:gdLst/>
+            <a:ahLst/>
+            <a:cxnLst/>
+            <a:rect l="l" t="t" r="r" b="b"/>
+            <a:pathLst>
+              <a:path w="120000" h="120000" extrusionOk="0">
+                <a:moveTo>
+                  <a:pt x="0" y="0"/>
+                </a:moveTo>
+                <a:lnTo>
+                  <a:pt x="120000" y="0"/>
+                </a:lnTo>
+                <a:lnTo>
+                  <a:pt x="120000" y="120000"/>
+                </a:lnTo>
+                <a:lnTo>
+                  <a:pt x="0" y="120000"/>
+                </a:lnTo>
+                <a:close/>
+              </a:path>
+            </a:pathLst>
+          </a:custGeom>
+        </p:spPr>
+      </p:sp>
+      <p:sp>
+        <p:nvSpPr>
+          <p:cNvPr id="98" name="Google Shape;98;g2a611630393_0_29:notes">
+            <a:extLst>
+              <a:ext uri="{FF2B5EF4-FFF2-40B4-BE49-F238E27FC236}">
+                <a16:creationId xmlns:a16="http://schemas.microsoft.com/office/drawing/2014/main" id="{7E8E205C-9225-7370-A52A-1D71B1FF6877}"/>
+              </a:ext>
+            </a:extLst>
+          </p:cNvPr>
+          <p:cNvSpPr txBox="1">
+            <a:spLocks noGrp="1"/>
+          </p:cNvSpPr>
+          <p:nvPr>
+            <p:ph type="body" idx="1"/>
+          </p:nvPr>
+        </p:nvSpPr>
+        <p:spPr>
+          <a:xfrm>
+            <a:off x="685800" y="4343400"/>
+            <a:ext cx="5486400" cy="4114800"/>
+          </a:xfrm>
+          <a:prstGeom prst="rect">
+            <a:avLst/>
+          </a:prstGeom>
+        </p:spPr>
+        <p:txBody>
+          <a:bodyPr spcFirstLastPara="1" wrap="square" lIns="91425" tIns="91425" rIns="91425" bIns="91425" anchor="t" anchorCtr="0">
+            <a:noAutofit/>
+          </a:bodyPr>
+          <a:lstStyle/>
+          <a:p>
+            <a:pPr marL="0" lvl="0" indent="0" algn="l" rtl="0">
+              <a:spcBef>
+                <a:spcPts val="0"/>
+              </a:spcBef>
+              <a:spcAft>
+                <a:spcPts val="0"/>
+              </a:spcAft>
+              <a:buNone/>
+            </a:pPr>
+            <a:endParaRPr/>
+          </a:p>
+        </p:txBody>
+      </p:sp>
+    </p:spTree>
+    <p:extLst>
+      <p:ext uri="{BB962C8B-B14F-4D97-AF65-F5344CB8AC3E}">
+        <p14:creationId xmlns:p14="http://schemas.microsoft.com/office/powerpoint/2010/main" val="1994440368"/>
+      </p:ext>
+    </p:extLst>
+  </p:cSld>
+  <p:clrMapOvr>
+    <a:masterClrMapping/>
+  </p:clrMapOvr>
+</p:notes>
+</file>
+
+<file path=ppt/notesSlides/notesSlide2.xml><?xml version="1.0" encoding="utf-8"?>
+<p:notes xmlns:a="http://schemas.openxmlformats.org/drawingml/2006/main" xmlns:r="http://schemas.openxmlformats.org/officeDocument/2006/relationships" xmlns:p="http://schemas.openxmlformats.org/presentationml/2006/main" showMasterSp="0" showMasterPhAnim="0">
+  <p:cSld>
+    <p:spTree>
+      <p:nvGrpSpPr>
+        <p:cNvPr id="1" name="Shape 60"/>
         <p:cNvGrpSpPr/>
         <p:nvPr/>
       </p:nvGrpSpPr>
@@ -828,9 +1360,11 @@
       <p:sp>
         <p:nvSpPr>
           <p:cNvPr id="61" name="Google Shape;61;g2a600cb2756_0_14:notes"/>
-          <p:cNvSpPr/>
+          <p:cNvSpPr>
+            <a:spLocks noGrp="1" noRot="1" noChangeAspect="1"/>
+          </p:cNvSpPr>
           <p:nvPr>
-            <p:ph idx="2" type="sldImg"/>
+            <p:ph type="sldImg" idx="2"/>
           </p:nvPr>
         </p:nvSpPr>
         <p:spPr>
@@ -839,9 +1373,13 @@
             <a:ext cx="6096000" cy="3429000"/>
           </a:xfrm>
           <a:custGeom>
-            <a:rect b="b" l="l" r="r" t="t"/>
+            <a:avLst/>
+            <a:gdLst/>
+            <a:ahLst/>
+            <a:cxnLst/>
+            <a:rect l="l" t="t" r="r" b="b"/>
             <a:pathLst>
-              <a:path extrusionOk="0" h="120000" w="120000">
+              <a:path w="120000" h="120000" extrusionOk="0">
                 <a:moveTo>
                   <a:pt x="0" y="0"/>
                 </a:moveTo>
@@ -863,9 +1401,11 @@
       <p:sp>
         <p:nvSpPr>
           <p:cNvPr id="62" name="Google Shape;62;g2a600cb2756_0_14:notes"/>
-          <p:cNvSpPr txBox="1"/>
+          <p:cNvSpPr txBox="1">
+            <a:spLocks noGrp="1"/>
+          </p:cNvSpPr>
           <p:nvPr>
-            <p:ph idx="1" type="body"/>
+            <p:ph type="body" idx="1"/>
           </p:nvPr>
         </p:nvSpPr>
         <p:spPr>
@@ -878,12 +1418,12 @@
           </a:prstGeom>
         </p:spPr>
         <p:txBody>
-          <a:bodyPr anchorCtr="0" anchor="t" bIns="91425" lIns="91425" spcFirstLastPara="1" rIns="91425" wrap="square" tIns="91425">
+          <a:bodyPr spcFirstLastPara="1" wrap="square" lIns="91425" tIns="91425" rIns="91425" bIns="91425" anchor="t" anchorCtr="0">
             <a:noAutofit/>
           </a:bodyPr>
           <a:lstStyle/>
           <a:p>
-            <a:pPr indent="0" lvl="0" marL="0" rtl="0" algn="l">
+            <a:pPr marL="0" lvl="0" indent="0" algn="l" rtl="0">
               <a:spcBef>
                 <a:spcPts val="0"/>
               </a:spcBef>
@@ -892,9 +1432,6 @@
               </a:spcAft>
               <a:buNone/>
             </a:pPr>
-            <a:r>
-              <a:t/>
-            </a:r>
             <a:endParaRPr/>
           </a:p>
         </p:txBody>
@@ -908,11 +1445,11 @@
 </file>
 
 <file path=ppt/notesSlides/notesSlide3.xml><?xml version="1.0" encoding="utf-8"?>
-<p:notes xmlns:a="http://schemas.openxmlformats.org/drawingml/2006/main" xmlns:r="http://schemas.openxmlformats.org/officeDocument/2006/relationships" xmlns:mc="http://schemas.openxmlformats.org/markup-compatibility/2006" xmlns:mv="urn:schemas-microsoft-com:mac:vml" xmlns:p="http://schemas.openxmlformats.org/presentationml/2006/main" xmlns:c="http://schemas.openxmlformats.org/drawingml/2006/chart" xmlns:dgm="http://schemas.openxmlformats.org/drawingml/2006/diagram" xmlns:o="urn:schemas-microsoft-com:office:office" xmlns:v="urn:schemas-microsoft-com:vml" xmlns:pvml="urn:schemas-microsoft-com:office:powerpoint" xmlns:com="http://schemas.openxmlformats.org/drawingml/2006/compatibility" xmlns:p14="http://schemas.microsoft.com/office/powerpoint/2010/main" xmlns:p15="http://schemas.microsoft.com/office/powerpoint/2012/main" xmlns:ahyp="http://schemas.microsoft.com/office/drawing/2018/hyperlinkcolor" showMasterPhAnim="0" showMasterSp="0">
+<p:notes xmlns:a="http://schemas.openxmlformats.org/drawingml/2006/main" xmlns:r="http://schemas.openxmlformats.org/officeDocument/2006/relationships" xmlns:p="http://schemas.openxmlformats.org/presentationml/2006/main" showMasterSp="0" showMasterPhAnim="0">
   <p:cSld>
     <p:spTree>
       <p:nvGrpSpPr>
-        <p:cNvPr id="65" name="Shape 65"/>
+        <p:cNvPr id="1" name="Shape 65"/>
         <p:cNvGrpSpPr/>
         <p:nvPr/>
       </p:nvGrpSpPr>
@@ -927,9 +1464,11 @@
       <p:sp>
         <p:nvSpPr>
           <p:cNvPr id="66" name="Google Shape;66;g2a600cb2756_0_31:notes"/>
-          <p:cNvSpPr/>
+          <p:cNvSpPr>
+            <a:spLocks noGrp="1" noRot="1" noChangeAspect="1"/>
+          </p:cNvSpPr>
           <p:nvPr>
-            <p:ph idx="2" type="sldImg"/>
+            <p:ph type="sldImg" idx="2"/>
           </p:nvPr>
         </p:nvSpPr>
         <p:spPr>
@@ -938,9 +1477,13 @@
             <a:ext cx="6096000" cy="3429000"/>
           </a:xfrm>
           <a:custGeom>
-            <a:rect b="b" l="l" r="r" t="t"/>
+            <a:avLst/>
+            <a:gdLst/>
+            <a:ahLst/>
+            <a:cxnLst/>
+            <a:rect l="l" t="t" r="r" b="b"/>
             <a:pathLst>
-              <a:path extrusionOk="0" h="120000" w="120000">
+              <a:path w="120000" h="120000" extrusionOk="0">
                 <a:moveTo>
                   <a:pt x="0" y="0"/>
                 </a:moveTo>
@@ -962,9 +1505,11 @@
       <p:sp>
         <p:nvSpPr>
           <p:cNvPr id="67" name="Google Shape;67;g2a600cb2756_0_31:notes"/>
-          <p:cNvSpPr txBox="1"/>
+          <p:cNvSpPr txBox="1">
+            <a:spLocks noGrp="1"/>
+          </p:cNvSpPr>
           <p:nvPr>
-            <p:ph idx="1" type="body"/>
+            <p:ph type="body" idx="1"/>
           </p:nvPr>
         </p:nvSpPr>
         <p:spPr>
@@ -977,12 +1522,12 @@
           </a:prstGeom>
         </p:spPr>
         <p:txBody>
-          <a:bodyPr anchorCtr="0" anchor="t" bIns="91425" lIns="91425" spcFirstLastPara="1" rIns="91425" wrap="square" tIns="91425">
+          <a:bodyPr spcFirstLastPara="1" wrap="square" lIns="91425" tIns="91425" rIns="91425" bIns="91425" anchor="t" anchorCtr="0">
             <a:noAutofit/>
           </a:bodyPr>
           <a:lstStyle/>
           <a:p>
-            <a:pPr indent="0" lvl="0" marL="0" rtl="0" algn="l">
+            <a:pPr marL="0" lvl="0" indent="0" algn="l" rtl="0">
               <a:spcBef>
                 <a:spcPts val="0"/>
               </a:spcBef>
@@ -991,9 +1536,6 @@
               </a:spcAft>
               <a:buNone/>
             </a:pPr>
-            <a:r>
-              <a:t/>
-            </a:r>
             <a:endParaRPr/>
           </a:p>
         </p:txBody>
@@ -1007,11 +1549,11 @@
 </file>
 
 <file path=ppt/notesSlides/notesSlide4.xml><?xml version="1.0" encoding="utf-8"?>
-<p:notes xmlns:a="http://schemas.openxmlformats.org/drawingml/2006/main" xmlns:r="http://schemas.openxmlformats.org/officeDocument/2006/relationships" xmlns:mc="http://schemas.openxmlformats.org/markup-compatibility/2006" xmlns:mv="urn:schemas-microsoft-com:mac:vml" xmlns:p="http://schemas.openxmlformats.org/presentationml/2006/main" xmlns:c="http://schemas.openxmlformats.org/drawingml/2006/chart" xmlns:dgm="http://schemas.openxmlformats.org/drawingml/2006/diagram" xmlns:o="urn:schemas-microsoft-com:office:office" xmlns:v="urn:schemas-microsoft-com:vml" xmlns:pvml="urn:schemas-microsoft-com:office:powerpoint" xmlns:com="http://schemas.openxmlformats.org/drawingml/2006/compatibility" xmlns:p14="http://schemas.microsoft.com/office/powerpoint/2010/main" xmlns:p15="http://schemas.microsoft.com/office/powerpoint/2012/main" xmlns:ahyp="http://schemas.microsoft.com/office/drawing/2018/hyperlinkcolor" showMasterPhAnim="0" showMasterSp="0">
+<p:notes xmlns:a="http://schemas.openxmlformats.org/drawingml/2006/main" xmlns:r="http://schemas.openxmlformats.org/officeDocument/2006/relationships" xmlns:p="http://schemas.openxmlformats.org/presentationml/2006/main" showMasterSp="0" showMasterPhAnim="0">
   <p:cSld>
     <p:spTree>
       <p:nvGrpSpPr>
-        <p:cNvPr id="71" name="Shape 71"/>
+        <p:cNvPr id="1" name="Shape 71"/>
         <p:cNvGrpSpPr/>
         <p:nvPr/>
       </p:nvGrpSpPr>
@@ -1026,9 +1568,11 @@
       <p:sp>
         <p:nvSpPr>
           <p:cNvPr id="72" name="Google Shape;72;g2a600cb2756_0_36:notes"/>
-          <p:cNvSpPr/>
+          <p:cNvSpPr>
+            <a:spLocks noGrp="1" noRot="1" noChangeAspect="1"/>
+          </p:cNvSpPr>
           <p:nvPr>
-            <p:ph idx="2" type="sldImg"/>
+            <p:ph type="sldImg" idx="2"/>
           </p:nvPr>
         </p:nvSpPr>
         <p:spPr>
@@ -1037,9 +1581,13 @@
             <a:ext cx="6096000" cy="3429000"/>
           </a:xfrm>
           <a:custGeom>
-            <a:rect b="b" l="l" r="r" t="t"/>
+            <a:avLst/>
+            <a:gdLst/>
+            <a:ahLst/>
+            <a:cxnLst/>
+            <a:rect l="l" t="t" r="r" b="b"/>
             <a:pathLst>
-              <a:path extrusionOk="0" h="120000" w="120000">
+              <a:path w="120000" h="120000" extrusionOk="0">
                 <a:moveTo>
                   <a:pt x="0" y="0"/>
                 </a:moveTo>
@@ -1061,9 +1609,11 @@
       <p:sp>
         <p:nvSpPr>
           <p:cNvPr id="73" name="Google Shape;73;g2a600cb2756_0_36:notes"/>
-          <p:cNvSpPr txBox="1"/>
+          <p:cNvSpPr txBox="1">
+            <a:spLocks noGrp="1"/>
+          </p:cNvSpPr>
           <p:nvPr>
-            <p:ph idx="1" type="body"/>
+            <p:ph type="body" idx="1"/>
           </p:nvPr>
         </p:nvSpPr>
         <p:spPr>
@@ -1076,12 +1626,12 @@
           </a:prstGeom>
         </p:spPr>
         <p:txBody>
-          <a:bodyPr anchorCtr="0" anchor="t" bIns="91425" lIns="91425" spcFirstLastPara="1" rIns="91425" wrap="square" tIns="91425">
+          <a:bodyPr spcFirstLastPara="1" wrap="square" lIns="91425" tIns="91425" rIns="91425" bIns="91425" anchor="t" anchorCtr="0">
             <a:noAutofit/>
           </a:bodyPr>
           <a:lstStyle/>
           <a:p>
-            <a:pPr indent="0" lvl="0" marL="0" rtl="0" algn="l">
+            <a:pPr marL="0" lvl="0" indent="0" algn="l" rtl="0">
               <a:spcBef>
                 <a:spcPts val="0"/>
               </a:spcBef>
@@ -1090,9 +1640,6 @@
               </a:spcAft>
               <a:buNone/>
             </a:pPr>
-            <a:r>
-              <a:t/>
-            </a:r>
             <a:endParaRPr/>
           </a:p>
         </p:txBody>
@@ -1106,11 +1653,11 @@
 </file>
 
 <file path=ppt/notesSlides/notesSlide5.xml><?xml version="1.0" encoding="utf-8"?>
-<p:notes xmlns:a="http://schemas.openxmlformats.org/drawingml/2006/main" xmlns:r="http://schemas.openxmlformats.org/officeDocument/2006/relationships" xmlns:mc="http://schemas.openxmlformats.org/markup-compatibility/2006" xmlns:mv="urn:schemas-microsoft-com:mac:vml" xmlns:p="http://schemas.openxmlformats.org/presentationml/2006/main" xmlns:c="http://schemas.openxmlformats.org/drawingml/2006/chart" xmlns:dgm="http://schemas.openxmlformats.org/drawingml/2006/diagram" xmlns:o="urn:schemas-microsoft-com:office:office" xmlns:v="urn:schemas-microsoft-com:vml" xmlns:pvml="urn:schemas-microsoft-com:office:powerpoint" xmlns:com="http://schemas.openxmlformats.org/drawingml/2006/compatibility" xmlns:p14="http://schemas.microsoft.com/office/powerpoint/2010/main" xmlns:p15="http://schemas.microsoft.com/office/powerpoint/2012/main" xmlns:ahyp="http://schemas.microsoft.com/office/drawing/2018/hyperlinkcolor" showMasterPhAnim="0" showMasterSp="0">
+<p:notes xmlns:a="http://schemas.openxmlformats.org/drawingml/2006/main" xmlns:r="http://schemas.openxmlformats.org/officeDocument/2006/relationships" xmlns:p="http://schemas.openxmlformats.org/presentationml/2006/main" showMasterSp="0" showMasterPhAnim="0">
   <p:cSld>
     <p:spTree>
       <p:nvGrpSpPr>
-        <p:cNvPr id="76" name="Shape 76"/>
+        <p:cNvPr id="1" name="Shape 76"/>
         <p:cNvGrpSpPr/>
         <p:nvPr/>
       </p:nvGrpSpPr>
@@ -1125,9 +1672,11 @@
       <p:sp>
         <p:nvSpPr>
           <p:cNvPr id="77" name="Google Shape;77;g2a611630393_0_5:notes"/>
-          <p:cNvSpPr/>
+          <p:cNvSpPr>
+            <a:spLocks noGrp="1" noRot="1" noChangeAspect="1"/>
+          </p:cNvSpPr>
           <p:nvPr>
-            <p:ph idx="2" type="sldImg"/>
+            <p:ph type="sldImg" idx="2"/>
           </p:nvPr>
         </p:nvSpPr>
         <p:spPr>
@@ -1136,9 +1685,13 @@
             <a:ext cx="6096000" cy="3429000"/>
           </a:xfrm>
           <a:custGeom>
-            <a:rect b="b" l="l" r="r" t="t"/>
+            <a:avLst/>
+            <a:gdLst/>
+            <a:ahLst/>
+            <a:cxnLst/>
+            <a:rect l="l" t="t" r="r" b="b"/>
             <a:pathLst>
-              <a:path extrusionOk="0" h="120000" w="120000">
+              <a:path w="120000" h="120000" extrusionOk="0">
                 <a:moveTo>
                   <a:pt x="0" y="0"/>
                 </a:moveTo>
@@ -1160,9 +1713,11 @@
       <p:sp>
         <p:nvSpPr>
           <p:cNvPr id="78" name="Google Shape;78;g2a611630393_0_5:notes"/>
-          <p:cNvSpPr txBox="1"/>
+          <p:cNvSpPr txBox="1">
+            <a:spLocks noGrp="1"/>
+          </p:cNvSpPr>
           <p:nvPr>
-            <p:ph idx="1" type="body"/>
+            <p:ph type="body" idx="1"/>
           </p:nvPr>
         </p:nvSpPr>
         <p:spPr>
@@ -1175,12 +1730,12 @@
           </a:prstGeom>
         </p:spPr>
         <p:txBody>
-          <a:bodyPr anchorCtr="0" anchor="t" bIns="91425" lIns="91425" spcFirstLastPara="1" rIns="91425" wrap="square" tIns="91425">
+          <a:bodyPr spcFirstLastPara="1" wrap="square" lIns="91425" tIns="91425" rIns="91425" bIns="91425" anchor="t" anchorCtr="0">
             <a:noAutofit/>
           </a:bodyPr>
           <a:lstStyle/>
           <a:p>
-            <a:pPr indent="0" lvl="0" marL="0" rtl="0" algn="l">
+            <a:pPr marL="0" lvl="0" indent="0" algn="l" rtl="0">
               <a:spcBef>
                 <a:spcPts val="0"/>
               </a:spcBef>
@@ -1189,9 +1744,6 @@
               </a:spcAft>
               <a:buNone/>
             </a:pPr>
-            <a:r>
-              <a:t/>
-            </a:r>
             <a:endParaRPr/>
           </a:p>
         </p:txBody>
@@ -1205,11 +1757,11 @@
 </file>
 
 <file path=ppt/notesSlides/notesSlide6.xml><?xml version="1.0" encoding="utf-8"?>
-<p:notes xmlns:a="http://schemas.openxmlformats.org/drawingml/2006/main" xmlns:r="http://schemas.openxmlformats.org/officeDocument/2006/relationships" xmlns:mc="http://schemas.openxmlformats.org/markup-compatibility/2006" xmlns:mv="urn:schemas-microsoft-com:mac:vml" xmlns:p="http://schemas.openxmlformats.org/presentationml/2006/main" xmlns:c="http://schemas.openxmlformats.org/drawingml/2006/chart" xmlns:dgm="http://schemas.openxmlformats.org/drawingml/2006/diagram" xmlns:o="urn:schemas-microsoft-com:office:office" xmlns:v="urn:schemas-microsoft-com:vml" xmlns:pvml="urn:schemas-microsoft-com:office:powerpoint" xmlns:com="http://schemas.openxmlformats.org/drawingml/2006/compatibility" xmlns:p14="http://schemas.microsoft.com/office/powerpoint/2010/main" xmlns:p15="http://schemas.microsoft.com/office/powerpoint/2012/main" xmlns:ahyp="http://schemas.microsoft.com/office/drawing/2018/hyperlinkcolor" showMasterPhAnim="0" showMasterSp="0">
+<p:notes xmlns:a="http://schemas.openxmlformats.org/drawingml/2006/main" xmlns:r="http://schemas.openxmlformats.org/officeDocument/2006/relationships" xmlns:p="http://schemas.openxmlformats.org/presentationml/2006/main" showMasterSp="0" showMasterPhAnim="0">
   <p:cSld>
     <p:spTree>
       <p:nvGrpSpPr>
-        <p:cNvPr id="81" name="Shape 81"/>
+        <p:cNvPr id="1" name="Shape 81"/>
         <p:cNvGrpSpPr/>
         <p:nvPr/>
       </p:nvGrpSpPr>
@@ -1224,9 +1776,11 @@
       <p:sp>
         <p:nvSpPr>
           <p:cNvPr id="82" name="Google Shape;82;g2a611630393_0_9:notes"/>
-          <p:cNvSpPr/>
+          <p:cNvSpPr>
+            <a:spLocks noGrp="1" noRot="1" noChangeAspect="1"/>
+          </p:cNvSpPr>
           <p:nvPr>
-            <p:ph idx="2" type="sldImg"/>
+            <p:ph type="sldImg" idx="2"/>
           </p:nvPr>
         </p:nvSpPr>
         <p:spPr>
@@ -1235,9 +1789,13 @@
             <a:ext cx="6096000" cy="3429000"/>
           </a:xfrm>
           <a:custGeom>
-            <a:rect b="b" l="l" r="r" t="t"/>
+            <a:avLst/>
+            <a:gdLst/>
+            <a:ahLst/>
+            <a:cxnLst/>
+            <a:rect l="l" t="t" r="r" b="b"/>
             <a:pathLst>
-              <a:path extrusionOk="0" h="120000" w="120000">
+              <a:path w="120000" h="120000" extrusionOk="0">
                 <a:moveTo>
                   <a:pt x="0" y="0"/>
                 </a:moveTo>
@@ -1259,9 +1817,11 @@
       <p:sp>
         <p:nvSpPr>
           <p:cNvPr id="83" name="Google Shape;83;g2a611630393_0_9:notes"/>
-          <p:cNvSpPr txBox="1"/>
+          <p:cNvSpPr txBox="1">
+            <a:spLocks noGrp="1"/>
+          </p:cNvSpPr>
           <p:nvPr>
-            <p:ph idx="1" type="body"/>
+            <p:ph type="body" idx="1"/>
           </p:nvPr>
         </p:nvSpPr>
         <p:spPr>
@@ -1274,12 +1834,12 @@
           </a:prstGeom>
         </p:spPr>
         <p:txBody>
-          <a:bodyPr anchorCtr="0" anchor="t" bIns="91425" lIns="91425" spcFirstLastPara="1" rIns="91425" wrap="square" tIns="91425">
+          <a:bodyPr spcFirstLastPara="1" wrap="square" lIns="91425" tIns="91425" rIns="91425" bIns="91425" anchor="t" anchorCtr="0">
             <a:noAutofit/>
           </a:bodyPr>
           <a:lstStyle/>
           <a:p>
-            <a:pPr indent="0" lvl="0" marL="0" rtl="0" algn="l">
+            <a:pPr marL="0" lvl="0" indent="0" algn="l" rtl="0">
               <a:spcBef>
                 <a:spcPts val="0"/>
               </a:spcBef>
@@ -1288,9 +1848,6 @@
               </a:spcAft>
               <a:buNone/>
             </a:pPr>
-            <a:r>
-              <a:t/>
-            </a:r>
             <a:endParaRPr/>
           </a:p>
         </p:txBody>
@@ -1304,11 +1861,11 @@
 </file>
 
 <file path=ppt/notesSlides/notesSlide7.xml><?xml version="1.0" encoding="utf-8"?>
-<p:notes xmlns:a="http://schemas.openxmlformats.org/drawingml/2006/main" xmlns:r="http://schemas.openxmlformats.org/officeDocument/2006/relationships" xmlns:mc="http://schemas.openxmlformats.org/markup-compatibility/2006" xmlns:mv="urn:schemas-microsoft-com:mac:vml" xmlns:p="http://schemas.openxmlformats.org/presentationml/2006/main" xmlns:c="http://schemas.openxmlformats.org/drawingml/2006/chart" xmlns:dgm="http://schemas.openxmlformats.org/drawingml/2006/diagram" xmlns:o="urn:schemas-microsoft-com:office:office" xmlns:v="urn:schemas-microsoft-com:vml" xmlns:pvml="urn:schemas-microsoft-com:office:powerpoint" xmlns:com="http://schemas.openxmlformats.org/drawingml/2006/compatibility" xmlns:p14="http://schemas.microsoft.com/office/powerpoint/2010/main" xmlns:p15="http://schemas.microsoft.com/office/powerpoint/2012/main" xmlns:ahyp="http://schemas.microsoft.com/office/drawing/2018/hyperlinkcolor" showMasterPhAnim="0" showMasterSp="0">
+<p:notes xmlns:a="http://schemas.openxmlformats.org/drawingml/2006/main" xmlns:r="http://schemas.openxmlformats.org/officeDocument/2006/relationships" xmlns:p="http://schemas.openxmlformats.org/presentationml/2006/main" showMasterSp="0" showMasterPhAnim="0">
   <p:cSld>
     <p:spTree>
       <p:nvGrpSpPr>
-        <p:cNvPr id="86" name="Shape 86"/>
+        <p:cNvPr id="1" name="Shape 86"/>
         <p:cNvGrpSpPr/>
         <p:nvPr/>
       </p:nvGrpSpPr>
@@ -1323,9 +1880,11 @@
       <p:sp>
         <p:nvSpPr>
           <p:cNvPr id="87" name="Google Shape;87;g2a611630393_0_14:notes"/>
-          <p:cNvSpPr/>
+          <p:cNvSpPr>
+            <a:spLocks noGrp="1" noRot="1" noChangeAspect="1"/>
+          </p:cNvSpPr>
           <p:nvPr>
-            <p:ph idx="2" type="sldImg"/>
+            <p:ph type="sldImg" idx="2"/>
           </p:nvPr>
         </p:nvSpPr>
         <p:spPr>
@@ -1334,9 +1893,13 @@
             <a:ext cx="6096000" cy="3429000"/>
           </a:xfrm>
           <a:custGeom>
-            <a:rect b="b" l="l" r="r" t="t"/>
+            <a:avLst/>
+            <a:gdLst/>
+            <a:ahLst/>
+            <a:cxnLst/>
+            <a:rect l="l" t="t" r="r" b="b"/>
             <a:pathLst>
-              <a:path extrusionOk="0" h="120000" w="120000">
+              <a:path w="120000" h="120000" extrusionOk="0">
                 <a:moveTo>
                   <a:pt x="0" y="0"/>
                 </a:moveTo>
@@ -1358,9 +1921,11 @@
       <p:sp>
         <p:nvSpPr>
           <p:cNvPr id="88" name="Google Shape;88;g2a611630393_0_14:notes"/>
-          <p:cNvSpPr txBox="1"/>
+          <p:cNvSpPr txBox="1">
+            <a:spLocks noGrp="1"/>
+          </p:cNvSpPr>
           <p:nvPr>
-            <p:ph idx="1" type="body"/>
+            <p:ph type="body" idx="1"/>
           </p:nvPr>
         </p:nvSpPr>
         <p:spPr>
@@ -1373,12 +1938,12 @@
           </a:prstGeom>
         </p:spPr>
         <p:txBody>
-          <a:bodyPr anchorCtr="0" anchor="t" bIns="91425" lIns="91425" spcFirstLastPara="1" rIns="91425" wrap="square" tIns="91425">
+          <a:bodyPr spcFirstLastPara="1" wrap="square" lIns="91425" tIns="91425" rIns="91425" bIns="91425" anchor="t" anchorCtr="0">
             <a:noAutofit/>
           </a:bodyPr>
           <a:lstStyle/>
           <a:p>
-            <a:pPr indent="0" lvl="0" marL="0" rtl="0" algn="l">
+            <a:pPr marL="0" lvl="0" indent="0" algn="l" rtl="0">
               <a:spcBef>
                 <a:spcPts val="0"/>
               </a:spcBef>
@@ -1387,9 +1952,6 @@
               </a:spcAft>
               <a:buNone/>
             </a:pPr>
-            <a:r>
-              <a:t/>
-            </a:r>
             <a:endParaRPr/>
           </a:p>
         </p:txBody>
@@ -1403,11 +1965,11 @@
 </file>
 
 <file path=ppt/notesSlides/notesSlide8.xml><?xml version="1.0" encoding="utf-8"?>
-<p:notes xmlns:a="http://schemas.openxmlformats.org/drawingml/2006/main" xmlns:r="http://schemas.openxmlformats.org/officeDocument/2006/relationships" xmlns:mc="http://schemas.openxmlformats.org/markup-compatibility/2006" xmlns:mv="urn:schemas-microsoft-com:mac:vml" xmlns:p="http://schemas.openxmlformats.org/presentationml/2006/main" xmlns:c="http://schemas.openxmlformats.org/drawingml/2006/chart" xmlns:dgm="http://schemas.openxmlformats.org/drawingml/2006/diagram" xmlns:o="urn:schemas-microsoft-com:office:office" xmlns:v="urn:schemas-microsoft-com:vml" xmlns:pvml="urn:schemas-microsoft-com:office:powerpoint" xmlns:com="http://schemas.openxmlformats.org/drawingml/2006/compatibility" xmlns:p14="http://schemas.microsoft.com/office/powerpoint/2010/main" xmlns:p15="http://schemas.microsoft.com/office/powerpoint/2012/main" xmlns:ahyp="http://schemas.microsoft.com/office/drawing/2018/hyperlinkcolor" showMasterPhAnim="0" showMasterSp="0">
+<p:notes xmlns:a="http://schemas.openxmlformats.org/drawingml/2006/main" xmlns:r="http://schemas.openxmlformats.org/officeDocument/2006/relationships" xmlns:p="http://schemas.openxmlformats.org/presentationml/2006/main" showMasterSp="0" showMasterPhAnim="0">
   <p:cSld>
     <p:spTree>
       <p:nvGrpSpPr>
-        <p:cNvPr id="91" name="Shape 91"/>
+        <p:cNvPr id="1" name="Shape 91"/>
         <p:cNvGrpSpPr/>
         <p:nvPr/>
       </p:nvGrpSpPr>
@@ -1422,9 +1984,11 @@
       <p:sp>
         <p:nvSpPr>
           <p:cNvPr id="92" name="Google Shape;92;g2a611630393_0_21:notes"/>
-          <p:cNvSpPr/>
+          <p:cNvSpPr>
+            <a:spLocks noGrp="1" noRot="1" noChangeAspect="1"/>
+          </p:cNvSpPr>
           <p:nvPr>
-            <p:ph idx="2" type="sldImg"/>
+            <p:ph type="sldImg" idx="2"/>
           </p:nvPr>
         </p:nvSpPr>
         <p:spPr>
@@ -1433,9 +1997,13 @@
             <a:ext cx="6096000" cy="3429000"/>
           </a:xfrm>
           <a:custGeom>
-            <a:rect b="b" l="l" r="r" t="t"/>
+            <a:avLst/>
+            <a:gdLst/>
+            <a:ahLst/>
+            <a:cxnLst/>
+            <a:rect l="l" t="t" r="r" b="b"/>
             <a:pathLst>
-              <a:path extrusionOk="0" h="120000" w="120000">
+              <a:path w="120000" h="120000" extrusionOk="0">
                 <a:moveTo>
                   <a:pt x="0" y="0"/>
                 </a:moveTo>
@@ -1457,9 +2025,11 @@
       <p:sp>
         <p:nvSpPr>
           <p:cNvPr id="93" name="Google Shape;93;g2a611630393_0_21:notes"/>
-          <p:cNvSpPr txBox="1"/>
+          <p:cNvSpPr txBox="1">
+            <a:spLocks noGrp="1"/>
+          </p:cNvSpPr>
           <p:nvPr>
-            <p:ph idx="1" type="body"/>
+            <p:ph type="body" idx="1"/>
           </p:nvPr>
         </p:nvSpPr>
         <p:spPr>
@@ -1472,12 +2042,12 @@
           </a:prstGeom>
         </p:spPr>
         <p:txBody>
-          <a:bodyPr anchorCtr="0" anchor="t" bIns="91425" lIns="91425" spcFirstLastPara="1" rIns="91425" wrap="square" tIns="91425">
+          <a:bodyPr spcFirstLastPara="1" wrap="square" lIns="91425" tIns="91425" rIns="91425" bIns="91425" anchor="t" anchorCtr="0">
             <a:noAutofit/>
           </a:bodyPr>
           <a:lstStyle/>
           <a:p>
-            <a:pPr indent="0" lvl="0" marL="0" rtl="0" algn="l">
+            <a:pPr marL="0" lvl="0" indent="0" algn="l" rtl="0">
               <a:spcBef>
                 <a:spcPts val="0"/>
               </a:spcBef>
@@ -1486,9 +2056,6 @@
               </a:spcAft>
               <a:buNone/>
             </a:pPr>
-            <a:r>
-              <a:t/>
-            </a:r>
             <a:endParaRPr/>
           </a:p>
         </p:txBody>
@@ -1502,11 +2069,11 @@
 </file>
 
 <file path=ppt/notesSlides/notesSlide9.xml><?xml version="1.0" encoding="utf-8"?>
-<p:notes xmlns:a="http://schemas.openxmlformats.org/drawingml/2006/main" xmlns:r="http://schemas.openxmlformats.org/officeDocument/2006/relationships" xmlns:mc="http://schemas.openxmlformats.org/markup-compatibility/2006" xmlns:mv="urn:schemas-microsoft-com:mac:vml" xmlns:p="http://schemas.openxmlformats.org/presentationml/2006/main" xmlns:c="http://schemas.openxmlformats.org/drawingml/2006/chart" xmlns:dgm="http://schemas.openxmlformats.org/drawingml/2006/diagram" xmlns:o="urn:schemas-microsoft-com:office:office" xmlns:v="urn:schemas-microsoft-com:vml" xmlns:pvml="urn:schemas-microsoft-com:office:powerpoint" xmlns:com="http://schemas.openxmlformats.org/drawingml/2006/compatibility" xmlns:p14="http://schemas.microsoft.com/office/powerpoint/2010/main" xmlns:p15="http://schemas.microsoft.com/office/powerpoint/2012/main" xmlns:ahyp="http://schemas.microsoft.com/office/drawing/2018/hyperlinkcolor" showMasterPhAnim="0" showMasterSp="0">
+<p:notes xmlns:a="http://schemas.openxmlformats.org/drawingml/2006/main" xmlns:r="http://schemas.openxmlformats.org/officeDocument/2006/relationships" xmlns:p="http://schemas.openxmlformats.org/presentationml/2006/main" showMasterSp="0" showMasterPhAnim="0">
   <p:cSld>
     <p:spTree>
       <p:nvGrpSpPr>
-        <p:cNvPr id="96" name="Shape 96"/>
+        <p:cNvPr id="1" name="Shape 96"/>
         <p:cNvGrpSpPr/>
         <p:nvPr/>
       </p:nvGrpSpPr>
@@ -1521,9 +2088,11 @@
       <p:sp>
         <p:nvSpPr>
           <p:cNvPr id="97" name="Google Shape;97;g2a611630393_0_29:notes"/>
-          <p:cNvSpPr/>
+          <p:cNvSpPr>
+            <a:spLocks noGrp="1" noRot="1" noChangeAspect="1"/>
+          </p:cNvSpPr>
           <p:nvPr>
-            <p:ph idx="2" type="sldImg"/>
+            <p:ph type="sldImg" idx="2"/>
           </p:nvPr>
         </p:nvSpPr>
         <p:spPr>
@@ -1532,9 +2101,13 @@
             <a:ext cx="6096000" cy="3429000"/>
           </a:xfrm>
           <a:custGeom>
-            <a:rect b="b" l="l" r="r" t="t"/>
+            <a:avLst/>
+            <a:gdLst/>
+            <a:ahLst/>
+            <a:cxnLst/>
+            <a:rect l="l" t="t" r="r" b="b"/>
             <a:pathLst>
-              <a:path extrusionOk="0" h="120000" w="120000">
+              <a:path w="120000" h="120000" extrusionOk="0">
                 <a:moveTo>
                   <a:pt x="0" y="0"/>
                 </a:moveTo>
@@ -1556,9 +2129,11 @@
       <p:sp>
         <p:nvSpPr>
           <p:cNvPr id="98" name="Google Shape;98;g2a611630393_0_29:notes"/>
-          <p:cNvSpPr txBox="1"/>
+          <p:cNvSpPr txBox="1">
+            <a:spLocks noGrp="1"/>
+          </p:cNvSpPr>
           <p:nvPr>
-            <p:ph idx="1" type="body"/>
+            <p:ph type="body" idx="1"/>
           </p:nvPr>
         </p:nvSpPr>
         <p:spPr>
@@ -1571,12 +2146,12 @@
           </a:prstGeom>
         </p:spPr>
         <p:txBody>
-          <a:bodyPr anchorCtr="0" anchor="t" bIns="91425" lIns="91425" spcFirstLastPara="1" rIns="91425" wrap="square" tIns="91425">
+          <a:bodyPr spcFirstLastPara="1" wrap="square" lIns="91425" tIns="91425" rIns="91425" bIns="91425" anchor="t" anchorCtr="0">
             <a:noAutofit/>
           </a:bodyPr>
           <a:lstStyle/>
           <a:p>
-            <a:pPr indent="0" lvl="0" marL="0" rtl="0" algn="l">
+            <a:pPr marL="0" lvl="0" indent="0" algn="l" rtl="0">
               <a:spcBef>
                 <a:spcPts val="0"/>
               </a:spcBef>
@@ -1585,9 +2160,6 @@
               </a:spcAft>
               <a:buNone/>
             </a:pPr>
-            <a:r>
-              <a:t/>
-            </a:r>
             <a:endParaRPr/>
           </a:p>
         </p:txBody>
@@ -1601,18 +2173,19 @@
 </file>
 
 <file path=ppt/slideLayouts/slideLayout1.xml><?xml version="1.0" encoding="utf-8"?>
-<p:sldLayout xmlns:a="http://schemas.openxmlformats.org/drawingml/2006/main" xmlns:r="http://schemas.openxmlformats.org/officeDocument/2006/relationships" xmlns:mc="http://schemas.openxmlformats.org/markup-compatibility/2006" xmlns:mv="urn:schemas-microsoft-com:mac:vml" xmlns:p="http://schemas.openxmlformats.org/presentationml/2006/main" xmlns:c="http://schemas.openxmlformats.org/drawingml/2006/chart" xmlns:dgm="http://schemas.openxmlformats.org/drawingml/2006/diagram" xmlns:o="urn:schemas-microsoft-com:office:office" xmlns:v="urn:schemas-microsoft-com:vml" xmlns:pvml="urn:schemas-microsoft-com:office:powerpoint" xmlns:com="http://schemas.openxmlformats.org/drawingml/2006/compatibility" xmlns:p14="http://schemas.microsoft.com/office/powerpoint/2010/main" xmlns:p15="http://schemas.microsoft.com/office/powerpoint/2012/main" xmlns:ahyp="http://schemas.microsoft.com/office/drawing/2018/hyperlinkcolor" matchingName="Title slide" type="title">
+<p:sldLayout xmlns:a="http://schemas.openxmlformats.org/drawingml/2006/main" xmlns:r="http://schemas.openxmlformats.org/officeDocument/2006/relationships" xmlns:p="http://schemas.openxmlformats.org/presentationml/2006/main" matchingName="Title slide" type="title">
   <p:cSld name="TITLE">
     <p:bg>
       <p:bgPr>
         <a:solidFill>
           <a:schemeClr val="dk1"/>
         </a:solidFill>
+        <a:effectLst/>
       </p:bgPr>
     </p:bg>
     <p:spTree>
       <p:nvGrpSpPr>
-        <p:cNvPr id="9" name="Shape 9"/>
+        <p:cNvPr id="1" name="Shape 9"/>
         <p:cNvGrpSpPr/>
         <p:nvPr/>
       </p:nvGrpSpPr>
@@ -1646,12 +2219,12 @@
           </a:ln>
         </p:spPr>
         <p:txBody>
-          <a:bodyPr anchorCtr="0" anchor="ctr" bIns="91425" lIns="91425" spcFirstLastPara="1" rIns="91425" wrap="square" tIns="91425">
+          <a:bodyPr spcFirstLastPara="1" wrap="square" lIns="91425" tIns="91425" rIns="91425" bIns="91425" anchor="ctr" anchorCtr="0">
             <a:noAutofit/>
           </a:bodyPr>
           <a:lstStyle/>
           <a:p>
-            <a:pPr indent="0" lvl="0" marL="0" rtl="0" algn="l">
+            <a:pPr marL="0" lvl="0" indent="0" algn="l" rtl="0">
               <a:spcBef>
                 <a:spcPts val="0"/>
               </a:spcBef>
@@ -1660,9 +2233,6 @@
               </a:spcAft>
               <a:buNone/>
             </a:pPr>
-            <a:r>
-              <a:t/>
-            </a:r>
             <a:endParaRPr/>
           </a:p>
         </p:txBody>
@@ -1682,21 +2252,23 @@
             <a:avLst/>
           </a:prstGeom>
           <a:noFill/>
-          <a:ln cap="flat" cmpd="sng" w="28575">
+          <a:ln w="28575" cap="flat" cmpd="sng">
             <a:solidFill>
               <a:schemeClr val="accent1"/>
             </a:solidFill>
             <a:prstDash val="solid"/>
             <a:round/>
-            <a:headEnd len="sm" w="sm" type="none"/>
-            <a:tailEnd len="sm" w="sm" type="none"/>
+            <a:headEnd type="none" w="sm" len="sm"/>
+            <a:tailEnd type="none" w="sm" len="sm"/>
           </a:ln>
         </p:spPr>
       </p:cxnSp>
       <p:sp>
         <p:nvSpPr>
           <p:cNvPr id="12" name="Google Shape;12;p2"/>
-          <p:cNvSpPr txBox="1"/>
+          <p:cNvSpPr txBox="1">
+            <a:spLocks noGrp="1"/>
+          </p:cNvSpPr>
           <p:nvPr>
             <p:ph type="ctrTitle"/>
           </p:nvPr>
@@ -1711,7 +2283,7 @@
           </a:prstGeom>
         </p:spPr>
         <p:txBody>
-          <a:bodyPr anchorCtr="0" anchor="b" bIns="91425" lIns="91425" spcFirstLastPara="1" rIns="91425" wrap="square" tIns="91425">
+          <a:bodyPr spcFirstLastPara="1" wrap="square" lIns="91425" tIns="91425" rIns="91425" bIns="91425" anchor="b" anchorCtr="0">
             <a:noAutofit/>
           </a:bodyPr>
           <a:lstStyle>
@@ -1878,15 +2450,19 @@
               </a:defRPr>
             </a:lvl9pPr>
           </a:lstStyle>
-          <a:p/>
+          <a:p>
+            <a:endParaRPr/>
+          </a:p>
         </p:txBody>
       </p:sp>
       <p:sp>
         <p:nvSpPr>
           <p:cNvPr id="13" name="Google Shape;13;p2"/>
-          <p:cNvSpPr txBox="1"/>
+          <p:cNvSpPr txBox="1">
+            <a:spLocks noGrp="1"/>
+          </p:cNvSpPr>
           <p:nvPr>
-            <p:ph idx="1" type="subTitle"/>
+            <p:ph type="subTitle" idx="1"/>
           </p:nvPr>
         </p:nvSpPr>
         <p:spPr>
@@ -1899,7 +2475,7 @@
           </a:prstGeom>
         </p:spPr>
         <p:txBody>
-          <a:bodyPr anchorCtr="0" anchor="t" bIns="91425" lIns="91425" spcFirstLastPara="1" rIns="91425" wrap="square" tIns="91425">
+          <a:bodyPr spcFirstLastPara="1" wrap="square" lIns="91425" tIns="91425" rIns="91425" bIns="91425" anchor="t" anchorCtr="0">
             <a:noAutofit/>
           </a:bodyPr>
           <a:lstStyle>
@@ -2093,15 +2669,19 @@
               </a:defRPr>
             </a:lvl9pPr>
           </a:lstStyle>
-          <a:p/>
+          <a:p>
+            <a:endParaRPr/>
+          </a:p>
         </p:txBody>
       </p:sp>
       <p:sp>
         <p:nvSpPr>
           <p:cNvPr id="14" name="Google Shape;14;p2"/>
-          <p:cNvSpPr txBox="1"/>
+          <p:cNvSpPr txBox="1">
+            <a:spLocks noGrp="1"/>
+          </p:cNvSpPr>
           <p:nvPr>
-            <p:ph idx="12" type="sldNum"/>
+            <p:ph type="sldNum" idx="12"/>
           </p:nvPr>
         </p:nvSpPr>
         <p:spPr>
@@ -2114,7 +2694,7 @@
           </a:prstGeom>
         </p:spPr>
         <p:txBody>
-          <a:bodyPr anchorCtr="0" anchor="ctr" bIns="91425" lIns="91425" spcFirstLastPara="1" rIns="91425" wrap="square" tIns="91425">
+          <a:bodyPr spcFirstLastPara="1" wrap="square" lIns="91425" tIns="91425" rIns="91425" bIns="91425" anchor="ctr" anchorCtr="0">
             <a:noAutofit/>
           </a:bodyPr>
           <a:lstStyle>
@@ -2192,7 +2772,7 @@
             </a:lvl9pPr>
           </a:lstStyle>
           <a:p>
-            <a:pPr indent="0" lvl="0" marL="0" rtl="0" algn="r">
+            <a:pPr marL="0" lvl="0" indent="0" algn="r" rtl="0">
               <a:spcBef>
                 <a:spcPts val="0"/>
               </a:spcBef>
@@ -2203,7 +2783,7 @@
             </a:pPr>
             <a:fld id="{00000000-1234-1234-1234-123412341234}" type="slidenum">
               <a:rPr lang="it"/>
-              <a:t>‹#›</a:t>
+              <a:t>‹N›</a:t>
             </a:fld>
             <a:endParaRPr/>
           </a:p>
@@ -2218,11 +2798,11 @@
 </file>
 
 <file path=ppt/slideLayouts/slideLayout10.xml><?xml version="1.0" encoding="utf-8"?>
-<p:sldLayout xmlns:a="http://schemas.openxmlformats.org/drawingml/2006/main" xmlns:r="http://schemas.openxmlformats.org/officeDocument/2006/relationships" xmlns:mc="http://schemas.openxmlformats.org/markup-compatibility/2006" xmlns:mv="urn:schemas-microsoft-com:mac:vml" xmlns:p="http://schemas.openxmlformats.org/presentationml/2006/main" xmlns:c="http://schemas.openxmlformats.org/drawingml/2006/chart" xmlns:dgm="http://schemas.openxmlformats.org/drawingml/2006/diagram" xmlns:o="urn:schemas-microsoft-com:office:office" xmlns:v="urn:schemas-microsoft-com:vml" xmlns:pvml="urn:schemas-microsoft-com:office:powerpoint" xmlns:com="http://schemas.openxmlformats.org/drawingml/2006/compatibility" xmlns:p14="http://schemas.microsoft.com/office/powerpoint/2010/main" xmlns:p15="http://schemas.microsoft.com/office/powerpoint/2012/main" xmlns:ahyp="http://schemas.microsoft.com/office/drawing/2018/hyperlinkcolor" matchingName="Big number">
+<p:sldLayout xmlns:a="http://schemas.openxmlformats.org/drawingml/2006/main" xmlns:r="http://schemas.openxmlformats.org/officeDocument/2006/relationships" xmlns:p="http://schemas.openxmlformats.org/presentationml/2006/main" matchingName="Big number">
   <p:cSld name="BIG_NUMBER">
     <p:spTree>
       <p:nvGrpSpPr>
-        <p:cNvPr id="49" name="Shape 49"/>
+        <p:cNvPr id="1" name="Shape 49"/>
         <p:cNvGrpSpPr/>
         <p:nvPr/>
       </p:nvGrpSpPr>
@@ -2237,9 +2817,11 @@
       <p:sp>
         <p:nvSpPr>
           <p:cNvPr id="50" name="Google Shape;50;p11"/>
-          <p:cNvSpPr txBox="1"/>
+          <p:cNvSpPr txBox="1">
+            <a:spLocks noGrp="1"/>
+          </p:cNvSpPr>
           <p:nvPr>
-            <p:ph hasCustomPrompt="1" type="title"/>
+            <p:ph type="title" hasCustomPrompt="1"/>
           </p:nvPr>
         </p:nvSpPr>
         <p:spPr>
@@ -2252,7 +2834,7 @@
           </a:prstGeom>
         </p:spPr>
         <p:txBody>
-          <a:bodyPr anchorCtr="0" anchor="b" bIns="91425" lIns="91425" spcFirstLastPara="1" rIns="91425" wrap="square" tIns="91425">
+          <a:bodyPr spcFirstLastPara="1" wrap="square" lIns="91425" tIns="91425" rIns="91425" bIns="91425" anchor="b" anchorCtr="0">
             <a:noAutofit/>
           </a:bodyPr>
           <a:lstStyle>
@@ -2265,7 +2847,7 @@
               </a:spcAft>
               <a:buSzPts val="14000"/>
               <a:buNone/>
-              <a:defRPr b="1" sz="14000"/>
+              <a:defRPr sz="14000" b="1"/>
             </a:lvl1pPr>
             <a:lvl2pPr lvl="1" algn="ctr">
               <a:spcBef>
@@ -2276,7 +2858,7 @@
               </a:spcAft>
               <a:buSzPts val="14000"/>
               <a:buNone/>
-              <a:defRPr b="1" sz="14000"/>
+              <a:defRPr sz="14000" b="1"/>
             </a:lvl2pPr>
             <a:lvl3pPr lvl="2" algn="ctr">
               <a:spcBef>
@@ -2287,7 +2869,7 @@
               </a:spcAft>
               <a:buSzPts val="14000"/>
               <a:buNone/>
-              <a:defRPr b="1" sz="14000"/>
+              <a:defRPr sz="14000" b="1"/>
             </a:lvl3pPr>
             <a:lvl4pPr lvl="3" algn="ctr">
               <a:spcBef>
@@ -2298,7 +2880,7 @@
               </a:spcAft>
               <a:buSzPts val="14000"/>
               <a:buNone/>
-              <a:defRPr b="1" sz="14000"/>
+              <a:defRPr sz="14000" b="1"/>
             </a:lvl4pPr>
             <a:lvl5pPr lvl="4" algn="ctr">
               <a:spcBef>
@@ -2309,7 +2891,7 @@
               </a:spcAft>
               <a:buSzPts val="14000"/>
               <a:buNone/>
-              <a:defRPr b="1" sz="14000"/>
+              <a:defRPr sz="14000" b="1"/>
             </a:lvl5pPr>
             <a:lvl6pPr lvl="5" algn="ctr">
               <a:spcBef>
@@ -2320,7 +2902,7 @@
               </a:spcAft>
               <a:buSzPts val="14000"/>
               <a:buNone/>
-              <a:defRPr b="1" sz="14000"/>
+              <a:defRPr sz="14000" b="1"/>
             </a:lvl6pPr>
             <a:lvl7pPr lvl="6" algn="ctr">
               <a:spcBef>
@@ -2331,7 +2913,7 @@
               </a:spcAft>
               <a:buSzPts val="14000"/>
               <a:buNone/>
-              <a:defRPr b="1" sz="14000"/>
+              <a:defRPr sz="14000" b="1"/>
             </a:lvl7pPr>
             <a:lvl8pPr lvl="7" algn="ctr">
               <a:spcBef>
@@ -2342,7 +2924,7 @@
               </a:spcAft>
               <a:buSzPts val="14000"/>
               <a:buNone/>
-              <a:defRPr b="1" sz="14000"/>
+              <a:defRPr sz="14000" b="1"/>
             </a:lvl8pPr>
             <a:lvl9pPr lvl="8" algn="ctr">
               <a:spcBef>
@@ -2353,7 +2935,7 @@
               </a:spcAft>
               <a:buSzPts val="14000"/>
               <a:buNone/>
-              <a:defRPr b="1" sz="14000"/>
+              <a:defRPr sz="14000" b="1"/>
             </a:lvl9pPr>
           </a:lstStyle>
           <a:p>
@@ -2366,9 +2948,11 @@
       <p:sp>
         <p:nvSpPr>
           <p:cNvPr id="51" name="Google Shape;51;p11"/>
-          <p:cNvSpPr txBox="1"/>
+          <p:cNvSpPr txBox="1">
+            <a:spLocks noGrp="1"/>
+          </p:cNvSpPr>
           <p:nvPr>
-            <p:ph idx="1" type="body"/>
+            <p:ph type="body" idx="1"/>
           </p:nvPr>
         </p:nvSpPr>
         <p:spPr>
@@ -2381,11 +2965,11 @@
           </a:prstGeom>
         </p:spPr>
         <p:txBody>
-          <a:bodyPr anchorCtr="0" anchor="t" bIns="91425" lIns="91425" spcFirstLastPara="1" rIns="91425" wrap="square" tIns="91425">
+          <a:bodyPr spcFirstLastPara="1" wrap="square" lIns="91425" tIns="91425" rIns="91425" bIns="91425" anchor="t" anchorCtr="0">
             <a:noAutofit/>
           </a:bodyPr>
           <a:lstStyle>
-            <a:lvl1pPr indent="-342900" lvl="0" marL="457200" algn="ctr">
+            <a:lvl1pPr marL="457200" lvl="0" indent="-342900" algn="ctr">
               <a:spcBef>
                 <a:spcPts val="0"/>
               </a:spcBef>
@@ -2396,7 +2980,7 @@
               <a:buChar char="●"/>
               <a:defRPr/>
             </a:lvl1pPr>
-            <a:lvl2pPr indent="-317500" lvl="1" marL="914400" algn="ctr">
+            <a:lvl2pPr marL="914400" lvl="1" indent="-317500" algn="ctr">
               <a:spcBef>
                 <a:spcPts val="1600"/>
               </a:spcBef>
@@ -2407,7 +2991,7 @@
               <a:buChar char="○"/>
               <a:defRPr/>
             </a:lvl2pPr>
-            <a:lvl3pPr indent="-317500" lvl="2" marL="1371600" algn="ctr">
+            <a:lvl3pPr marL="1371600" lvl="2" indent="-317500" algn="ctr">
               <a:spcBef>
                 <a:spcPts val="1600"/>
               </a:spcBef>
@@ -2418,7 +3002,7 @@
               <a:buChar char="■"/>
               <a:defRPr/>
             </a:lvl3pPr>
-            <a:lvl4pPr indent="-317500" lvl="3" marL="1828800" algn="ctr">
+            <a:lvl4pPr marL="1828800" lvl="3" indent="-317500" algn="ctr">
               <a:spcBef>
                 <a:spcPts val="1600"/>
               </a:spcBef>
@@ -2429,7 +3013,7 @@
               <a:buChar char="●"/>
               <a:defRPr/>
             </a:lvl4pPr>
-            <a:lvl5pPr indent="-317500" lvl="4" marL="2286000" algn="ctr">
+            <a:lvl5pPr marL="2286000" lvl="4" indent="-317500" algn="ctr">
               <a:spcBef>
                 <a:spcPts val="1600"/>
               </a:spcBef>
@@ -2440,7 +3024,7 @@
               <a:buChar char="○"/>
               <a:defRPr/>
             </a:lvl5pPr>
-            <a:lvl6pPr indent="-317500" lvl="5" marL="2743200" algn="ctr">
+            <a:lvl6pPr marL="2743200" lvl="5" indent="-317500" algn="ctr">
               <a:spcBef>
                 <a:spcPts val="1600"/>
               </a:spcBef>
@@ -2451,7 +3035,7 @@
               <a:buChar char="■"/>
               <a:defRPr/>
             </a:lvl6pPr>
-            <a:lvl7pPr indent="-317500" lvl="6" marL="3200400" algn="ctr">
+            <a:lvl7pPr marL="3200400" lvl="6" indent="-317500" algn="ctr">
               <a:spcBef>
                 <a:spcPts val="1600"/>
               </a:spcBef>
@@ -2462,7 +3046,7 @@
               <a:buChar char="●"/>
               <a:defRPr/>
             </a:lvl7pPr>
-            <a:lvl8pPr indent="-317500" lvl="7" marL="3657600" algn="ctr">
+            <a:lvl8pPr marL="3657600" lvl="7" indent="-317500" algn="ctr">
               <a:spcBef>
                 <a:spcPts val="1600"/>
               </a:spcBef>
@@ -2473,7 +3057,7 @@
               <a:buChar char="○"/>
               <a:defRPr/>
             </a:lvl8pPr>
-            <a:lvl9pPr indent="-317500" lvl="8" marL="4114800" algn="ctr">
+            <a:lvl9pPr marL="4114800" lvl="8" indent="-317500" algn="ctr">
               <a:spcBef>
                 <a:spcPts val="1600"/>
               </a:spcBef>
@@ -2485,15 +3069,19 @@
               <a:defRPr/>
             </a:lvl9pPr>
           </a:lstStyle>
-          <a:p/>
+          <a:p>
+            <a:endParaRPr/>
+          </a:p>
         </p:txBody>
       </p:sp>
       <p:sp>
         <p:nvSpPr>
           <p:cNvPr id="52" name="Google Shape;52;p11"/>
-          <p:cNvSpPr txBox="1"/>
+          <p:cNvSpPr txBox="1">
+            <a:spLocks noGrp="1"/>
+          </p:cNvSpPr>
           <p:nvPr>
-            <p:ph idx="12" type="sldNum"/>
+            <p:ph type="sldNum" idx="12"/>
           </p:nvPr>
         </p:nvSpPr>
         <p:spPr>
@@ -2506,7 +3094,7 @@
           </a:prstGeom>
         </p:spPr>
         <p:txBody>
-          <a:bodyPr anchorCtr="0" anchor="ctr" bIns="91425" lIns="91425" spcFirstLastPara="1" rIns="91425" wrap="square" tIns="91425">
+          <a:bodyPr spcFirstLastPara="1" wrap="square" lIns="91425" tIns="91425" rIns="91425" bIns="91425" anchor="ctr" anchorCtr="0">
             <a:noAutofit/>
           </a:bodyPr>
           <a:lstStyle>
@@ -2548,7 +3136,7 @@
             </a:lvl9pPr>
           </a:lstStyle>
           <a:p>
-            <a:pPr indent="0" lvl="0" marL="0" rtl="0" algn="r">
+            <a:pPr marL="0" lvl="0" indent="0" algn="r" rtl="0">
               <a:spcBef>
                 <a:spcPts val="0"/>
               </a:spcBef>
@@ -2559,7 +3147,7 @@
             </a:pPr>
             <a:fld id="{00000000-1234-1234-1234-123412341234}" type="slidenum">
               <a:rPr lang="it"/>
-              <a:t>‹#›</a:t>
+              <a:t>‹N›</a:t>
             </a:fld>
             <a:endParaRPr/>
           </a:p>
@@ -2574,11 +3162,11 @@
 </file>
 
 <file path=ppt/slideLayouts/slideLayout11.xml><?xml version="1.0" encoding="utf-8"?>
-<p:sldLayout xmlns:a="http://schemas.openxmlformats.org/drawingml/2006/main" xmlns:r="http://schemas.openxmlformats.org/officeDocument/2006/relationships" xmlns:mc="http://schemas.openxmlformats.org/markup-compatibility/2006" xmlns:mv="urn:schemas-microsoft-com:mac:vml" xmlns:p="http://schemas.openxmlformats.org/presentationml/2006/main" xmlns:c="http://schemas.openxmlformats.org/drawingml/2006/chart" xmlns:dgm="http://schemas.openxmlformats.org/drawingml/2006/diagram" xmlns:o="urn:schemas-microsoft-com:office:office" xmlns:v="urn:schemas-microsoft-com:vml" xmlns:pvml="urn:schemas-microsoft-com:office:powerpoint" xmlns:com="http://schemas.openxmlformats.org/drawingml/2006/compatibility" xmlns:p14="http://schemas.microsoft.com/office/powerpoint/2010/main" xmlns:p15="http://schemas.microsoft.com/office/powerpoint/2012/main" xmlns:ahyp="http://schemas.microsoft.com/office/drawing/2018/hyperlinkcolor" matchingName="Blank" type="blank">
+<p:sldLayout xmlns:a="http://schemas.openxmlformats.org/drawingml/2006/main" xmlns:r="http://schemas.openxmlformats.org/officeDocument/2006/relationships" xmlns:p="http://schemas.openxmlformats.org/presentationml/2006/main" matchingName="Blank" type="blank">
   <p:cSld name="BLANK">
     <p:spTree>
       <p:nvGrpSpPr>
-        <p:cNvPr id="53" name="Shape 53"/>
+        <p:cNvPr id="1" name="Shape 53"/>
         <p:cNvGrpSpPr/>
         <p:nvPr/>
       </p:nvGrpSpPr>
@@ -2593,9 +3181,11 @@
       <p:sp>
         <p:nvSpPr>
           <p:cNvPr id="54" name="Google Shape;54;p12"/>
-          <p:cNvSpPr txBox="1"/>
+          <p:cNvSpPr txBox="1">
+            <a:spLocks noGrp="1"/>
+          </p:cNvSpPr>
           <p:nvPr>
-            <p:ph idx="12" type="sldNum"/>
+            <p:ph type="sldNum" idx="12"/>
           </p:nvPr>
         </p:nvSpPr>
         <p:spPr>
@@ -2608,7 +3198,7 @@
           </a:prstGeom>
         </p:spPr>
         <p:txBody>
-          <a:bodyPr anchorCtr="0" anchor="ctr" bIns="91425" lIns="91425" spcFirstLastPara="1" rIns="91425" wrap="square" tIns="91425">
+          <a:bodyPr spcFirstLastPara="1" wrap="square" lIns="91425" tIns="91425" rIns="91425" bIns="91425" anchor="ctr" anchorCtr="0">
             <a:noAutofit/>
           </a:bodyPr>
           <a:lstStyle>
@@ -2650,7 +3240,7 @@
             </a:lvl9pPr>
           </a:lstStyle>
           <a:p>
-            <a:pPr indent="0" lvl="0" marL="0" rtl="0" algn="r">
+            <a:pPr marL="0" lvl="0" indent="0" algn="r" rtl="0">
               <a:spcBef>
                 <a:spcPts val="0"/>
               </a:spcBef>
@@ -2661,7 +3251,7 @@
             </a:pPr>
             <a:fld id="{00000000-1234-1234-1234-123412341234}" type="slidenum">
               <a:rPr lang="it"/>
-              <a:t>‹#›</a:t>
+              <a:t>‹N›</a:t>
             </a:fld>
             <a:endParaRPr/>
           </a:p>
@@ -2676,18 +3266,19 @@
 </file>
 
 <file path=ppt/slideLayouts/slideLayout2.xml><?xml version="1.0" encoding="utf-8"?>
-<p:sldLayout xmlns:a="http://schemas.openxmlformats.org/drawingml/2006/main" xmlns:r="http://schemas.openxmlformats.org/officeDocument/2006/relationships" xmlns:mc="http://schemas.openxmlformats.org/markup-compatibility/2006" xmlns:mv="urn:schemas-microsoft-com:mac:vml" xmlns:p="http://schemas.openxmlformats.org/presentationml/2006/main" xmlns:c="http://schemas.openxmlformats.org/drawingml/2006/chart" xmlns:dgm="http://schemas.openxmlformats.org/drawingml/2006/diagram" xmlns:o="urn:schemas-microsoft-com:office:office" xmlns:v="urn:schemas-microsoft-com:vml" xmlns:pvml="urn:schemas-microsoft-com:office:powerpoint" xmlns:com="http://schemas.openxmlformats.org/drawingml/2006/compatibility" xmlns:p14="http://schemas.microsoft.com/office/powerpoint/2010/main" xmlns:p15="http://schemas.microsoft.com/office/powerpoint/2012/main" xmlns:ahyp="http://schemas.microsoft.com/office/drawing/2018/hyperlinkcolor" matchingName="Section header" type="secHead">
+<p:sldLayout xmlns:a="http://schemas.openxmlformats.org/drawingml/2006/main" xmlns:r="http://schemas.openxmlformats.org/officeDocument/2006/relationships" xmlns:p="http://schemas.openxmlformats.org/presentationml/2006/main" matchingName="Section header" type="secHead">
   <p:cSld name="SECTION_HEADER">
     <p:bg>
       <p:bgPr>
         <a:solidFill>
           <a:schemeClr val="dk1"/>
         </a:solidFill>
+        <a:effectLst/>
       </p:bgPr>
     </p:bg>
     <p:spTree>
       <p:nvGrpSpPr>
-        <p:cNvPr id="15" name="Shape 15"/>
+        <p:cNvPr id="1" name="Shape 15"/>
         <p:cNvGrpSpPr/>
         <p:nvPr/>
       </p:nvGrpSpPr>
@@ -2714,21 +3305,23 @@
             <a:avLst/>
           </a:prstGeom>
           <a:noFill/>
-          <a:ln cap="flat" cmpd="sng" w="28575">
+          <a:ln w="28575" cap="flat" cmpd="sng">
             <a:solidFill>
               <a:schemeClr val="lt2"/>
             </a:solidFill>
             <a:prstDash val="solid"/>
             <a:round/>
-            <a:headEnd len="sm" w="sm" type="none"/>
-            <a:tailEnd len="sm" w="sm" type="none"/>
+            <a:headEnd type="none" w="sm" len="sm"/>
+            <a:tailEnd type="none" w="sm" len="sm"/>
           </a:ln>
         </p:spPr>
       </p:cxnSp>
       <p:sp>
         <p:nvSpPr>
           <p:cNvPr id="17" name="Google Shape;17;p3"/>
-          <p:cNvSpPr txBox="1"/>
+          <p:cNvSpPr txBox="1">
+            <a:spLocks noGrp="1"/>
+          </p:cNvSpPr>
           <p:nvPr>
             <p:ph type="title"/>
           </p:nvPr>
@@ -2743,7 +3336,7 @@
           </a:prstGeom>
         </p:spPr>
         <p:txBody>
-          <a:bodyPr anchorCtr="0" anchor="b" bIns="91425" lIns="91425" spcFirstLastPara="1" rIns="91425" wrap="square" tIns="91425">
+          <a:bodyPr spcFirstLastPara="1" wrap="square" lIns="91425" tIns="91425" rIns="91425" bIns="91425" anchor="b" anchorCtr="0">
             <a:noAutofit/>
           </a:bodyPr>
           <a:lstStyle>
@@ -2910,15 +3503,19 @@
               </a:defRPr>
             </a:lvl9pPr>
           </a:lstStyle>
-          <a:p/>
+          <a:p>
+            <a:endParaRPr/>
+          </a:p>
         </p:txBody>
       </p:sp>
       <p:sp>
         <p:nvSpPr>
           <p:cNvPr id="18" name="Google Shape;18;p3"/>
-          <p:cNvSpPr txBox="1"/>
+          <p:cNvSpPr txBox="1">
+            <a:spLocks noGrp="1"/>
+          </p:cNvSpPr>
           <p:nvPr>
-            <p:ph idx="12" type="sldNum"/>
+            <p:ph type="sldNum" idx="12"/>
           </p:nvPr>
         </p:nvSpPr>
         <p:spPr>
@@ -2931,7 +3528,7 @@
           </a:prstGeom>
         </p:spPr>
         <p:txBody>
-          <a:bodyPr anchorCtr="0" anchor="ctr" bIns="91425" lIns="91425" spcFirstLastPara="1" rIns="91425" wrap="square" tIns="91425">
+          <a:bodyPr spcFirstLastPara="1" wrap="square" lIns="91425" tIns="91425" rIns="91425" bIns="91425" anchor="ctr" anchorCtr="0">
             <a:noAutofit/>
           </a:bodyPr>
           <a:lstStyle>
@@ -3009,7 +3606,7 @@
             </a:lvl9pPr>
           </a:lstStyle>
           <a:p>
-            <a:pPr indent="0" lvl="0" marL="0" rtl="0" algn="r">
+            <a:pPr marL="0" lvl="0" indent="0" algn="r" rtl="0">
               <a:spcBef>
                 <a:spcPts val="0"/>
               </a:spcBef>
@@ -3020,7 +3617,7 @@
             </a:pPr>
             <a:fld id="{00000000-1234-1234-1234-123412341234}" type="slidenum">
               <a:rPr lang="it"/>
-              <a:t>‹#›</a:t>
+              <a:t>‹N›</a:t>
             </a:fld>
             <a:endParaRPr/>
           </a:p>
@@ -3035,11 +3632,11 @@
 </file>
 
 <file path=ppt/slideLayouts/slideLayout3.xml><?xml version="1.0" encoding="utf-8"?>
-<p:sldLayout xmlns:a="http://schemas.openxmlformats.org/drawingml/2006/main" xmlns:r="http://schemas.openxmlformats.org/officeDocument/2006/relationships" xmlns:mc="http://schemas.openxmlformats.org/markup-compatibility/2006" xmlns:mv="urn:schemas-microsoft-com:mac:vml" xmlns:p="http://schemas.openxmlformats.org/presentationml/2006/main" xmlns:c="http://schemas.openxmlformats.org/drawingml/2006/chart" xmlns:dgm="http://schemas.openxmlformats.org/drawingml/2006/diagram" xmlns:o="urn:schemas-microsoft-com:office:office" xmlns:v="urn:schemas-microsoft-com:vml" xmlns:pvml="urn:schemas-microsoft-com:office:powerpoint" xmlns:com="http://schemas.openxmlformats.org/drawingml/2006/compatibility" xmlns:p14="http://schemas.microsoft.com/office/powerpoint/2010/main" xmlns:p15="http://schemas.microsoft.com/office/powerpoint/2012/main" xmlns:ahyp="http://schemas.microsoft.com/office/drawing/2018/hyperlinkcolor" matchingName="Title and body" type="tx">
+<p:sldLayout xmlns:a="http://schemas.openxmlformats.org/drawingml/2006/main" xmlns:r="http://schemas.openxmlformats.org/officeDocument/2006/relationships" xmlns:p="http://schemas.openxmlformats.org/presentationml/2006/main" matchingName="Title and body" type="tx">
   <p:cSld name="TITLE_AND_BODY">
     <p:spTree>
       <p:nvGrpSpPr>
-        <p:cNvPr id="19" name="Shape 19"/>
+        <p:cNvPr id="1" name="Shape 19"/>
         <p:cNvGrpSpPr/>
         <p:nvPr/>
       </p:nvGrpSpPr>
@@ -3073,12 +3670,12 @@
           </a:ln>
         </p:spPr>
         <p:txBody>
-          <a:bodyPr anchorCtr="0" anchor="ctr" bIns="91425" lIns="91425" spcFirstLastPara="1" rIns="91425" wrap="square" tIns="91425">
+          <a:bodyPr spcFirstLastPara="1" wrap="square" lIns="91425" tIns="91425" rIns="91425" bIns="91425" anchor="ctr" anchorCtr="0">
             <a:noAutofit/>
           </a:bodyPr>
           <a:lstStyle/>
           <a:p>
-            <a:pPr indent="0" lvl="0" marL="0" rtl="0" algn="l">
+            <a:pPr marL="0" lvl="0" indent="0" algn="l" rtl="0">
               <a:spcBef>
                 <a:spcPts val="0"/>
               </a:spcBef>
@@ -3087,9 +3684,6 @@
               </a:spcAft>
               <a:buNone/>
             </a:pPr>
-            <a:r>
-              <a:t/>
-            </a:r>
             <a:endParaRPr/>
           </a:p>
         </p:txBody>
@@ -3097,7 +3691,9 @@
       <p:sp>
         <p:nvSpPr>
           <p:cNvPr id="21" name="Google Shape;21;p4"/>
-          <p:cNvSpPr txBox="1"/>
+          <p:cNvSpPr txBox="1">
+            <a:spLocks noGrp="1"/>
+          </p:cNvSpPr>
           <p:nvPr>
             <p:ph type="title"/>
           </p:nvPr>
@@ -3112,7 +3708,7 @@
           </a:prstGeom>
         </p:spPr>
         <p:txBody>
-          <a:bodyPr anchorCtr="0" anchor="t" bIns="91425" lIns="91425" spcFirstLastPara="1" rIns="91425" wrap="square" tIns="91425">
+          <a:bodyPr spcFirstLastPara="1" wrap="square" lIns="91425" tIns="91425" rIns="91425" bIns="91425" anchor="t" anchorCtr="0">
             <a:noAutofit/>
           </a:bodyPr>
           <a:lstStyle>
@@ -3216,15 +3812,19 @@
               <a:defRPr/>
             </a:lvl9pPr>
           </a:lstStyle>
-          <a:p/>
+          <a:p>
+            <a:endParaRPr/>
+          </a:p>
         </p:txBody>
       </p:sp>
       <p:sp>
         <p:nvSpPr>
           <p:cNvPr id="22" name="Google Shape;22;p4"/>
-          <p:cNvSpPr txBox="1"/>
+          <p:cNvSpPr txBox="1">
+            <a:spLocks noGrp="1"/>
+          </p:cNvSpPr>
           <p:nvPr>
-            <p:ph idx="1" type="body"/>
+            <p:ph type="body" idx="1"/>
           </p:nvPr>
         </p:nvSpPr>
         <p:spPr>
@@ -3237,11 +3837,11 @@
           </a:prstGeom>
         </p:spPr>
         <p:txBody>
-          <a:bodyPr anchorCtr="0" anchor="t" bIns="91425" lIns="91425" spcFirstLastPara="1" rIns="91425" wrap="square" tIns="91425">
+          <a:bodyPr spcFirstLastPara="1" wrap="square" lIns="91425" tIns="91425" rIns="91425" bIns="91425" anchor="t" anchorCtr="0">
             <a:noAutofit/>
           </a:bodyPr>
           <a:lstStyle>
-            <a:lvl1pPr indent="-342900" lvl="0" marL="457200">
+            <a:lvl1pPr marL="457200" lvl="0" indent="-342900">
               <a:spcBef>
                 <a:spcPts val="0"/>
               </a:spcBef>
@@ -3252,7 +3852,7 @@
               <a:buChar char="●"/>
               <a:defRPr/>
             </a:lvl1pPr>
-            <a:lvl2pPr indent="-317500" lvl="1" marL="914400">
+            <a:lvl2pPr marL="914400" lvl="1" indent="-317500">
               <a:spcBef>
                 <a:spcPts val="1600"/>
               </a:spcBef>
@@ -3263,7 +3863,7 @@
               <a:buChar char="○"/>
               <a:defRPr/>
             </a:lvl2pPr>
-            <a:lvl3pPr indent="-317500" lvl="2" marL="1371600">
+            <a:lvl3pPr marL="1371600" lvl="2" indent="-317500">
               <a:spcBef>
                 <a:spcPts val="1600"/>
               </a:spcBef>
@@ -3274,7 +3874,7 @@
               <a:buChar char="■"/>
               <a:defRPr/>
             </a:lvl3pPr>
-            <a:lvl4pPr indent="-317500" lvl="3" marL="1828800">
+            <a:lvl4pPr marL="1828800" lvl="3" indent="-317500">
               <a:spcBef>
                 <a:spcPts val="1600"/>
               </a:spcBef>
@@ -3285,7 +3885,7 @@
               <a:buChar char="●"/>
               <a:defRPr/>
             </a:lvl4pPr>
-            <a:lvl5pPr indent="-317500" lvl="4" marL="2286000">
+            <a:lvl5pPr marL="2286000" lvl="4" indent="-317500">
               <a:spcBef>
                 <a:spcPts val="1600"/>
               </a:spcBef>
@@ -3296,7 +3896,7 @@
               <a:buChar char="○"/>
               <a:defRPr/>
             </a:lvl5pPr>
-            <a:lvl6pPr indent="-317500" lvl="5" marL="2743200">
+            <a:lvl6pPr marL="2743200" lvl="5" indent="-317500">
               <a:spcBef>
                 <a:spcPts val="1600"/>
               </a:spcBef>
@@ -3307,7 +3907,7 @@
               <a:buChar char="■"/>
               <a:defRPr/>
             </a:lvl6pPr>
-            <a:lvl7pPr indent="-317500" lvl="6" marL="3200400">
+            <a:lvl7pPr marL="3200400" lvl="6" indent="-317500">
               <a:spcBef>
                 <a:spcPts val="1600"/>
               </a:spcBef>
@@ -3318,7 +3918,7 @@
               <a:buChar char="●"/>
               <a:defRPr/>
             </a:lvl7pPr>
-            <a:lvl8pPr indent="-317500" lvl="7" marL="3657600">
+            <a:lvl8pPr marL="3657600" lvl="7" indent="-317500">
               <a:spcBef>
                 <a:spcPts val="1600"/>
               </a:spcBef>
@@ -3329,7 +3929,7 @@
               <a:buChar char="○"/>
               <a:defRPr/>
             </a:lvl8pPr>
-            <a:lvl9pPr indent="-317500" lvl="8" marL="4114800">
+            <a:lvl9pPr marL="4114800" lvl="8" indent="-317500">
               <a:spcBef>
                 <a:spcPts val="1600"/>
               </a:spcBef>
@@ -3341,15 +3941,19 @@
               <a:defRPr/>
             </a:lvl9pPr>
           </a:lstStyle>
-          <a:p/>
+          <a:p>
+            <a:endParaRPr/>
+          </a:p>
         </p:txBody>
       </p:sp>
       <p:sp>
         <p:nvSpPr>
           <p:cNvPr id="23" name="Google Shape;23;p4"/>
-          <p:cNvSpPr txBox="1"/>
+          <p:cNvSpPr txBox="1">
+            <a:spLocks noGrp="1"/>
+          </p:cNvSpPr>
           <p:nvPr>
-            <p:ph idx="12" type="sldNum"/>
+            <p:ph type="sldNum" idx="12"/>
           </p:nvPr>
         </p:nvSpPr>
         <p:spPr>
@@ -3362,7 +3966,7 @@
           </a:prstGeom>
         </p:spPr>
         <p:txBody>
-          <a:bodyPr anchorCtr="0" anchor="ctr" bIns="91425" lIns="91425" spcFirstLastPara="1" rIns="91425" wrap="square" tIns="91425">
+          <a:bodyPr spcFirstLastPara="1" wrap="square" lIns="91425" tIns="91425" rIns="91425" bIns="91425" anchor="ctr" anchorCtr="0">
             <a:noAutofit/>
           </a:bodyPr>
           <a:lstStyle>
@@ -3404,7 +4008,7 @@
             </a:lvl9pPr>
           </a:lstStyle>
           <a:p>
-            <a:pPr indent="0" lvl="0" marL="0" rtl="0" algn="r">
+            <a:pPr marL="0" lvl="0" indent="0" algn="r" rtl="0">
               <a:spcBef>
                 <a:spcPts val="0"/>
               </a:spcBef>
@@ -3415,7 +4019,7 @@
             </a:pPr>
             <a:fld id="{00000000-1234-1234-1234-123412341234}" type="slidenum">
               <a:rPr lang="it"/>
-              <a:t>‹#›</a:t>
+              <a:t>‹N›</a:t>
             </a:fld>
             <a:endParaRPr/>
           </a:p>
@@ -3430,11 +4034,11 @@
 </file>
 
 <file path=ppt/slideLayouts/slideLayout4.xml><?xml version="1.0" encoding="utf-8"?>
-<p:sldLayout xmlns:a="http://schemas.openxmlformats.org/drawingml/2006/main" xmlns:r="http://schemas.openxmlformats.org/officeDocument/2006/relationships" xmlns:mc="http://schemas.openxmlformats.org/markup-compatibility/2006" xmlns:mv="urn:schemas-microsoft-com:mac:vml" xmlns:p="http://schemas.openxmlformats.org/presentationml/2006/main" xmlns:c="http://schemas.openxmlformats.org/drawingml/2006/chart" xmlns:dgm="http://schemas.openxmlformats.org/drawingml/2006/diagram" xmlns:o="urn:schemas-microsoft-com:office:office" xmlns:v="urn:schemas-microsoft-com:vml" xmlns:pvml="urn:schemas-microsoft-com:office:powerpoint" xmlns:com="http://schemas.openxmlformats.org/drawingml/2006/compatibility" xmlns:p14="http://schemas.microsoft.com/office/powerpoint/2010/main" xmlns:p15="http://schemas.microsoft.com/office/powerpoint/2012/main" xmlns:ahyp="http://schemas.microsoft.com/office/drawing/2018/hyperlinkcolor" matchingName="Title and two columns" type="twoColTx">
+<p:sldLayout xmlns:a="http://schemas.openxmlformats.org/drawingml/2006/main" xmlns:r="http://schemas.openxmlformats.org/officeDocument/2006/relationships" xmlns:p="http://schemas.openxmlformats.org/presentationml/2006/main" matchingName="Title and two columns" type="twoColTx">
   <p:cSld name="TITLE_AND_TWO_COLUMNS">
     <p:spTree>
       <p:nvGrpSpPr>
-        <p:cNvPr id="24" name="Shape 24"/>
+        <p:cNvPr id="1" name="Shape 24"/>
         <p:cNvGrpSpPr/>
         <p:nvPr/>
       </p:nvGrpSpPr>
@@ -3449,7 +4053,9 @@
       <p:sp>
         <p:nvSpPr>
           <p:cNvPr id="25" name="Google Shape;25;p5"/>
-          <p:cNvSpPr txBox="1"/>
+          <p:cNvSpPr txBox="1">
+            <a:spLocks noGrp="1"/>
+          </p:cNvSpPr>
           <p:nvPr>
             <p:ph type="title"/>
           </p:nvPr>
@@ -3464,7 +4070,7 @@
           </a:prstGeom>
         </p:spPr>
         <p:txBody>
-          <a:bodyPr anchorCtr="0" anchor="t" bIns="91425" lIns="91425" spcFirstLastPara="1" rIns="91425" wrap="square" tIns="91425">
+          <a:bodyPr spcFirstLastPara="1" wrap="square" lIns="91425" tIns="91425" rIns="91425" bIns="91425" anchor="t" anchorCtr="0">
             <a:noAutofit/>
           </a:bodyPr>
           <a:lstStyle>
@@ -3568,15 +4174,19 @@
               <a:defRPr/>
             </a:lvl9pPr>
           </a:lstStyle>
-          <a:p/>
+          <a:p>
+            <a:endParaRPr/>
+          </a:p>
         </p:txBody>
       </p:sp>
       <p:sp>
         <p:nvSpPr>
           <p:cNvPr id="26" name="Google Shape;26;p5"/>
-          <p:cNvSpPr txBox="1"/>
+          <p:cNvSpPr txBox="1">
+            <a:spLocks noGrp="1"/>
+          </p:cNvSpPr>
           <p:nvPr>
-            <p:ph idx="1" type="body"/>
+            <p:ph type="body" idx="1"/>
           </p:nvPr>
         </p:nvSpPr>
         <p:spPr>
@@ -3589,11 +4199,11 @@
           </a:prstGeom>
         </p:spPr>
         <p:txBody>
-          <a:bodyPr anchorCtr="0" anchor="t" bIns="91425" lIns="91425" spcFirstLastPara="1" rIns="91425" wrap="square" tIns="91425">
+          <a:bodyPr spcFirstLastPara="1" wrap="square" lIns="91425" tIns="91425" rIns="91425" bIns="91425" anchor="t" anchorCtr="0">
             <a:noAutofit/>
           </a:bodyPr>
           <a:lstStyle>
-            <a:lvl1pPr indent="-317500" lvl="0" marL="457200">
+            <a:lvl1pPr marL="457200" lvl="0" indent="-317500">
               <a:spcBef>
                 <a:spcPts val="0"/>
               </a:spcBef>
@@ -3604,7 +4214,7 @@
               <a:buChar char="●"/>
               <a:defRPr sz="1400"/>
             </a:lvl1pPr>
-            <a:lvl2pPr indent="-304800" lvl="1" marL="914400">
+            <a:lvl2pPr marL="914400" lvl="1" indent="-304800">
               <a:spcBef>
                 <a:spcPts val="1600"/>
               </a:spcBef>
@@ -3615,7 +4225,7 @@
               <a:buChar char="○"/>
               <a:defRPr sz="1200"/>
             </a:lvl2pPr>
-            <a:lvl3pPr indent="-304800" lvl="2" marL="1371600">
+            <a:lvl3pPr marL="1371600" lvl="2" indent="-304800">
               <a:spcBef>
                 <a:spcPts val="1600"/>
               </a:spcBef>
@@ -3626,7 +4236,7 @@
               <a:buChar char="■"/>
               <a:defRPr sz="1200"/>
             </a:lvl3pPr>
-            <a:lvl4pPr indent="-304800" lvl="3" marL="1828800">
+            <a:lvl4pPr marL="1828800" lvl="3" indent="-304800">
               <a:spcBef>
                 <a:spcPts val="1600"/>
               </a:spcBef>
@@ -3637,7 +4247,7 @@
               <a:buChar char="●"/>
               <a:defRPr sz="1200"/>
             </a:lvl4pPr>
-            <a:lvl5pPr indent="-304800" lvl="4" marL="2286000">
+            <a:lvl5pPr marL="2286000" lvl="4" indent="-304800">
               <a:spcBef>
                 <a:spcPts val="1600"/>
               </a:spcBef>
@@ -3648,7 +4258,7 @@
               <a:buChar char="○"/>
               <a:defRPr sz="1200"/>
             </a:lvl5pPr>
-            <a:lvl6pPr indent="-304800" lvl="5" marL="2743200">
+            <a:lvl6pPr marL="2743200" lvl="5" indent="-304800">
               <a:spcBef>
                 <a:spcPts val="1600"/>
               </a:spcBef>
@@ -3659,7 +4269,7 @@
               <a:buChar char="■"/>
               <a:defRPr sz="1200"/>
             </a:lvl6pPr>
-            <a:lvl7pPr indent="-304800" lvl="6" marL="3200400">
+            <a:lvl7pPr marL="3200400" lvl="6" indent="-304800">
               <a:spcBef>
                 <a:spcPts val="1600"/>
               </a:spcBef>
@@ -3670,7 +4280,7 @@
               <a:buChar char="●"/>
               <a:defRPr sz="1200"/>
             </a:lvl7pPr>
-            <a:lvl8pPr indent="-304800" lvl="7" marL="3657600">
+            <a:lvl8pPr marL="3657600" lvl="7" indent="-304800">
               <a:spcBef>
                 <a:spcPts val="1600"/>
               </a:spcBef>
@@ -3681,7 +4291,7 @@
               <a:buChar char="○"/>
               <a:defRPr sz="1200"/>
             </a:lvl8pPr>
-            <a:lvl9pPr indent="-304800" lvl="8" marL="4114800">
+            <a:lvl9pPr marL="4114800" lvl="8" indent="-304800">
               <a:spcBef>
                 <a:spcPts val="1600"/>
               </a:spcBef>
@@ -3693,15 +4303,19 @@
               <a:defRPr sz="1200"/>
             </a:lvl9pPr>
           </a:lstStyle>
-          <a:p/>
+          <a:p>
+            <a:endParaRPr/>
+          </a:p>
         </p:txBody>
       </p:sp>
       <p:sp>
         <p:nvSpPr>
           <p:cNvPr id="27" name="Google Shape;27;p5"/>
-          <p:cNvSpPr txBox="1"/>
+          <p:cNvSpPr txBox="1">
+            <a:spLocks noGrp="1"/>
+          </p:cNvSpPr>
           <p:nvPr>
-            <p:ph idx="2" type="body"/>
+            <p:ph type="body" idx="2"/>
           </p:nvPr>
         </p:nvSpPr>
         <p:spPr>
@@ -3714,11 +4328,11 @@
           </a:prstGeom>
         </p:spPr>
         <p:txBody>
-          <a:bodyPr anchorCtr="0" anchor="t" bIns="91425" lIns="91425" spcFirstLastPara="1" rIns="91425" wrap="square" tIns="91425">
+          <a:bodyPr spcFirstLastPara="1" wrap="square" lIns="91425" tIns="91425" rIns="91425" bIns="91425" anchor="t" anchorCtr="0">
             <a:noAutofit/>
           </a:bodyPr>
           <a:lstStyle>
-            <a:lvl1pPr indent="-317500" lvl="0" marL="457200">
+            <a:lvl1pPr marL="457200" lvl="0" indent="-317500">
               <a:spcBef>
                 <a:spcPts val="0"/>
               </a:spcBef>
@@ -3729,7 +4343,7 @@
               <a:buChar char="●"/>
               <a:defRPr sz="1400"/>
             </a:lvl1pPr>
-            <a:lvl2pPr indent="-304800" lvl="1" marL="914400">
+            <a:lvl2pPr marL="914400" lvl="1" indent="-304800">
               <a:spcBef>
                 <a:spcPts val="1600"/>
               </a:spcBef>
@@ -3740,7 +4354,7 @@
               <a:buChar char="○"/>
               <a:defRPr sz="1200"/>
             </a:lvl2pPr>
-            <a:lvl3pPr indent="-304800" lvl="2" marL="1371600">
+            <a:lvl3pPr marL="1371600" lvl="2" indent="-304800">
               <a:spcBef>
                 <a:spcPts val="1600"/>
               </a:spcBef>
@@ -3751,7 +4365,7 @@
               <a:buChar char="■"/>
               <a:defRPr sz="1200"/>
             </a:lvl3pPr>
-            <a:lvl4pPr indent="-304800" lvl="3" marL="1828800">
+            <a:lvl4pPr marL="1828800" lvl="3" indent="-304800">
               <a:spcBef>
                 <a:spcPts val="1600"/>
               </a:spcBef>
@@ -3762,7 +4376,7 @@
               <a:buChar char="●"/>
               <a:defRPr sz="1200"/>
             </a:lvl4pPr>
-            <a:lvl5pPr indent="-304800" lvl="4" marL="2286000">
+            <a:lvl5pPr marL="2286000" lvl="4" indent="-304800">
               <a:spcBef>
                 <a:spcPts val="1600"/>
               </a:spcBef>
@@ -3773,7 +4387,7 @@
               <a:buChar char="○"/>
               <a:defRPr sz="1200"/>
             </a:lvl5pPr>
-            <a:lvl6pPr indent="-304800" lvl="5" marL="2743200">
+            <a:lvl6pPr marL="2743200" lvl="5" indent="-304800">
               <a:spcBef>
                 <a:spcPts val="1600"/>
               </a:spcBef>
@@ -3784,7 +4398,7 @@
               <a:buChar char="■"/>
               <a:defRPr sz="1200"/>
             </a:lvl6pPr>
-            <a:lvl7pPr indent="-304800" lvl="6" marL="3200400">
+            <a:lvl7pPr marL="3200400" lvl="6" indent="-304800">
               <a:spcBef>
                 <a:spcPts val="1600"/>
               </a:spcBef>
@@ -3795,7 +4409,7 @@
               <a:buChar char="●"/>
               <a:defRPr sz="1200"/>
             </a:lvl7pPr>
-            <a:lvl8pPr indent="-304800" lvl="7" marL="3657600">
+            <a:lvl8pPr marL="3657600" lvl="7" indent="-304800">
               <a:spcBef>
                 <a:spcPts val="1600"/>
               </a:spcBef>
@@ -3806,7 +4420,7 @@
               <a:buChar char="○"/>
               <a:defRPr sz="1200"/>
             </a:lvl8pPr>
-            <a:lvl9pPr indent="-304800" lvl="8" marL="4114800">
+            <a:lvl9pPr marL="4114800" lvl="8" indent="-304800">
               <a:spcBef>
                 <a:spcPts val="1600"/>
               </a:spcBef>
@@ -3818,15 +4432,19 @@
               <a:defRPr sz="1200"/>
             </a:lvl9pPr>
           </a:lstStyle>
-          <a:p/>
+          <a:p>
+            <a:endParaRPr/>
+          </a:p>
         </p:txBody>
       </p:sp>
       <p:sp>
         <p:nvSpPr>
           <p:cNvPr id="28" name="Google Shape;28;p5"/>
-          <p:cNvSpPr txBox="1"/>
+          <p:cNvSpPr txBox="1">
+            <a:spLocks noGrp="1"/>
+          </p:cNvSpPr>
           <p:nvPr>
-            <p:ph idx="12" type="sldNum"/>
+            <p:ph type="sldNum" idx="12"/>
           </p:nvPr>
         </p:nvSpPr>
         <p:spPr>
@@ -3839,7 +4457,7 @@
           </a:prstGeom>
         </p:spPr>
         <p:txBody>
-          <a:bodyPr anchorCtr="0" anchor="ctr" bIns="91425" lIns="91425" spcFirstLastPara="1" rIns="91425" wrap="square" tIns="91425">
+          <a:bodyPr spcFirstLastPara="1" wrap="square" lIns="91425" tIns="91425" rIns="91425" bIns="91425" anchor="ctr" anchorCtr="0">
             <a:noAutofit/>
           </a:bodyPr>
           <a:lstStyle>
@@ -3881,7 +4499,7 @@
             </a:lvl9pPr>
           </a:lstStyle>
           <a:p>
-            <a:pPr indent="0" lvl="0" marL="0" rtl="0" algn="r">
+            <a:pPr marL="0" lvl="0" indent="0" algn="r" rtl="0">
               <a:spcBef>
                 <a:spcPts val="0"/>
               </a:spcBef>
@@ -3892,7 +4510,7 @@
             </a:pPr>
             <a:fld id="{00000000-1234-1234-1234-123412341234}" type="slidenum">
               <a:rPr lang="it"/>
-              <a:t>‹#›</a:t>
+              <a:t>‹N›</a:t>
             </a:fld>
             <a:endParaRPr/>
           </a:p>
@@ -3907,11 +4525,11 @@
 </file>
 
 <file path=ppt/slideLayouts/slideLayout5.xml><?xml version="1.0" encoding="utf-8"?>
-<p:sldLayout xmlns:a="http://schemas.openxmlformats.org/drawingml/2006/main" xmlns:r="http://schemas.openxmlformats.org/officeDocument/2006/relationships" xmlns:mc="http://schemas.openxmlformats.org/markup-compatibility/2006" xmlns:mv="urn:schemas-microsoft-com:mac:vml" xmlns:p="http://schemas.openxmlformats.org/presentationml/2006/main" xmlns:c="http://schemas.openxmlformats.org/drawingml/2006/chart" xmlns:dgm="http://schemas.openxmlformats.org/drawingml/2006/diagram" xmlns:o="urn:schemas-microsoft-com:office:office" xmlns:v="urn:schemas-microsoft-com:vml" xmlns:pvml="urn:schemas-microsoft-com:office:powerpoint" xmlns:com="http://schemas.openxmlformats.org/drawingml/2006/compatibility" xmlns:p14="http://schemas.microsoft.com/office/powerpoint/2010/main" xmlns:p15="http://schemas.microsoft.com/office/powerpoint/2012/main" xmlns:ahyp="http://schemas.microsoft.com/office/drawing/2018/hyperlinkcolor" matchingName="Title only" type="titleOnly">
+<p:sldLayout xmlns:a="http://schemas.openxmlformats.org/drawingml/2006/main" xmlns:r="http://schemas.openxmlformats.org/officeDocument/2006/relationships" xmlns:p="http://schemas.openxmlformats.org/presentationml/2006/main" matchingName="Title only" type="titleOnly">
   <p:cSld name="TITLE_ONLY">
     <p:spTree>
       <p:nvGrpSpPr>
-        <p:cNvPr id="29" name="Shape 29"/>
+        <p:cNvPr id="1" name="Shape 29"/>
         <p:cNvGrpSpPr/>
         <p:nvPr/>
       </p:nvGrpSpPr>
@@ -3926,7 +4544,9 @@
       <p:sp>
         <p:nvSpPr>
           <p:cNvPr id="30" name="Google Shape;30;p6"/>
-          <p:cNvSpPr txBox="1"/>
+          <p:cNvSpPr txBox="1">
+            <a:spLocks noGrp="1"/>
+          </p:cNvSpPr>
           <p:nvPr>
             <p:ph type="title"/>
           </p:nvPr>
@@ -3941,7 +4561,7 @@
           </a:prstGeom>
         </p:spPr>
         <p:txBody>
-          <a:bodyPr anchorCtr="0" anchor="t" bIns="91425" lIns="91425" spcFirstLastPara="1" rIns="91425" wrap="square" tIns="91425">
+          <a:bodyPr spcFirstLastPara="1" wrap="square" lIns="91425" tIns="91425" rIns="91425" bIns="91425" anchor="t" anchorCtr="0">
             <a:noAutofit/>
           </a:bodyPr>
           <a:lstStyle>
@@ -4045,15 +4665,19 @@
               <a:defRPr/>
             </a:lvl9pPr>
           </a:lstStyle>
-          <a:p/>
+          <a:p>
+            <a:endParaRPr/>
+          </a:p>
         </p:txBody>
       </p:sp>
       <p:sp>
         <p:nvSpPr>
           <p:cNvPr id="31" name="Google Shape;31;p6"/>
-          <p:cNvSpPr txBox="1"/>
+          <p:cNvSpPr txBox="1">
+            <a:spLocks noGrp="1"/>
+          </p:cNvSpPr>
           <p:nvPr>
-            <p:ph idx="12" type="sldNum"/>
+            <p:ph type="sldNum" idx="12"/>
           </p:nvPr>
         </p:nvSpPr>
         <p:spPr>
@@ -4066,7 +4690,7 @@
           </a:prstGeom>
         </p:spPr>
         <p:txBody>
-          <a:bodyPr anchorCtr="0" anchor="ctr" bIns="91425" lIns="91425" spcFirstLastPara="1" rIns="91425" wrap="square" tIns="91425">
+          <a:bodyPr spcFirstLastPara="1" wrap="square" lIns="91425" tIns="91425" rIns="91425" bIns="91425" anchor="ctr" anchorCtr="0">
             <a:noAutofit/>
           </a:bodyPr>
           <a:lstStyle>
@@ -4108,7 +4732,7 @@
             </a:lvl9pPr>
           </a:lstStyle>
           <a:p>
-            <a:pPr indent="0" lvl="0" marL="0" rtl="0" algn="r">
+            <a:pPr marL="0" lvl="0" indent="0" algn="r" rtl="0">
               <a:spcBef>
                 <a:spcPts val="0"/>
               </a:spcBef>
@@ -4119,7 +4743,7 @@
             </a:pPr>
             <a:fld id="{00000000-1234-1234-1234-123412341234}" type="slidenum">
               <a:rPr lang="it"/>
-              <a:t>‹#›</a:t>
+              <a:t>‹N›</a:t>
             </a:fld>
             <a:endParaRPr/>
           </a:p>
@@ -4134,11 +4758,11 @@
 </file>
 
 <file path=ppt/slideLayouts/slideLayout6.xml><?xml version="1.0" encoding="utf-8"?>
-<p:sldLayout xmlns:a="http://schemas.openxmlformats.org/drawingml/2006/main" xmlns:r="http://schemas.openxmlformats.org/officeDocument/2006/relationships" xmlns:mc="http://schemas.openxmlformats.org/markup-compatibility/2006" xmlns:mv="urn:schemas-microsoft-com:mac:vml" xmlns:p="http://schemas.openxmlformats.org/presentationml/2006/main" xmlns:c="http://schemas.openxmlformats.org/drawingml/2006/chart" xmlns:dgm="http://schemas.openxmlformats.org/drawingml/2006/diagram" xmlns:o="urn:schemas-microsoft-com:office:office" xmlns:v="urn:schemas-microsoft-com:vml" xmlns:pvml="urn:schemas-microsoft-com:office:powerpoint" xmlns:com="http://schemas.openxmlformats.org/drawingml/2006/compatibility" xmlns:p14="http://schemas.microsoft.com/office/powerpoint/2010/main" xmlns:p15="http://schemas.microsoft.com/office/powerpoint/2012/main" xmlns:ahyp="http://schemas.microsoft.com/office/drawing/2018/hyperlinkcolor" matchingName="One column text">
+<p:sldLayout xmlns:a="http://schemas.openxmlformats.org/drawingml/2006/main" xmlns:r="http://schemas.openxmlformats.org/officeDocument/2006/relationships" xmlns:p="http://schemas.openxmlformats.org/presentationml/2006/main" matchingName="One column text">
   <p:cSld name="ONE_COLUMN_TEXT">
     <p:spTree>
       <p:nvGrpSpPr>
-        <p:cNvPr id="32" name="Shape 32"/>
+        <p:cNvPr id="1" name="Shape 32"/>
         <p:cNvGrpSpPr/>
         <p:nvPr/>
       </p:nvGrpSpPr>
@@ -4153,7 +4777,9 @@
       <p:sp>
         <p:nvSpPr>
           <p:cNvPr id="33" name="Google Shape;33;p7"/>
-          <p:cNvSpPr txBox="1"/>
+          <p:cNvSpPr txBox="1">
+            <a:spLocks noGrp="1"/>
+          </p:cNvSpPr>
           <p:nvPr>
             <p:ph type="title"/>
           </p:nvPr>
@@ -4168,7 +4794,7 @@
           </a:prstGeom>
         </p:spPr>
         <p:txBody>
-          <a:bodyPr anchorCtr="0" anchor="b" bIns="91425" lIns="91425" spcFirstLastPara="1" rIns="91425" wrap="square" tIns="91425">
+          <a:bodyPr spcFirstLastPara="1" wrap="square" lIns="91425" tIns="91425" rIns="91425" bIns="91425" anchor="b" anchorCtr="0">
             <a:noAutofit/>
           </a:bodyPr>
           <a:lstStyle>
@@ -4272,15 +4898,19 @@
               <a:defRPr sz="2400"/>
             </a:lvl9pPr>
           </a:lstStyle>
-          <a:p/>
+          <a:p>
+            <a:endParaRPr/>
+          </a:p>
         </p:txBody>
       </p:sp>
       <p:sp>
         <p:nvSpPr>
           <p:cNvPr id="34" name="Google Shape;34;p7"/>
-          <p:cNvSpPr txBox="1"/>
+          <p:cNvSpPr txBox="1">
+            <a:spLocks noGrp="1"/>
+          </p:cNvSpPr>
           <p:nvPr>
-            <p:ph idx="1" type="body"/>
+            <p:ph type="body" idx="1"/>
           </p:nvPr>
         </p:nvSpPr>
         <p:spPr>
@@ -4293,11 +4923,11 @@
           </a:prstGeom>
         </p:spPr>
         <p:txBody>
-          <a:bodyPr anchorCtr="0" anchor="t" bIns="91425" lIns="91425" spcFirstLastPara="1" rIns="91425" wrap="square" tIns="91425">
+          <a:bodyPr spcFirstLastPara="1" wrap="square" lIns="91425" tIns="91425" rIns="91425" bIns="91425" anchor="t" anchorCtr="0">
             <a:noAutofit/>
           </a:bodyPr>
           <a:lstStyle>
-            <a:lvl1pPr indent="-304800" lvl="0" marL="457200">
+            <a:lvl1pPr marL="457200" lvl="0" indent="-304800">
               <a:spcBef>
                 <a:spcPts val="0"/>
               </a:spcBef>
@@ -4308,7 +4938,7 @@
               <a:buChar char="●"/>
               <a:defRPr sz="1200"/>
             </a:lvl1pPr>
-            <a:lvl2pPr indent="-304800" lvl="1" marL="914400">
+            <a:lvl2pPr marL="914400" lvl="1" indent="-304800">
               <a:spcBef>
                 <a:spcPts val="1600"/>
               </a:spcBef>
@@ -4319,7 +4949,7 @@
               <a:buChar char="○"/>
               <a:defRPr sz="1200"/>
             </a:lvl2pPr>
-            <a:lvl3pPr indent="-304800" lvl="2" marL="1371600">
+            <a:lvl3pPr marL="1371600" lvl="2" indent="-304800">
               <a:spcBef>
                 <a:spcPts val="1600"/>
               </a:spcBef>
@@ -4330,7 +4960,7 @@
               <a:buChar char="■"/>
               <a:defRPr sz="1200"/>
             </a:lvl3pPr>
-            <a:lvl4pPr indent="-304800" lvl="3" marL="1828800">
+            <a:lvl4pPr marL="1828800" lvl="3" indent="-304800">
               <a:spcBef>
                 <a:spcPts val="1600"/>
               </a:spcBef>
@@ -4341,7 +4971,7 @@
               <a:buChar char="●"/>
               <a:defRPr sz="1200"/>
             </a:lvl4pPr>
-            <a:lvl5pPr indent="-304800" lvl="4" marL="2286000">
+            <a:lvl5pPr marL="2286000" lvl="4" indent="-304800">
               <a:spcBef>
                 <a:spcPts val="1600"/>
               </a:spcBef>
@@ -4352,7 +4982,7 @@
               <a:buChar char="○"/>
               <a:defRPr sz="1200"/>
             </a:lvl5pPr>
-            <a:lvl6pPr indent="-304800" lvl="5" marL="2743200">
+            <a:lvl6pPr marL="2743200" lvl="5" indent="-304800">
               <a:spcBef>
                 <a:spcPts val="1600"/>
               </a:spcBef>
@@ -4363,7 +4993,7 @@
               <a:buChar char="■"/>
               <a:defRPr sz="1200"/>
             </a:lvl6pPr>
-            <a:lvl7pPr indent="-304800" lvl="6" marL="3200400">
+            <a:lvl7pPr marL="3200400" lvl="6" indent="-304800">
               <a:spcBef>
                 <a:spcPts val="1600"/>
               </a:spcBef>
@@ -4374,7 +5004,7 @@
               <a:buChar char="●"/>
               <a:defRPr sz="1200"/>
             </a:lvl7pPr>
-            <a:lvl8pPr indent="-304800" lvl="7" marL="3657600">
+            <a:lvl8pPr marL="3657600" lvl="7" indent="-304800">
               <a:spcBef>
                 <a:spcPts val="1600"/>
               </a:spcBef>
@@ -4385,7 +5015,7 @@
               <a:buChar char="○"/>
               <a:defRPr sz="1200"/>
             </a:lvl8pPr>
-            <a:lvl9pPr indent="-304800" lvl="8" marL="4114800">
+            <a:lvl9pPr marL="4114800" lvl="8" indent="-304800">
               <a:spcBef>
                 <a:spcPts val="1600"/>
               </a:spcBef>
@@ -4397,15 +5027,19 @@
               <a:defRPr sz="1200"/>
             </a:lvl9pPr>
           </a:lstStyle>
-          <a:p/>
+          <a:p>
+            <a:endParaRPr/>
+          </a:p>
         </p:txBody>
       </p:sp>
       <p:sp>
         <p:nvSpPr>
           <p:cNvPr id="35" name="Google Shape;35;p7"/>
-          <p:cNvSpPr txBox="1"/>
+          <p:cNvSpPr txBox="1">
+            <a:spLocks noGrp="1"/>
+          </p:cNvSpPr>
           <p:nvPr>
-            <p:ph idx="12" type="sldNum"/>
+            <p:ph type="sldNum" idx="12"/>
           </p:nvPr>
         </p:nvSpPr>
         <p:spPr>
@@ -4418,7 +5052,7 @@
           </a:prstGeom>
         </p:spPr>
         <p:txBody>
-          <a:bodyPr anchorCtr="0" anchor="ctr" bIns="91425" lIns="91425" spcFirstLastPara="1" rIns="91425" wrap="square" tIns="91425">
+          <a:bodyPr spcFirstLastPara="1" wrap="square" lIns="91425" tIns="91425" rIns="91425" bIns="91425" anchor="ctr" anchorCtr="0">
             <a:noAutofit/>
           </a:bodyPr>
           <a:lstStyle>
@@ -4460,7 +5094,7 @@
             </a:lvl9pPr>
           </a:lstStyle>
           <a:p>
-            <a:pPr indent="0" lvl="0" marL="0" rtl="0" algn="r">
+            <a:pPr marL="0" lvl="0" indent="0" algn="r" rtl="0">
               <a:spcBef>
                 <a:spcPts val="0"/>
               </a:spcBef>
@@ -4471,7 +5105,7 @@
             </a:pPr>
             <a:fld id="{00000000-1234-1234-1234-123412341234}" type="slidenum">
               <a:rPr lang="it"/>
-              <a:t>‹#›</a:t>
+              <a:t>‹N›</a:t>
             </a:fld>
             <a:endParaRPr/>
           </a:p>
@@ -4486,18 +5120,19 @@
 </file>
 
 <file path=ppt/slideLayouts/slideLayout7.xml><?xml version="1.0" encoding="utf-8"?>
-<p:sldLayout xmlns:a="http://schemas.openxmlformats.org/drawingml/2006/main" xmlns:r="http://schemas.openxmlformats.org/officeDocument/2006/relationships" xmlns:mc="http://schemas.openxmlformats.org/markup-compatibility/2006" xmlns:mv="urn:schemas-microsoft-com:mac:vml" xmlns:p="http://schemas.openxmlformats.org/presentationml/2006/main" xmlns:c="http://schemas.openxmlformats.org/drawingml/2006/chart" xmlns:dgm="http://schemas.openxmlformats.org/drawingml/2006/diagram" xmlns:o="urn:schemas-microsoft-com:office:office" xmlns:v="urn:schemas-microsoft-com:vml" xmlns:pvml="urn:schemas-microsoft-com:office:powerpoint" xmlns:com="http://schemas.openxmlformats.org/drawingml/2006/compatibility" xmlns:p14="http://schemas.microsoft.com/office/powerpoint/2010/main" xmlns:p15="http://schemas.microsoft.com/office/powerpoint/2012/main" xmlns:ahyp="http://schemas.microsoft.com/office/drawing/2018/hyperlinkcolor" matchingName="Main point">
+<p:sldLayout xmlns:a="http://schemas.openxmlformats.org/drawingml/2006/main" xmlns:r="http://schemas.openxmlformats.org/officeDocument/2006/relationships" xmlns:p="http://schemas.openxmlformats.org/presentationml/2006/main" matchingName="Main point">
   <p:cSld name="MAIN_POINT">
     <p:bg>
       <p:bgPr>
         <a:solidFill>
           <a:schemeClr val="lt2"/>
         </a:solidFill>
+        <a:effectLst/>
       </p:bgPr>
     </p:bg>
     <p:spTree>
       <p:nvGrpSpPr>
-        <p:cNvPr id="36" name="Shape 36"/>
+        <p:cNvPr id="1" name="Shape 36"/>
         <p:cNvGrpSpPr/>
         <p:nvPr/>
       </p:nvGrpSpPr>
@@ -4512,7 +5147,9 @@
       <p:sp>
         <p:nvSpPr>
           <p:cNvPr id="37" name="Google Shape;37;p8"/>
-          <p:cNvSpPr txBox="1"/>
+          <p:cNvSpPr txBox="1">
+            <a:spLocks noGrp="1"/>
+          </p:cNvSpPr>
           <p:nvPr>
             <p:ph type="title"/>
           </p:nvPr>
@@ -4527,7 +5164,7 @@
           </a:prstGeom>
         </p:spPr>
         <p:txBody>
-          <a:bodyPr anchorCtr="0" anchor="ctr" bIns="91425" lIns="91425" spcFirstLastPara="1" rIns="91425" wrap="square" tIns="91425">
+          <a:bodyPr spcFirstLastPara="1" wrap="square" lIns="91425" tIns="91425" rIns="91425" bIns="91425" anchor="ctr" anchorCtr="0">
             <a:noAutofit/>
           </a:bodyPr>
           <a:lstStyle>
@@ -4694,15 +5331,19 @@
               </a:defRPr>
             </a:lvl9pPr>
           </a:lstStyle>
-          <a:p/>
+          <a:p>
+            <a:endParaRPr/>
+          </a:p>
         </p:txBody>
       </p:sp>
       <p:sp>
         <p:nvSpPr>
           <p:cNvPr id="38" name="Google Shape;38;p8"/>
-          <p:cNvSpPr txBox="1"/>
+          <p:cNvSpPr txBox="1">
+            <a:spLocks noGrp="1"/>
+          </p:cNvSpPr>
           <p:nvPr>
-            <p:ph idx="12" type="sldNum"/>
+            <p:ph type="sldNum" idx="12"/>
           </p:nvPr>
         </p:nvSpPr>
         <p:spPr>
@@ -4715,7 +5356,7 @@
           </a:prstGeom>
         </p:spPr>
         <p:txBody>
-          <a:bodyPr anchorCtr="0" anchor="ctr" bIns="91425" lIns="91425" spcFirstLastPara="1" rIns="91425" wrap="square" tIns="91425">
+          <a:bodyPr spcFirstLastPara="1" wrap="square" lIns="91425" tIns="91425" rIns="91425" bIns="91425" anchor="ctr" anchorCtr="0">
             <a:noAutofit/>
           </a:bodyPr>
           <a:lstStyle>
@@ -4793,7 +5434,7 @@
             </a:lvl9pPr>
           </a:lstStyle>
           <a:p>
-            <a:pPr indent="0" lvl="0" marL="0" rtl="0" algn="r">
+            <a:pPr marL="0" lvl="0" indent="0" algn="r" rtl="0">
               <a:spcBef>
                 <a:spcPts val="0"/>
               </a:spcBef>
@@ -4804,7 +5445,7 @@
             </a:pPr>
             <a:fld id="{00000000-1234-1234-1234-123412341234}" type="slidenum">
               <a:rPr lang="it"/>
-              <a:t>‹#›</a:t>
+              <a:t>‹N›</a:t>
             </a:fld>
             <a:endParaRPr/>
           </a:p>
@@ -4819,11 +5460,11 @@
 </file>
 
 <file path=ppt/slideLayouts/slideLayout8.xml><?xml version="1.0" encoding="utf-8"?>
-<p:sldLayout xmlns:a="http://schemas.openxmlformats.org/drawingml/2006/main" xmlns:r="http://schemas.openxmlformats.org/officeDocument/2006/relationships" xmlns:mc="http://schemas.openxmlformats.org/markup-compatibility/2006" xmlns:mv="urn:schemas-microsoft-com:mac:vml" xmlns:p="http://schemas.openxmlformats.org/presentationml/2006/main" xmlns:c="http://schemas.openxmlformats.org/drawingml/2006/chart" xmlns:dgm="http://schemas.openxmlformats.org/drawingml/2006/diagram" xmlns:o="urn:schemas-microsoft-com:office:office" xmlns:v="urn:schemas-microsoft-com:vml" xmlns:pvml="urn:schemas-microsoft-com:office:powerpoint" xmlns:com="http://schemas.openxmlformats.org/drawingml/2006/compatibility" xmlns:p14="http://schemas.microsoft.com/office/powerpoint/2010/main" xmlns:p15="http://schemas.microsoft.com/office/powerpoint/2012/main" xmlns:ahyp="http://schemas.microsoft.com/office/drawing/2018/hyperlinkcolor" matchingName="Section title and description">
+<p:sldLayout xmlns:a="http://schemas.openxmlformats.org/drawingml/2006/main" xmlns:r="http://schemas.openxmlformats.org/officeDocument/2006/relationships" xmlns:p="http://schemas.openxmlformats.org/presentationml/2006/main" matchingName="Section title and description">
   <p:cSld name="SECTION_TITLE_AND_DESCRIPTION">
     <p:spTree>
       <p:nvGrpSpPr>
-        <p:cNvPr id="39" name="Shape 39"/>
+        <p:cNvPr id="1" name="Shape 39"/>
         <p:cNvGrpSpPr/>
         <p:nvPr/>
       </p:nvGrpSpPr>
@@ -4857,12 +5498,12 @@
           </a:ln>
         </p:spPr>
         <p:txBody>
-          <a:bodyPr anchorCtr="0" anchor="ctr" bIns="91425" lIns="91425" spcFirstLastPara="1" rIns="91425" wrap="square" tIns="91425">
+          <a:bodyPr spcFirstLastPara="1" wrap="square" lIns="91425" tIns="91425" rIns="91425" bIns="91425" anchor="ctr" anchorCtr="0">
             <a:noAutofit/>
           </a:bodyPr>
           <a:lstStyle/>
           <a:p>
-            <a:pPr indent="0" lvl="0" marL="0" rtl="0" algn="l">
+            <a:pPr marL="0" lvl="0" indent="0" algn="l" rtl="0">
               <a:spcBef>
                 <a:spcPts val="0"/>
               </a:spcBef>
@@ -4871,9 +5512,6 @@
               </a:spcAft>
               <a:buNone/>
             </a:pPr>
-            <a:r>
-              <a:t/>
-            </a:r>
             <a:endParaRPr/>
           </a:p>
         </p:txBody>
@@ -4893,21 +5531,23 @@
             <a:avLst/>
           </a:prstGeom>
           <a:noFill/>
-          <a:ln cap="flat" cmpd="sng" w="19050">
+          <a:ln w="19050" cap="flat" cmpd="sng">
             <a:solidFill>
               <a:schemeClr val="lt2"/>
             </a:solidFill>
             <a:prstDash val="solid"/>
             <a:round/>
-            <a:headEnd len="sm" w="sm" type="none"/>
-            <a:tailEnd len="sm" w="sm" type="none"/>
+            <a:headEnd type="none" w="sm" len="sm"/>
+            <a:tailEnd type="none" w="sm" len="sm"/>
           </a:ln>
         </p:spPr>
       </p:cxnSp>
       <p:sp>
         <p:nvSpPr>
           <p:cNvPr id="42" name="Google Shape;42;p9"/>
-          <p:cNvSpPr txBox="1"/>
+          <p:cNvSpPr txBox="1">
+            <a:spLocks noGrp="1"/>
+          </p:cNvSpPr>
           <p:nvPr>
             <p:ph type="title"/>
           </p:nvPr>
@@ -4922,7 +5562,7 @@
           </a:prstGeom>
         </p:spPr>
         <p:txBody>
-          <a:bodyPr anchorCtr="0" anchor="b" bIns="91425" lIns="91425" spcFirstLastPara="1" rIns="91425" wrap="square" tIns="91425">
+          <a:bodyPr spcFirstLastPara="1" wrap="square" lIns="91425" tIns="91425" rIns="91425" bIns="91425" anchor="b" anchorCtr="0">
             <a:noAutofit/>
           </a:bodyPr>
           <a:lstStyle>
@@ -5089,15 +5729,19 @@
               </a:defRPr>
             </a:lvl9pPr>
           </a:lstStyle>
-          <a:p/>
+          <a:p>
+            <a:endParaRPr/>
+          </a:p>
         </p:txBody>
       </p:sp>
       <p:sp>
         <p:nvSpPr>
           <p:cNvPr id="43" name="Google Shape;43;p9"/>
-          <p:cNvSpPr txBox="1"/>
+          <p:cNvSpPr txBox="1">
+            <a:spLocks noGrp="1"/>
+          </p:cNvSpPr>
           <p:nvPr>
-            <p:ph idx="1" type="subTitle"/>
+            <p:ph type="subTitle" idx="1"/>
           </p:nvPr>
         </p:nvSpPr>
         <p:spPr>
@@ -5110,7 +5754,7 @@
           </a:prstGeom>
         </p:spPr>
         <p:txBody>
-          <a:bodyPr anchorCtr="0" anchor="t" bIns="91425" lIns="91425" spcFirstLastPara="1" rIns="91425" wrap="square" tIns="91425">
+          <a:bodyPr spcFirstLastPara="1" wrap="square" lIns="91425" tIns="91425" rIns="91425" bIns="91425" anchor="t" anchorCtr="0">
             <a:noAutofit/>
           </a:bodyPr>
           <a:lstStyle>
@@ -5241,15 +5885,19 @@
               <a:defRPr sz="2100"/>
             </a:lvl9pPr>
           </a:lstStyle>
-          <a:p/>
+          <a:p>
+            <a:endParaRPr/>
+          </a:p>
         </p:txBody>
       </p:sp>
       <p:sp>
         <p:nvSpPr>
           <p:cNvPr id="44" name="Google Shape;44;p9"/>
-          <p:cNvSpPr txBox="1"/>
+          <p:cNvSpPr txBox="1">
+            <a:spLocks noGrp="1"/>
+          </p:cNvSpPr>
           <p:nvPr>
-            <p:ph idx="2" type="body"/>
+            <p:ph type="body" idx="2"/>
           </p:nvPr>
         </p:nvSpPr>
         <p:spPr>
@@ -5262,11 +5910,11 @@
           </a:prstGeom>
         </p:spPr>
         <p:txBody>
-          <a:bodyPr anchorCtr="0" anchor="ctr" bIns="91425" lIns="91425" spcFirstLastPara="1" rIns="91425" wrap="square" tIns="91425">
+          <a:bodyPr spcFirstLastPara="1" wrap="square" lIns="91425" tIns="91425" rIns="91425" bIns="91425" anchor="ctr" anchorCtr="0">
             <a:noAutofit/>
           </a:bodyPr>
           <a:lstStyle>
-            <a:lvl1pPr indent="-342900" lvl="0" marL="457200">
+            <a:lvl1pPr marL="457200" lvl="0" indent="-342900">
               <a:spcBef>
                 <a:spcPts val="0"/>
               </a:spcBef>
@@ -5284,7 +5932,7 @@
                 </a:solidFill>
               </a:defRPr>
             </a:lvl1pPr>
-            <a:lvl2pPr indent="-317500" lvl="1" marL="914400">
+            <a:lvl2pPr marL="914400" lvl="1" indent="-317500">
               <a:spcBef>
                 <a:spcPts val="1600"/>
               </a:spcBef>
@@ -5302,7 +5950,7 @@
                 </a:solidFill>
               </a:defRPr>
             </a:lvl2pPr>
-            <a:lvl3pPr indent="-317500" lvl="2" marL="1371600">
+            <a:lvl3pPr marL="1371600" lvl="2" indent="-317500">
               <a:spcBef>
                 <a:spcPts val="1600"/>
               </a:spcBef>
@@ -5320,7 +5968,7 @@
                 </a:solidFill>
               </a:defRPr>
             </a:lvl3pPr>
-            <a:lvl4pPr indent="-317500" lvl="3" marL="1828800">
+            <a:lvl4pPr marL="1828800" lvl="3" indent="-317500">
               <a:spcBef>
                 <a:spcPts val="1600"/>
               </a:spcBef>
@@ -5338,7 +5986,7 @@
                 </a:solidFill>
               </a:defRPr>
             </a:lvl4pPr>
-            <a:lvl5pPr indent="-317500" lvl="4" marL="2286000">
+            <a:lvl5pPr marL="2286000" lvl="4" indent="-317500">
               <a:spcBef>
                 <a:spcPts val="1600"/>
               </a:spcBef>
@@ -5356,7 +6004,7 @@
                 </a:solidFill>
               </a:defRPr>
             </a:lvl5pPr>
-            <a:lvl6pPr indent="-317500" lvl="5" marL="2743200">
+            <a:lvl6pPr marL="2743200" lvl="5" indent="-317500">
               <a:spcBef>
                 <a:spcPts val="1600"/>
               </a:spcBef>
@@ -5374,7 +6022,7 @@
                 </a:solidFill>
               </a:defRPr>
             </a:lvl6pPr>
-            <a:lvl7pPr indent="-317500" lvl="6" marL="3200400">
+            <a:lvl7pPr marL="3200400" lvl="6" indent="-317500">
               <a:spcBef>
                 <a:spcPts val="1600"/>
               </a:spcBef>
@@ -5392,7 +6040,7 @@
                 </a:solidFill>
               </a:defRPr>
             </a:lvl7pPr>
-            <a:lvl8pPr indent="-317500" lvl="7" marL="3657600">
+            <a:lvl8pPr marL="3657600" lvl="7" indent="-317500">
               <a:spcBef>
                 <a:spcPts val="1600"/>
               </a:spcBef>
@@ -5410,7 +6058,7 @@
                 </a:solidFill>
               </a:defRPr>
             </a:lvl8pPr>
-            <a:lvl9pPr indent="-317500" lvl="8" marL="4114800">
+            <a:lvl9pPr marL="4114800" lvl="8" indent="-317500">
               <a:spcBef>
                 <a:spcPts val="1600"/>
               </a:spcBef>
@@ -5429,15 +6077,19 @@
               </a:defRPr>
             </a:lvl9pPr>
           </a:lstStyle>
-          <a:p/>
+          <a:p>
+            <a:endParaRPr/>
+          </a:p>
         </p:txBody>
       </p:sp>
       <p:sp>
         <p:nvSpPr>
           <p:cNvPr id="45" name="Google Shape;45;p9"/>
-          <p:cNvSpPr txBox="1"/>
+          <p:cNvSpPr txBox="1">
+            <a:spLocks noGrp="1"/>
+          </p:cNvSpPr>
           <p:nvPr>
-            <p:ph idx="12" type="sldNum"/>
+            <p:ph type="sldNum" idx="12"/>
           </p:nvPr>
         </p:nvSpPr>
         <p:spPr>
@@ -5450,7 +6102,7 @@
           </a:prstGeom>
         </p:spPr>
         <p:txBody>
-          <a:bodyPr anchorCtr="0" anchor="ctr" bIns="91425" lIns="91425" spcFirstLastPara="1" rIns="91425" wrap="square" tIns="91425">
+          <a:bodyPr spcFirstLastPara="1" wrap="square" lIns="91425" tIns="91425" rIns="91425" bIns="91425" anchor="ctr" anchorCtr="0">
             <a:noAutofit/>
           </a:bodyPr>
           <a:lstStyle>
@@ -5528,7 +6180,7 @@
             </a:lvl9pPr>
           </a:lstStyle>
           <a:p>
-            <a:pPr indent="0" lvl="0" marL="0" rtl="0" algn="r">
+            <a:pPr marL="0" lvl="0" indent="0" algn="r" rtl="0">
               <a:spcBef>
                 <a:spcPts val="0"/>
               </a:spcBef>
@@ -5539,7 +6191,7 @@
             </a:pPr>
             <a:fld id="{00000000-1234-1234-1234-123412341234}" type="slidenum">
               <a:rPr lang="it"/>
-              <a:t>‹#›</a:t>
+              <a:t>‹N›</a:t>
             </a:fld>
             <a:endParaRPr/>
           </a:p>
@@ -5554,11 +6206,11 @@
 </file>
 
 <file path=ppt/slideLayouts/slideLayout9.xml><?xml version="1.0" encoding="utf-8"?>
-<p:sldLayout xmlns:a="http://schemas.openxmlformats.org/drawingml/2006/main" xmlns:r="http://schemas.openxmlformats.org/officeDocument/2006/relationships" xmlns:mc="http://schemas.openxmlformats.org/markup-compatibility/2006" xmlns:mv="urn:schemas-microsoft-com:mac:vml" xmlns:p="http://schemas.openxmlformats.org/presentationml/2006/main" xmlns:c="http://schemas.openxmlformats.org/drawingml/2006/chart" xmlns:dgm="http://schemas.openxmlformats.org/drawingml/2006/diagram" xmlns:o="urn:schemas-microsoft-com:office:office" xmlns:v="urn:schemas-microsoft-com:vml" xmlns:pvml="urn:schemas-microsoft-com:office:powerpoint" xmlns:com="http://schemas.openxmlformats.org/drawingml/2006/compatibility" xmlns:p14="http://schemas.microsoft.com/office/powerpoint/2010/main" xmlns:p15="http://schemas.microsoft.com/office/powerpoint/2012/main" xmlns:ahyp="http://schemas.microsoft.com/office/drawing/2018/hyperlinkcolor" matchingName="Caption">
+<p:sldLayout xmlns:a="http://schemas.openxmlformats.org/drawingml/2006/main" xmlns:r="http://schemas.openxmlformats.org/officeDocument/2006/relationships" xmlns:p="http://schemas.openxmlformats.org/presentationml/2006/main" matchingName="Caption">
   <p:cSld name="CAPTION_ONLY">
     <p:spTree>
       <p:nvGrpSpPr>
-        <p:cNvPr id="46" name="Shape 46"/>
+        <p:cNvPr id="1" name="Shape 46"/>
         <p:cNvGrpSpPr/>
         <p:nvPr/>
       </p:nvGrpSpPr>
@@ -5573,9 +6225,11 @@
       <p:sp>
         <p:nvSpPr>
           <p:cNvPr id="47" name="Google Shape;47;p10"/>
-          <p:cNvSpPr txBox="1"/>
+          <p:cNvSpPr txBox="1">
+            <a:spLocks noGrp="1"/>
+          </p:cNvSpPr>
           <p:nvPr>
-            <p:ph idx="1" type="body"/>
+            <p:ph type="body" idx="1"/>
           </p:nvPr>
         </p:nvSpPr>
         <p:spPr>
@@ -5588,11 +6242,11 @@
           </a:prstGeom>
         </p:spPr>
         <p:txBody>
-          <a:bodyPr anchorCtr="0" anchor="ctr" bIns="91425" lIns="91425" spcFirstLastPara="1" rIns="91425" wrap="square" tIns="91425">
+          <a:bodyPr spcFirstLastPara="1" wrap="square" lIns="91425" tIns="91425" rIns="91425" bIns="91425" anchor="ctr" anchorCtr="0">
             <a:noAutofit/>
           </a:bodyPr>
           <a:lstStyle>
-            <a:lvl1pPr indent="-228600" lvl="0" marL="457200">
+            <a:lvl1pPr marL="457200" lvl="0" indent="-228600">
               <a:lnSpc>
                 <a:spcPct val="100000"/>
               </a:lnSpc>
@@ -5607,15 +6261,19 @@
               <a:defRPr/>
             </a:lvl1pPr>
           </a:lstStyle>
-          <a:p/>
+          <a:p>
+            <a:endParaRPr/>
+          </a:p>
         </p:txBody>
       </p:sp>
       <p:sp>
         <p:nvSpPr>
           <p:cNvPr id="48" name="Google Shape;48;p10"/>
-          <p:cNvSpPr txBox="1"/>
+          <p:cNvSpPr txBox="1">
+            <a:spLocks noGrp="1"/>
+          </p:cNvSpPr>
           <p:nvPr>
-            <p:ph idx="12" type="sldNum"/>
+            <p:ph type="sldNum" idx="12"/>
           </p:nvPr>
         </p:nvSpPr>
         <p:spPr>
@@ -5628,7 +6286,7 @@
           </a:prstGeom>
         </p:spPr>
         <p:txBody>
-          <a:bodyPr anchorCtr="0" anchor="ctr" bIns="91425" lIns="91425" spcFirstLastPara="1" rIns="91425" wrap="square" tIns="91425">
+          <a:bodyPr spcFirstLastPara="1" wrap="square" lIns="91425" tIns="91425" rIns="91425" bIns="91425" anchor="ctr" anchorCtr="0">
             <a:noAutofit/>
           </a:bodyPr>
           <a:lstStyle>
@@ -5670,7 +6328,7 @@
             </a:lvl9pPr>
           </a:lstStyle>
           <a:p>
-            <a:pPr indent="0" lvl="0" marL="0" rtl="0" algn="r">
+            <a:pPr marL="0" lvl="0" indent="0" algn="r" rtl="0">
               <a:spcBef>
                 <a:spcPts val="0"/>
               </a:spcBef>
@@ -5681,7 +6339,7 @@
             </a:pPr>
             <a:fld id="{00000000-1234-1234-1234-123412341234}" type="slidenum">
               <a:rPr lang="it"/>
-              <a:t>‹#›</a:t>
+              <a:t>‹N›</a:t>
             </a:fld>
             <a:endParaRPr/>
           </a:p>
@@ -5696,18 +6354,19 @@
 </file>
 
 <file path=ppt/slideMasters/slideMaster1.xml><?xml version="1.0" encoding="utf-8"?>
-<p:sldMaster xmlns:a="http://schemas.openxmlformats.org/drawingml/2006/main" xmlns:r="http://schemas.openxmlformats.org/officeDocument/2006/relationships" xmlns:mc="http://schemas.openxmlformats.org/markup-compatibility/2006" xmlns:mv="urn:schemas-microsoft-com:mac:vml" xmlns:p="http://schemas.openxmlformats.org/presentationml/2006/main" xmlns:c="http://schemas.openxmlformats.org/drawingml/2006/chart" xmlns:dgm="http://schemas.openxmlformats.org/drawingml/2006/diagram" xmlns:o="urn:schemas-microsoft-com:office:office" xmlns:v="urn:schemas-microsoft-com:vml" xmlns:pvml="urn:schemas-microsoft-com:office:powerpoint" xmlns:com="http://schemas.openxmlformats.org/drawingml/2006/compatibility" xmlns:p14="http://schemas.microsoft.com/office/powerpoint/2010/main" xmlns:p15="http://schemas.microsoft.com/office/powerpoint/2012/main" xmlns:ahyp="http://schemas.microsoft.com/office/drawing/2018/hyperlinkcolor">
+<p:sldMaster xmlns:a="http://schemas.openxmlformats.org/drawingml/2006/main" xmlns:r="http://schemas.openxmlformats.org/officeDocument/2006/relationships" xmlns:p="http://schemas.openxmlformats.org/presentationml/2006/main">
   <p:cSld name="paperback">
     <p:bg>
       <p:bgPr>
         <a:solidFill>
           <a:schemeClr val="accent1"/>
         </a:solidFill>
+        <a:effectLst/>
       </p:bgPr>
     </p:bg>
     <p:spTree>
       <p:nvGrpSpPr>
-        <p:cNvPr id="5" name="Shape 5"/>
+        <p:cNvPr id="1" name="Shape 5"/>
         <p:cNvGrpSpPr/>
         <p:nvPr/>
       </p:nvGrpSpPr>
@@ -5722,7 +6381,9 @@
       <p:sp>
         <p:nvSpPr>
           <p:cNvPr id="6" name="Google Shape;6;p1"/>
-          <p:cNvSpPr txBox="1"/>
+          <p:cNvSpPr txBox="1">
+            <a:spLocks noGrp="1"/>
+          </p:cNvSpPr>
           <p:nvPr>
             <p:ph type="title"/>
           </p:nvPr>
@@ -5741,7 +6402,7 @@
           </a:ln>
         </p:spPr>
         <p:txBody>
-          <a:bodyPr anchorCtr="0" anchor="t" bIns="91425" lIns="91425" spcFirstLastPara="1" rIns="91425" wrap="square" tIns="91425">
+          <a:bodyPr spcFirstLastPara="1" wrap="square" lIns="91425" tIns="91425" rIns="91425" bIns="91425" anchor="t" anchorCtr="0">
             <a:noAutofit/>
           </a:bodyPr>
           <a:lstStyle>
@@ -5953,15 +6614,19 @@
               </a:defRPr>
             </a:lvl9pPr>
           </a:lstStyle>
-          <a:p/>
+          <a:p>
+            <a:endParaRPr/>
+          </a:p>
         </p:txBody>
       </p:sp>
       <p:sp>
         <p:nvSpPr>
           <p:cNvPr id="7" name="Google Shape;7;p1"/>
-          <p:cNvSpPr txBox="1"/>
+          <p:cNvSpPr txBox="1">
+            <a:spLocks noGrp="1"/>
+          </p:cNvSpPr>
           <p:nvPr>
-            <p:ph idx="1" type="body"/>
+            <p:ph type="body" idx="1"/>
           </p:nvPr>
         </p:nvSpPr>
         <p:spPr>
@@ -5978,11 +6643,11 @@
           </a:ln>
         </p:spPr>
         <p:txBody>
-          <a:bodyPr anchorCtr="0" anchor="t" bIns="91425" lIns="91425" spcFirstLastPara="1" rIns="91425" wrap="square" tIns="91425">
+          <a:bodyPr spcFirstLastPara="1" wrap="square" lIns="91425" tIns="91425" rIns="91425" bIns="91425" anchor="t" anchorCtr="0">
             <a:noAutofit/>
           </a:bodyPr>
           <a:lstStyle>
-            <a:lvl1pPr indent="-342900" lvl="0" marL="457200">
+            <a:lvl1pPr marL="457200" lvl="0" indent="-342900">
               <a:lnSpc>
                 <a:spcPct val="115000"/>
               </a:lnSpc>
@@ -6008,7 +6673,7 @@
                 <a:sym typeface="Old Standard TT"/>
               </a:defRPr>
             </a:lvl1pPr>
-            <a:lvl2pPr indent="-317500" lvl="1" marL="914400">
+            <a:lvl2pPr marL="914400" lvl="1" indent="-317500">
               <a:lnSpc>
                 <a:spcPct val="115000"/>
               </a:lnSpc>
@@ -6034,7 +6699,7 @@
                 <a:sym typeface="Old Standard TT"/>
               </a:defRPr>
             </a:lvl2pPr>
-            <a:lvl3pPr indent="-317500" lvl="2" marL="1371600">
+            <a:lvl3pPr marL="1371600" lvl="2" indent="-317500">
               <a:lnSpc>
                 <a:spcPct val="115000"/>
               </a:lnSpc>
@@ -6060,7 +6725,7 @@
                 <a:sym typeface="Old Standard TT"/>
               </a:defRPr>
             </a:lvl3pPr>
-            <a:lvl4pPr indent="-317500" lvl="3" marL="1828800">
+            <a:lvl4pPr marL="1828800" lvl="3" indent="-317500">
               <a:lnSpc>
                 <a:spcPct val="115000"/>
               </a:lnSpc>
@@ -6086,7 +6751,7 @@
                 <a:sym typeface="Old Standard TT"/>
               </a:defRPr>
             </a:lvl4pPr>
-            <a:lvl5pPr indent="-317500" lvl="4" marL="2286000">
+            <a:lvl5pPr marL="2286000" lvl="4" indent="-317500">
               <a:lnSpc>
                 <a:spcPct val="115000"/>
               </a:lnSpc>
@@ -6112,7 +6777,7 @@
                 <a:sym typeface="Old Standard TT"/>
               </a:defRPr>
             </a:lvl5pPr>
-            <a:lvl6pPr indent="-317500" lvl="5" marL="2743200">
+            <a:lvl6pPr marL="2743200" lvl="5" indent="-317500">
               <a:lnSpc>
                 <a:spcPct val="115000"/>
               </a:lnSpc>
@@ -6138,7 +6803,7 @@
                 <a:sym typeface="Old Standard TT"/>
               </a:defRPr>
             </a:lvl6pPr>
-            <a:lvl7pPr indent="-317500" lvl="6" marL="3200400">
+            <a:lvl7pPr marL="3200400" lvl="6" indent="-317500">
               <a:lnSpc>
                 <a:spcPct val="115000"/>
               </a:lnSpc>
@@ -6164,7 +6829,7 @@
                 <a:sym typeface="Old Standard TT"/>
               </a:defRPr>
             </a:lvl7pPr>
-            <a:lvl8pPr indent="-317500" lvl="7" marL="3657600">
+            <a:lvl8pPr marL="3657600" lvl="7" indent="-317500">
               <a:lnSpc>
                 <a:spcPct val="115000"/>
               </a:lnSpc>
@@ -6190,7 +6855,7 @@
                 <a:sym typeface="Old Standard TT"/>
               </a:defRPr>
             </a:lvl8pPr>
-            <a:lvl9pPr indent="-317500" lvl="8" marL="4114800">
+            <a:lvl9pPr marL="4114800" lvl="8" indent="-317500">
               <a:lnSpc>
                 <a:spcPct val="115000"/>
               </a:lnSpc>
@@ -6217,15 +6882,19 @@
               </a:defRPr>
             </a:lvl9pPr>
           </a:lstStyle>
-          <a:p/>
+          <a:p>
+            <a:endParaRPr/>
+          </a:p>
         </p:txBody>
       </p:sp>
       <p:sp>
         <p:nvSpPr>
           <p:cNvPr id="8" name="Google Shape;8;p1"/>
-          <p:cNvSpPr txBox="1"/>
+          <p:cNvSpPr txBox="1">
+            <a:spLocks noGrp="1"/>
+          </p:cNvSpPr>
           <p:nvPr>
-            <p:ph idx="12" type="sldNum"/>
+            <p:ph type="sldNum" idx="12"/>
           </p:nvPr>
         </p:nvSpPr>
         <p:spPr>
@@ -6242,7 +6911,7 @@
           </a:ln>
         </p:spPr>
         <p:txBody>
-          <a:bodyPr anchorCtr="0" anchor="ctr" bIns="91425" lIns="91425" spcFirstLastPara="1" rIns="91425" wrap="square" tIns="91425">
+          <a:bodyPr spcFirstLastPara="1" wrap="square" lIns="91425" tIns="91425" rIns="91425" bIns="91425" anchor="ctr" anchorCtr="0">
             <a:noAutofit/>
           </a:bodyPr>
           <a:lstStyle>
@@ -6356,7 +7025,7 @@
             </a:lvl9pPr>
           </a:lstStyle>
           <a:p>
-            <a:pPr indent="0" lvl="0" marL="0" rtl="0" algn="r">
+            <a:pPr marL="0" lvl="0" indent="0" algn="r" rtl="0">
               <a:spcBef>
                 <a:spcPts val="0"/>
               </a:spcBef>
@@ -6367,7 +7036,7 @@
             </a:pPr>
             <a:fld id="{00000000-1234-1234-1234-123412341234}" type="slidenum">
               <a:rPr lang="it"/>
-              <a:t>‹#›</a:t>
+              <a:t>‹N›</a:t>
             </a:fld>
             <a:endParaRPr/>
           </a:p>
@@ -6375,7 +7044,7 @@
       </p:sp>
     </p:spTree>
   </p:cSld>
-  <p:clrMap accent1="accent1" accent2="accent2" accent3="accent3" accent4="accent4" accent5="accent5" accent6="accent6" bg1="lt1" bg2="dk2" tx1="dk1" tx2="lt2" folHlink="folHlink" hlink="hlink"/>
+  <p:clrMap bg1="lt1" tx1="dk1" bg2="dk2" tx2="lt2" accent1="accent1" accent2="accent2" accent3="accent3" accent4="accent4" accent5="accent5" accent6="accent6" hlink="hlink" folHlink="folHlink"/>
   <p:sldLayoutIdLst>
     <p:sldLayoutId id="2147483648" r:id="rId1"/>
     <p:sldLayoutId id="2147483649" r:id="rId2"/>
@@ -6389,10 +7058,10 @@
     <p:sldLayoutId id="2147483657" r:id="rId10"/>
     <p:sldLayoutId id="2147483658" r:id="rId11"/>
   </p:sldLayoutIdLst>
-  <p:hf dt="0" ftr="0" hdr="0" sldNum="0"/>
+  <p:hf sldNum="0" hdr="0" ftr="0" dt="0"/>
   <p:txStyles>
     <p:titleStyle>
-      <a:defPPr lvl="0" marR="0" rtl="0" algn="l">
+      <a:defPPr marR="0" lvl="0" algn="l" rtl="0">
         <a:lnSpc>
           <a:spcPct val="100000"/>
         </a:lnSpc>
@@ -6403,7 +7072,7 @@
           <a:spcPts val="0"/>
         </a:spcAft>
       </a:defPPr>
-      <a:lvl1pPr lvl="0" marR="0" rtl="0" algn="l">
+      <a:lvl1pPr marR="0" lvl="0" algn="l" rtl="0">
         <a:lnSpc>
           <a:spcPct val="100000"/>
         </a:lnSpc>
@@ -6417,7 +7086,7 @@
           <a:srgbClr val="000000"/>
         </a:buClr>
         <a:buFont typeface="Arial"/>
-        <a:defRPr b="0" i="0" sz="1400" u="none" cap="none" strike="noStrike">
+        <a:defRPr sz="1400" b="0" i="0" u="none" strike="noStrike" cap="none">
           <a:solidFill>
             <a:srgbClr val="000000"/>
           </a:solidFill>
@@ -6427,7 +7096,7 @@
           <a:sym typeface="Arial"/>
         </a:defRPr>
       </a:lvl1pPr>
-      <a:lvl2pPr lvl="1" marR="0" rtl="0" algn="l">
+      <a:lvl2pPr marR="0" lvl="1" algn="l" rtl="0">
         <a:lnSpc>
           <a:spcPct val="100000"/>
         </a:lnSpc>
@@ -6441,7 +7110,7 @@
           <a:srgbClr val="000000"/>
         </a:buClr>
         <a:buFont typeface="Arial"/>
-        <a:defRPr b="0" i="0" sz="1400" u="none" cap="none" strike="noStrike">
+        <a:defRPr sz="1400" b="0" i="0" u="none" strike="noStrike" cap="none">
           <a:solidFill>
             <a:srgbClr val="000000"/>
           </a:solidFill>
@@ -6451,7 +7120,7 @@
           <a:sym typeface="Arial"/>
         </a:defRPr>
       </a:lvl2pPr>
-      <a:lvl3pPr lvl="2" marR="0" rtl="0" algn="l">
+      <a:lvl3pPr marR="0" lvl="2" algn="l" rtl="0">
         <a:lnSpc>
           <a:spcPct val="100000"/>
         </a:lnSpc>
@@ -6465,7 +7134,7 @@
           <a:srgbClr val="000000"/>
         </a:buClr>
         <a:buFont typeface="Arial"/>
-        <a:defRPr b="0" i="0" sz="1400" u="none" cap="none" strike="noStrike">
+        <a:defRPr sz="1400" b="0" i="0" u="none" strike="noStrike" cap="none">
           <a:solidFill>
             <a:srgbClr val="000000"/>
           </a:solidFill>
@@ -6475,7 +7144,7 @@
           <a:sym typeface="Arial"/>
         </a:defRPr>
       </a:lvl3pPr>
-      <a:lvl4pPr lvl="3" marR="0" rtl="0" algn="l">
+      <a:lvl4pPr marR="0" lvl="3" algn="l" rtl="0">
         <a:lnSpc>
           <a:spcPct val="100000"/>
         </a:lnSpc>
@@ -6489,7 +7158,7 @@
           <a:srgbClr val="000000"/>
         </a:buClr>
         <a:buFont typeface="Arial"/>
-        <a:defRPr b="0" i="0" sz="1400" u="none" cap="none" strike="noStrike">
+        <a:defRPr sz="1400" b="0" i="0" u="none" strike="noStrike" cap="none">
           <a:solidFill>
             <a:srgbClr val="000000"/>
           </a:solidFill>
@@ -6499,7 +7168,7 @@
           <a:sym typeface="Arial"/>
         </a:defRPr>
       </a:lvl4pPr>
-      <a:lvl5pPr lvl="4" marR="0" rtl="0" algn="l">
+      <a:lvl5pPr marR="0" lvl="4" algn="l" rtl="0">
         <a:lnSpc>
           <a:spcPct val="100000"/>
         </a:lnSpc>
@@ -6513,7 +7182,7 @@
           <a:srgbClr val="000000"/>
         </a:buClr>
         <a:buFont typeface="Arial"/>
-        <a:defRPr b="0" i="0" sz="1400" u="none" cap="none" strike="noStrike">
+        <a:defRPr sz="1400" b="0" i="0" u="none" strike="noStrike" cap="none">
           <a:solidFill>
             <a:srgbClr val="000000"/>
           </a:solidFill>
@@ -6523,7 +7192,7 @@
           <a:sym typeface="Arial"/>
         </a:defRPr>
       </a:lvl5pPr>
-      <a:lvl6pPr lvl="5" marR="0" rtl="0" algn="l">
+      <a:lvl6pPr marR="0" lvl="5" algn="l" rtl="0">
         <a:lnSpc>
           <a:spcPct val="100000"/>
         </a:lnSpc>
@@ -6537,7 +7206,7 @@
           <a:srgbClr val="000000"/>
         </a:buClr>
         <a:buFont typeface="Arial"/>
-        <a:defRPr b="0" i="0" sz="1400" u="none" cap="none" strike="noStrike">
+        <a:defRPr sz="1400" b="0" i="0" u="none" strike="noStrike" cap="none">
           <a:solidFill>
             <a:srgbClr val="000000"/>
           </a:solidFill>
@@ -6547,7 +7216,7 @@
           <a:sym typeface="Arial"/>
         </a:defRPr>
       </a:lvl6pPr>
-      <a:lvl7pPr lvl="6" marR="0" rtl="0" algn="l">
+      <a:lvl7pPr marR="0" lvl="6" algn="l" rtl="0">
         <a:lnSpc>
           <a:spcPct val="100000"/>
         </a:lnSpc>
@@ -6561,7 +7230,7 @@
           <a:srgbClr val="000000"/>
         </a:buClr>
         <a:buFont typeface="Arial"/>
-        <a:defRPr b="0" i="0" sz="1400" u="none" cap="none" strike="noStrike">
+        <a:defRPr sz="1400" b="0" i="0" u="none" strike="noStrike" cap="none">
           <a:solidFill>
             <a:srgbClr val="000000"/>
           </a:solidFill>
@@ -6571,7 +7240,7 @@
           <a:sym typeface="Arial"/>
         </a:defRPr>
       </a:lvl7pPr>
-      <a:lvl8pPr lvl="7" marR="0" rtl="0" algn="l">
+      <a:lvl8pPr marR="0" lvl="7" algn="l" rtl="0">
         <a:lnSpc>
           <a:spcPct val="100000"/>
         </a:lnSpc>
@@ -6585,7 +7254,7 @@
           <a:srgbClr val="000000"/>
         </a:buClr>
         <a:buFont typeface="Arial"/>
-        <a:defRPr b="0" i="0" sz="1400" u="none" cap="none" strike="noStrike">
+        <a:defRPr sz="1400" b="0" i="0" u="none" strike="noStrike" cap="none">
           <a:solidFill>
             <a:srgbClr val="000000"/>
           </a:solidFill>
@@ -6595,7 +7264,7 @@
           <a:sym typeface="Arial"/>
         </a:defRPr>
       </a:lvl8pPr>
-      <a:lvl9pPr lvl="8" marR="0" rtl="0" algn="l">
+      <a:lvl9pPr marR="0" lvl="8" algn="l" rtl="0">
         <a:lnSpc>
           <a:spcPct val="100000"/>
         </a:lnSpc>
@@ -6609,7 +7278,7 @@
           <a:srgbClr val="000000"/>
         </a:buClr>
         <a:buFont typeface="Arial"/>
-        <a:defRPr b="0" i="0" sz="1400" u="none" cap="none" strike="noStrike">
+        <a:defRPr sz="1400" b="0" i="0" u="none" strike="noStrike" cap="none">
           <a:solidFill>
             <a:srgbClr val="000000"/>
           </a:solidFill>
@@ -6621,7 +7290,7 @@
       </a:lvl9pPr>
     </p:titleStyle>
     <p:bodyStyle>
-      <a:defPPr lvl="0" marR="0" rtl="0" algn="l">
+      <a:defPPr marR="0" lvl="0" algn="l" rtl="0">
         <a:lnSpc>
           <a:spcPct val="100000"/>
         </a:lnSpc>
@@ -6632,7 +7301,7 @@
           <a:spcPts val="0"/>
         </a:spcAft>
       </a:defPPr>
-      <a:lvl1pPr lvl="0" marR="0" rtl="0" algn="l">
+      <a:lvl1pPr marR="0" lvl="0" algn="l" rtl="0">
         <a:lnSpc>
           <a:spcPct val="100000"/>
         </a:lnSpc>
@@ -6646,7 +7315,7 @@
           <a:srgbClr val="000000"/>
         </a:buClr>
         <a:buFont typeface="Arial"/>
-        <a:defRPr b="0" i="0" sz="1400" u="none" cap="none" strike="noStrike">
+        <a:defRPr sz="1400" b="0" i="0" u="none" strike="noStrike" cap="none">
           <a:solidFill>
             <a:srgbClr val="000000"/>
           </a:solidFill>
@@ -6656,7 +7325,7 @@
           <a:sym typeface="Arial"/>
         </a:defRPr>
       </a:lvl1pPr>
-      <a:lvl2pPr lvl="1" marR="0" rtl="0" algn="l">
+      <a:lvl2pPr marR="0" lvl="1" algn="l" rtl="0">
         <a:lnSpc>
           <a:spcPct val="100000"/>
         </a:lnSpc>
@@ -6670,7 +7339,7 @@
           <a:srgbClr val="000000"/>
         </a:buClr>
         <a:buFont typeface="Arial"/>
-        <a:defRPr b="0" i="0" sz="1400" u="none" cap="none" strike="noStrike">
+        <a:defRPr sz="1400" b="0" i="0" u="none" strike="noStrike" cap="none">
           <a:solidFill>
             <a:srgbClr val="000000"/>
           </a:solidFill>
@@ -6680,7 +7349,7 @@
           <a:sym typeface="Arial"/>
         </a:defRPr>
       </a:lvl2pPr>
-      <a:lvl3pPr lvl="2" marR="0" rtl="0" algn="l">
+      <a:lvl3pPr marR="0" lvl="2" algn="l" rtl="0">
         <a:lnSpc>
           <a:spcPct val="100000"/>
         </a:lnSpc>
@@ -6694,7 +7363,7 @@
           <a:srgbClr val="000000"/>
         </a:buClr>
         <a:buFont typeface="Arial"/>
-        <a:defRPr b="0" i="0" sz="1400" u="none" cap="none" strike="noStrike">
+        <a:defRPr sz="1400" b="0" i="0" u="none" strike="noStrike" cap="none">
           <a:solidFill>
             <a:srgbClr val="000000"/>
           </a:solidFill>
@@ -6704,7 +7373,7 @@
           <a:sym typeface="Arial"/>
         </a:defRPr>
       </a:lvl3pPr>
-      <a:lvl4pPr lvl="3" marR="0" rtl="0" algn="l">
+      <a:lvl4pPr marR="0" lvl="3" algn="l" rtl="0">
         <a:lnSpc>
           <a:spcPct val="100000"/>
         </a:lnSpc>
@@ -6718,7 +7387,7 @@
           <a:srgbClr val="000000"/>
         </a:buClr>
         <a:buFont typeface="Arial"/>
-        <a:defRPr b="0" i="0" sz="1400" u="none" cap="none" strike="noStrike">
+        <a:defRPr sz="1400" b="0" i="0" u="none" strike="noStrike" cap="none">
           <a:solidFill>
             <a:srgbClr val="000000"/>
           </a:solidFill>
@@ -6728,7 +7397,7 @@
           <a:sym typeface="Arial"/>
         </a:defRPr>
       </a:lvl4pPr>
-      <a:lvl5pPr lvl="4" marR="0" rtl="0" algn="l">
+      <a:lvl5pPr marR="0" lvl="4" algn="l" rtl="0">
         <a:lnSpc>
           <a:spcPct val="100000"/>
         </a:lnSpc>
@@ -6742,7 +7411,7 @@
           <a:srgbClr val="000000"/>
         </a:buClr>
         <a:buFont typeface="Arial"/>
-        <a:defRPr b="0" i="0" sz="1400" u="none" cap="none" strike="noStrike">
+        <a:defRPr sz="1400" b="0" i="0" u="none" strike="noStrike" cap="none">
           <a:solidFill>
             <a:srgbClr val="000000"/>
           </a:solidFill>
@@ -6752,7 +7421,7 @@
           <a:sym typeface="Arial"/>
         </a:defRPr>
       </a:lvl5pPr>
-      <a:lvl6pPr lvl="5" marR="0" rtl="0" algn="l">
+      <a:lvl6pPr marR="0" lvl="5" algn="l" rtl="0">
         <a:lnSpc>
           <a:spcPct val="100000"/>
         </a:lnSpc>
@@ -6766,7 +7435,7 @@
           <a:srgbClr val="000000"/>
         </a:buClr>
         <a:buFont typeface="Arial"/>
-        <a:defRPr b="0" i="0" sz="1400" u="none" cap="none" strike="noStrike">
+        <a:defRPr sz="1400" b="0" i="0" u="none" strike="noStrike" cap="none">
           <a:solidFill>
             <a:srgbClr val="000000"/>
           </a:solidFill>
@@ -6776,7 +7445,7 @@
           <a:sym typeface="Arial"/>
         </a:defRPr>
       </a:lvl6pPr>
-      <a:lvl7pPr lvl="6" marR="0" rtl="0" algn="l">
+      <a:lvl7pPr marR="0" lvl="6" algn="l" rtl="0">
         <a:lnSpc>
           <a:spcPct val="100000"/>
         </a:lnSpc>
@@ -6790,7 +7459,7 @@
           <a:srgbClr val="000000"/>
         </a:buClr>
         <a:buFont typeface="Arial"/>
-        <a:defRPr b="0" i="0" sz="1400" u="none" cap="none" strike="noStrike">
+        <a:defRPr sz="1400" b="0" i="0" u="none" strike="noStrike" cap="none">
           <a:solidFill>
             <a:srgbClr val="000000"/>
           </a:solidFill>
@@ -6800,7 +7469,7 @@
           <a:sym typeface="Arial"/>
         </a:defRPr>
       </a:lvl7pPr>
-      <a:lvl8pPr lvl="7" marR="0" rtl="0" algn="l">
+      <a:lvl8pPr marR="0" lvl="7" algn="l" rtl="0">
         <a:lnSpc>
           <a:spcPct val="100000"/>
         </a:lnSpc>
@@ -6814,7 +7483,7 @@
           <a:srgbClr val="000000"/>
         </a:buClr>
         <a:buFont typeface="Arial"/>
-        <a:defRPr b="0" i="0" sz="1400" u="none" cap="none" strike="noStrike">
+        <a:defRPr sz="1400" b="0" i="0" u="none" strike="noStrike" cap="none">
           <a:solidFill>
             <a:srgbClr val="000000"/>
           </a:solidFill>
@@ -6824,7 +7493,7 @@
           <a:sym typeface="Arial"/>
         </a:defRPr>
       </a:lvl8pPr>
-      <a:lvl9pPr lvl="8" marR="0" rtl="0" algn="l">
+      <a:lvl9pPr marR="0" lvl="8" algn="l" rtl="0">
         <a:lnSpc>
           <a:spcPct val="100000"/>
         </a:lnSpc>
@@ -6838,7 +7507,7 @@
           <a:srgbClr val="000000"/>
         </a:buClr>
         <a:buFont typeface="Arial"/>
-        <a:defRPr b="0" i="0" sz="1400" u="none" cap="none" strike="noStrike">
+        <a:defRPr sz="1400" b="0" i="0" u="none" strike="noStrike" cap="none">
           <a:solidFill>
             <a:srgbClr val="000000"/>
           </a:solidFill>
@@ -6850,7 +7519,7 @@
       </a:lvl9pPr>
     </p:bodyStyle>
     <p:otherStyle>
-      <a:defPPr lvl="0" marR="0" rtl="0" algn="l">
+      <a:defPPr marR="0" lvl="0" algn="l" rtl="0">
         <a:lnSpc>
           <a:spcPct val="100000"/>
         </a:lnSpc>
@@ -6861,7 +7530,7 @@
           <a:spcPts val="0"/>
         </a:spcAft>
       </a:defPPr>
-      <a:lvl1pPr lvl="0" marR="0" rtl="0" algn="l">
+      <a:lvl1pPr marR="0" lvl="0" algn="l" rtl="0">
         <a:lnSpc>
           <a:spcPct val="100000"/>
         </a:lnSpc>
@@ -6875,7 +7544,7 @@
           <a:srgbClr val="000000"/>
         </a:buClr>
         <a:buFont typeface="Arial"/>
-        <a:defRPr b="0" i="0" sz="1400" u="none" cap="none" strike="noStrike">
+        <a:defRPr sz="1400" b="0" i="0" u="none" strike="noStrike" cap="none">
           <a:solidFill>
             <a:srgbClr val="000000"/>
           </a:solidFill>
@@ -6885,7 +7554,7 @@
           <a:sym typeface="Arial"/>
         </a:defRPr>
       </a:lvl1pPr>
-      <a:lvl2pPr lvl="1" marR="0" rtl="0" algn="l">
+      <a:lvl2pPr marR="0" lvl="1" algn="l" rtl="0">
         <a:lnSpc>
           <a:spcPct val="100000"/>
         </a:lnSpc>
@@ -6899,7 +7568,7 @@
           <a:srgbClr val="000000"/>
         </a:buClr>
         <a:buFont typeface="Arial"/>
-        <a:defRPr b="0" i="0" sz="1400" u="none" cap="none" strike="noStrike">
+        <a:defRPr sz="1400" b="0" i="0" u="none" strike="noStrike" cap="none">
           <a:solidFill>
             <a:srgbClr val="000000"/>
           </a:solidFill>
@@ -6909,7 +7578,7 @@
           <a:sym typeface="Arial"/>
         </a:defRPr>
       </a:lvl2pPr>
-      <a:lvl3pPr lvl="2" marR="0" rtl="0" algn="l">
+      <a:lvl3pPr marR="0" lvl="2" algn="l" rtl="0">
         <a:lnSpc>
           <a:spcPct val="100000"/>
         </a:lnSpc>
@@ -6923,7 +7592,7 @@
           <a:srgbClr val="000000"/>
         </a:buClr>
         <a:buFont typeface="Arial"/>
-        <a:defRPr b="0" i="0" sz="1400" u="none" cap="none" strike="noStrike">
+        <a:defRPr sz="1400" b="0" i="0" u="none" strike="noStrike" cap="none">
           <a:solidFill>
             <a:srgbClr val="000000"/>
           </a:solidFill>
@@ -6933,7 +7602,7 @@
           <a:sym typeface="Arial"/>
         </a:defRPr>
       </a:lvl3pPr>
-      <a:lvl4pPr lvl="3" marR="0" rtl="0" algn="l">
+      <a:lvl4pPr marR="0" lvl="3" algn="l" rtl="0">
         <a:lnSpc>
           <a:spcPct val="100000"/>
         </a:lnSpc>
@@ -6947,7 +7616,7 @@
           <a:srgbClr val="000000"/>
         </a:buClr>
         <a:buFont typeface="Arial"/>
-        <a:defRPr b="0" i="0" sz="1400" u="none" cap="none" strike="noStrike">
+        <a:defRPr sz="1400" b="0" i="0" u="none" strike="noStrike" cap="none">
           <a:solidFill>
             <a:srgbClr val="000000"/>
           </a:solidFill>
@@ -6957,7 +7626,7 @@
           <a:sym typeface="Arial"/>
         </a:defRPr>
       </a:lvl4pPr>
-      <a:lvl5pPr lvl="4" marR="0" rtl="0" algn="l">
+      <a:lvl5pPr marR="0" lvl="4" algn="l" rtl="0">
         <a:lnSpc>
           <a:spcPct val="100000"/>
         </a:lnSpc>
@@ -6971,7 +7640,7 @@
           <a:srgbClr val="000000"/>
         </a:buClr>
         <a:buFont typeface="Arial"/>
-        <a:defRPr b="0" i="0" sz="1400" u="none" cap="none" strike="noStrike">
+        <a:defRPr sz="1400" b="0" i="0" u="none" strike="noStrike" cap="none">
           <a:solidFill>
             <a:srgbClr val="000000"/>
           </a:solidFill>
@@ -6981,7 +7650,7 @@
           <a:sym typeface="Arial"/>
         </a:defRPr>
       </a:lvl5pPr>
-      <a:lvl6pPr lvl="5" marR="0" rtl="0" algn="l">
+      <a:lvl6pPr marR="0" lvl="5" algn="l" rtl="0">
         <a:lnSpc>
           <a:spcPct val="100000"/>
         </a:lnSpc>
@@ -6995,7 +7664,7 @@
           <a:srgbClr val="000000"/>
         </a:buClr>
         <a:buFont typeface="Arial"/>
-        <a:defRPr b="0" i="0" sz="1400" u="none" cap="none" strike="noStrike">
+        <a:defRPr sz="1400" b="0" i="0" u="none" strike="noStrike" cap="none">
           <a:solidFill>
             <a:srgbClr val="000000"/>
           </a:solidFill>
@@ -7005,7 +7674,7 @@
           <a:sym typeface="Arial"/>
         </a:defRPr>
       </a:lvl6pPr>
-      <a:lvl7pPr lvl="6" marR="0" rtl="0" algn="l">
+      <a:lvl7pPr marR="0" lvl="6" algn="l" rtl="0">
         <a:lnSpc>
           <a:spcPct val="100000"/>
         </a:lnSpc>
@@ -7019,7 +7688,7 @@
           <a:srgbClr val="000000"/>
         </a:buClr>
         <a:buFont typeface="Arial"/>
-        <a:defRPr b="0" i="0" sz="1400" u="none" cap="none" strike="noStrike">
+        <a:defRPr sz="1400" b="0" i="0" u="none" strike="noStrike" cap="none">
           <a:solidFill>
             <a:srgbClr val="000000"/>
           </a:solidFill>
@@ -7029,7 +7698,7 @@
           <a:sym typeface="Arial"/>
         </a:defRPr>
       </a:lvl7pPr>
-      <a:lvl8pPr lvl="7" marR="0" rtl="0" algn="l">
+      <a:lvl8pPr marR="0" lvl="7" algn="l" rtl="0">
         <a:lnSpc>
           <a:spcPct val="100000"/>
         </a:lnSpc>
@@ -7043,7 +7712,7 @@
           <a:srgbClr val="000000"/>
         </a:buClr>
         <a:buFont typeface="Arial"/>
-        <a:defRPr b="0" i="0" sz="1400" u="none" cap="none" strike="noStrike">
+        <a:defRPr sz="1400" b="0" i="0" u="none" strike="noStrike" cap="none">
           <a:solidFill>
             <a:srgbClr val="000000"/>
           </a:solidFill>
@@ -7053,7 +7722,7 @@
           <a:sym typeface="Arial"/>
         </a:defRPr>
       </a:lvl8pPr>
-      <a:lvl9pPr lvl="8" marR="0" rtl="0" algn="l">
+      <a:lvl9pPr marR="0" lvl="8" algn="l" rtl="0">
         <a:lnSpc>
           <a:spcPct val="100000"/>
         </a:lnSpc>
@@ -7067,7 +7736,7 @@
           <a:srgbClr val="000000"/>
         </a:buClr>
         <a:buFont typeface="Arial"/>
-        <a:defRPr b="0" i="0" sz="1400" u="none" cap="none" strike="noStrike">
+        <a:defRPr sz="1400" b="0" i="0" u="none" strike="noStrike" cap="none">
           <a:solidFill>
             <a:srgbClr val="000000"/>
           </a:solidFill>
@@ -7083,11 +7752,11 @@
 </file>
 
 <file path=ppt/slides/slide1.xml><?xml version="1.0" encoding="utf-8"?>
-<p:sld xmlns:a="http://schemas.openxmlformats.org/drawingml/2006/main" xmlns:r="http://schemas.openxmlformats.org/officeDocument/2006/relationships" xmlns:mc="http://schemas.openxmlformats.org/markup-compatibility/2006" xmlns:mv="urn:schemas-microsoft-com:mac:vml" xmlns:p="http://schemas.openxmlformats.org/presentationml/2006/main" xmlns:c="http://schemas.openxmlformats.org/drawingml/2006/chart" xmlns:dgm="http://schemas.openxmlformats.org/drawingml/2006/diagram" xmlns:o="urn:schemas-microsoft-com:office:office" xmlns:v="urn:schemas-microsoft-com:vml" xmlns:pvml="urn:schemas-microsoft-com:office:powerpoint" xmlns:com="http://schemas.openxmlformats.org/drawingml/2006/compatibility" xmlns:p14="http://schemas.microsoft.com/office/powerpoint/2010/main" xmlns:p15="http://schemas.microsoft.com/office/powerpoint/2012/main" xmlns:ahyp="http://schemas.microsoft.com/office/drawing/2018/hyperlinkcolor">
+<p:sld xmlns:a="http://schemas.openxmlformats.org/drawingml/2006/main" xmlns:r="http://schemas.openxmlformats.org/officeDocument/2006/relationships" xmlns:p="http://schemas.openxmlformats.org/presentationml/2006/main">
   <p:cSld>
     <p:spTree>
       <p:nvGrpSpPr>
-        <p:cNvPr id="58" name="Shape 58"/>
+        <p:cNvPr id="1" name="Shape 58"/>
         <p:cNvGrpSpPr/>
         <p:nvPr/>
       </p:nvGrpSpPr>
@@ -7102,7 +7771,9 @@
       <p:sp>
         <p:nvSpPr>
           <p:cNvPr id="59" name="Google Shape;59;p13"/>
-          <p:cNvSpPr txBox="1"/>
+          <p:cNvSpPr txBox="1">
+            <a:spLocks noGrp="1"/>
+          </p:cNvSpPr>
           <p:nvPr>
             <p:ph type="title"/>
           </p:nvPr>
@@ -7117,12 +7788,12 @@
           </a:prstGeom>
         </p:spPr>
         <p:txBody>
-          <a:bodyPr anchorCtr="0" anchor="b" bIns="91425" lIns="91425" spcFirstLastPara="1" rIns="91425" wrap="square" tIns="91425">
+          <a:bodyPr spcFirstLastPara="1" wrap="square" lIns="91425" tIns="91425" rIns="91425" bIns="91425" anchor="b" anchorCtr="0">
             <a:noAutofit/>
           </a:bodyPr>
           <a:lstStyle/>
           <a:p>
-            <a:pPr indent="0" lvl="0" marL="0" rtl="0" algn="l">
+            <a:pPr marL="0" lvl="0" indent="0" algn="l" rtl="0">
               <a:spcBef>
                 <a:spcPts val="0"/>
               </a:spcBef>
@@ -7147,12 +7818,457 @@
 </p:sld>
 </file>
 
-<file path=ppt/slides/slide2.xml><?xml version="1.0" encoding="utf-8"?>
-<p:sld xmlns:a="http://schemas.openxmlformats.org/drawingml/2006/main" xmlns:r="http://schemas.openxmlformats.org/officeDocument/2006/relationships" xmlns:mc="http://schemas.openxmlformats.org/markup-compatibility/2006" xmlns:mv="urn:schemas-microsoft-com:mac:vml" xmlns:p="http://schemas.openxmlformats.org/presentationml/2006/main" xmlns:c="http://schemas.openxmlformats.org/drawingml/2006/chart" xmlns:dgm="http://schemas.openxmlformats.org/drawingml/2006/diagram" xmlns:o="urn:schemas-microsoft-com:office:office" xmlns:v="urn:schemas-microsoft-com:vml" xmlns:pvml="urn:schemas-microsoft-com:office:powerpoint" xmlns:com="http://schemas.openxmlformats.org/drawingml/2006/compatibility" xmlns:p14="http://schemas.microsoft.com/office/powerpoint/2010/main" xmlns:p15="http://schemas.microsoft.com/office/powerpoint/2012/main" xmlns:ahyp="http://schemas.microsoft.com/office/drawing/2018/hyperlinkcolor">
+<file path=ppt/slides/slide10.xml><?xml version="1.0" encoding="utf-8"?>
+<p:sld xmlns:a="http://schemas.openxmlformats.org/drawingml/2006/main" xmlns:r="http://schemas.openxmlformats.org/officeDocument/2006/relationships" xmlns:p="http://schemas.openxmlformats.org/presentationml/2006/main">
   <p:cSld>
     <p:spTree>
       <p:nvGrpSpPr>
-        <p:cNvPr id="63" name="Shape 63"/>
+        <p:cNvPr id="1" name="Shape 99">
+          <a:extLst>
+            <a:ext uri="{FF2B5EF4-FFF2-40B4-BE49-F238E27FC236}">
+              <a16:creationId xmlns:a16="http://schemas.microsoft.com/office/drawing/2014/main" id="{A3CB00D9-F91C-C670-C9E8-CFAF23F9A530}"/>
+            </a:ext>
+          </a:extLst>
+        </p:cNvPr>
+        <p:cNvGrpSpPr/>
+        <p:nvPr/>
+      </p:nvGrpSpPr>
+      <p:grpSpPr>
+        <a:xfrm>
+          <a:off x="0" y="0"/>
+          <a:ext cx="0" cy="0"/>
+          <a:chOff x="0" y="0"/>
+          <a:chExt cx="0" cy="0"/>
+        </a:xfrm>
+      </p:grpSpPr>
+      <p:sp>
+        <p:nvSpPr>
+          <p:cNvPr id="100" name="Google Shape;100;p21">
+            <a:extLst>
+              <a:ext uri="{FF2B5EF4-FFF2-40B4-BE49-F238E27FC236}">
+                <a16:creationId xmlns:a16="http://schemas.microsoft.com/office/drawing/2014/main" id="{BBBAFE2C-6E44-93EB-F7A0-A4BEB54A17A4}"/>
+              </a:ext>
+            </a:extLst>
+          </p:cNvPr>
+          <p:cNvSpPr txBox="1">
+            <a:spLocks noGrp="1"/>
+          </p:cNvSpPr>
+          <p:nvPr>
+            <p:ph type="title"/>
+          </p:nvPr>
+        </p:nvSpPr>
+        <p:spPr>
+          <a:xfrm>
+            <a:off x="490250" y="526350"/>
+            <a:ext cx="8435100" cy="4090800"/>
+          </a:xfrm>
+          <a:prstGeom prst="rect">
+            <a:avLst/>
+          </a:prstGeom>
+        </p:spPr>
+        <p:txBody>
+          <a:bodyPr spcFirstLastPara="1" wrap="square" lIns="91425" tIns="91425" rIns="91425" bIns="91425" anchor="t" anchorCtr="0">
+            <a:noAutofit/>
+          </a:bodyPr>
+          <a:lstStyle/>
+          <a:p>
+            <a:pPr marL="0" lvl="0" indent="0" algn="just" rtl="0">
+              <a:spcBef>
+                <a:spcPts val="0"/>
+              </a:spcBef>
+              <a:spcAft>
+                <a:spcPts val="0"/>
+              </a:spcAft>
+              <a:buNone/>
+            </a:pPr>
+            <a:r>
+              <a:rPr lang="it" sz="3000" dirty="0"/>
+              <a:t>1.1.1 Destinatari - Motivazione</a:t>
+            </a:r>
+            <a:endParaRPr sz="3000" dirty="0"/>
+          </a:p>
+          <a:p>
+            <a:pPr marL="0" lvl="0" indent="0" rtl="0">
+              <a:spcBef>
+                <a:spcPts val="0"/>
+              </a:spcBef>
+              <a:spcAft>
+                <a:spcPts val="0"/>
+              </a:spcAft>
+              <a:buNone/>
+            </a:pPr>
+            <a:r>
+              <a:rPr lang="it-IT" sz="2000" dirty="0"/>
+              <a:t>L’applicazione WEB è prettamente per uso organizzativo, viene distribuita per utenti che ricercano una postazione o un aula di studio</a:t>
+            </a:r>
+            <a:br>
+              <a:rPr lang="it-IT" sz="2000" dirty="0"/>
+            </a:br>
+            <a:r>
+              <a:rPr lang="it-IT" sz="2000" dirty="0"/>
+              <a:t>Tipo di motivazione Attivo / Diretta</a:t>
+            </a:r>
+            <a:br>
+              <a:rPr lang="it-IT" sz="2000" dirty="0"/>
+            </a:br>
+            <a:endParaRPr sz="2000" dirty="0"/>
+          </a:p>
+        </p:txBody>
+      </p:sp>
+    </p:spTree>
+    <p:extLst>
+      <p:ext uri="{BB962C8B-B14F-4D97-AF65-F5344CB8AC3E}">
+        <p14:creationId xmlns:p14="http://schemas.microsoft.com/office/powerpoint/2010/main" val="3670956900"/>
+      </p:ext>
+    </p:extLst>
+  </p:cSld>
+  <p:clrMapOvr>
+    <a:masterClrMapping/>
+  </p:clrMapOvr>
+</p:sld>
+</file>
+
+<file path=ppt/slides/slide11.xml><?xml version="1.0" encoding="utf-8"?>
+<p:sld xmlns:a="http://schemas.openxmlformats.org/drawingml/2006/main" xmlns:r="http://schemas.openxmlformats.org/officeDocument/2006/relationships" xmlns:p="http://schemas.openxmlformats.org/presentationml/2006/main">
+  <p:cSld>
+    <p:spTree>
+      <p:nvGrpSpPr>
+        <p:cNvPr id="1" name="Shape 99">
+          <a:extLst>
+            <a:ext uri="{FF2B5EF4-FFF2-40B4-BE49-F238E27FC236}">
+              <a16:creationId xmlns:a16="http://schemas.microsoft.com/office/drawing/2014/main" id="{2A155D24-F62A-B587-DBCF-4AFB66582914}"/>
+            </a:ext>
+          </a:extLst>
+        </p:cNvPr>
+        <p:cNvGrpSpPr/>
+        <p:nvPr/>
+      </p:nvGrpSpPr>
+      <p:grpSpPr>
+        <a:xfrm>
+          <a:off x="0" y="0"/>
+          <a:ext cx="0" cy="0"/>
+          <a:chOff x="0" y="0"/>
+          <a:chExt cx="0" cy="0"/>
+        </a:xfrm>
+      </p:grpSpPr>
+      <p:sp>
+        <p:nvSpPr>
+          <p:cNvPr id="100" name="Google Shape;100;p21">
+            <a:extLst>
+              <a:ext uri="{FF2B5EF4-FFF2-40B4-BE49-F238E27FC236}">
+                <a16:creationId xmlns:a16="http://schemas.microsoft.com/office/drawing/2014/main" id="{04059D4F-B5CF-83FD-CF9D-4210EA845D8B}"/>
+              </a:ext>
+            </a:extLst>
+          </p:cNvPr>
+          <p:cNvSpPr txBox="1">
+            <a:spLocks noGrp="1"/>
+          </p:cNvSpPr>
+          <p:nvPr>
+            <p:ph type="title"/>
+          </p:nvPr>
+        </p:nvSpPr>
+        <p:spPr>
+          <a:xfrm>
+            <a:off x="490250" y="526350"/>
+            <a:ext cx="8435100" cy="4090800"/>
+          </a:xfrm>
+          <a:prstGeom prst="rect">
+            <a:avLst/>
+          </a:prstGeom>
+        </p:spPr>
+        <p:txBody>
+          <a:bodyPr spcFirstLastPara="1" wrap="square" lIns="91425" tIns="91425" rIns="91425" bIns="91425" anchor="t" anchorCtr="0">
+            <a:noAutofit/>
+          </a:bodyPr>
+          <a:lstStyle/>
+          <a:p>
+            <a:pPr marL="0" lvl="0" indent="0" algn="just" rtl="0">
+              <a:spcBef>
+                <a:spcPts val="0"/>
+              </a:spcBef>
+              <a:spcAft>
+                <a:spcPts val="0"/>
+              </a:spcAft>
+              <a:buNone/>
+            </a:pPr>
+            <a:r>
+              <a:rPr lang="it" sz="3000" dirty="0"/>
+              <a:t>1.1.2 Modello di valore</a:t>
+            </a:r>
+            <a:endParaRPr sz="3000" dirty="0"/>
+          </a:p>
+          <a:p>
+            <a:pPr marL="0" lvl="0" indent="0" rtl="0">
+              <a:spcBef>
+                <a:spcPts val="0"/>
+              </a:spcBef>
+              <a:spcAft>
+                <a:spcPts val="0"/>
+              </a:spcAft>
+              <a:buNone/>
+            </a:pPr>
+            <a:r>
+              <a:rPr lang="it-IT" sz="2000" dirty="0"/>
+              <a:t>I contenuti che danno valore all’applicazione sono le aule e le date che possono essere visionate per la prenotazione.</a:t>
+            </a:r>
+            <a:br>
+              <a:rPr lang="it-IT" sz="2000" dirty="0"/>
+            </a:br>
+            <a:r>
+              <a:rPr lang="it-IT" sz="2000" dirty="0"/>
+              <a:t>Il flusso di studenti che ha bisogno di una disposizione possono utilizzare la Web app per avere sempre un posto sicuro in sede.</a:t>
+            </a:r>
+            <a:br>
+              <a:rPr lang="it-IT" sz="2000" dirty="0"/>
+            </a:br>
+            <a:r>
+              <a:rPr lang="it-IT" sz="2000" dirty="0"/>
+              <a:t>Qualsiasi utente registrato su </a:t>
+            </a:r>
+            <a:r>
+              <a:rPr lang="it-IT" sz="2000" dirty="0" err="1"/>
+              <a:t>unimia</a:t>
+            </a:r>
+            <a:r>
+              <a:rPr lang="it-IT" sz="2000" dirty="0"/>
+              <a:t> può utilizzare la web app</a:t>
+            </a:r>
+            <a:br>
+              <a:rPr lang="it-IT" sz="2000" dirty="0"/>
+            </a:br>
+            <a:endParaRPr sz="2000" dirty="0"/>
+          </a:p>
+        </p:txBody>
+      </p:sp>
+    </p:spTree>
+    <p:extLst>
+      <p:ext uri="{BB962C8B-B14F-4D97-AF65-F5344CB8AC3E}">
+        <p14:creationId xmlns:p14="http://schemas.microsoft.com/office/powerpoint/2010/main" val="2628512904"/>
+      </p:ext>
+    </p:extLst>
+  </p:cSld>
+  <p:clrMapOvr>
+    <a:masterClrMapping/>
+  </p:clrMapOvr>
+</p:sld>
+</file>
+
+<file path=ppt/slides/slide12.xml><?xml version="1.0" encoding="utf-8"?>
+<p:sld xmlns:a="http://schemas.openxmlformats.org/drawingml/2006/main" xmlns:r="http://schemas.openxmlformats.org/officeDocument/2006/relationships" xmlns:p="http://schemas.openxmlformats.org/presentationml/2006/main">
+  <p:cSld>
+    <p:spTree>
+      <p:nvGrpSpPr>
+        <p:cNvPr id="1" name="Shape 99">
+          <a:extLst>
+            <a:ext uri="{FF2B5EF4-FFF2-40B4-BE49-F238E27FC236}">
+              <a16:creationId xmlns:a16="http://schemas.microsoft.com/office/drawing/2014/main" id="{C1FEF1B3-ABDE-725A-DD37-C318A8989397}"/>
+            </a:ext>
+          </a:extLst>
+        </p:cNvPr>
+        <p:cNvGrpSpPr/>
+        <p:nvPr/>
+      </p:nvGrpSpPr>
+      <p:grpSpPr>
+        <a:xfrm>
+          <a:off x="0" y="0"/>
+          <a:ext cx="0" cy="0"/>
+          <a:chOff x="0" y="0"/>
+          <a:chExt cx="0" cy="0"/>
+        </a:xfrm>
+      </p:grpSpPr>
+      <p:sp>
+        <p:nvSpPr>
+          <p:cNvPr id="100" name="Google Shape;100;p21">
+            <a:extLst>
+              <a:ext uri="{FF2B5EF4-FFF2-40B4-BE49-F238E27FC236}">
+                <a16:creationId xmlns:a16="http://schemas.microsoft.com/office/drawing/2014/main" id="{E1331E79-4DB8-E8BF-8D96-B4970AE7CE20}"/>
+              </a:ext>
+            </a:extLst>
+          </p:cNvPr>
+          <p:cNvSpPr txBox="1">
+            <a:spLocks noGrp="1"/>
+          </p:cNvSpPr>
+          <p:nvPr>
+            <p:ph type="title"/>
+          </p:nvPr>
+        </p:nvSpPr>
+        <p:spPr>
+          <a:xfrm>
+            <a:off x="490250" y="526350"/>
+            <a:ext cx="8435100" cy="4090800"/>
+          </a:xfrm>
+          <a:prstGeom prst="rect">
+            <a:avLst/>
+          </a:prstGeom>
+        </p:spPr>
+        <p:txBody>
+          <a:bodyPr spcFirstLastPara="1" wrap="square" lIns="91425" tIns="91425" rIns="91425" bIns="91425" anchor="t" anchorCtr="0">
+            <a:noAutofit/>
+          </a:bodyPr>
+          <a:lstStyle/>
+          <a:p>
+            <a:pPr marL="0" lvl="0" indent="0" rtl="0">
+              <a:spcBef>
+                <a:spcPts val="0"/>
+              </a:spcBef>
+              <a:spcAft>
+                <a:spcPts val="0"/>
+              </a:spcAft>
+              <a:buNone/>
+            </a:pPr>
+            <a:r>
+              <a:rPr lang="it" sz="3000" dirty="0"/>
+              <a:t>1.1.3 Flusso dei dati</a:t>
+            </a:r>
+            <a:br>
+              <a:rPr lang="it" sz="3000" dirty="0"/>
+            </a:br>
+            <a:r>
+              <a:rPr lang="it" sz="2000" dirty="0"/>
+              <a:t>I contenuti sono standardizzati in base ad uno schema che si presenta ad ogni dipartimento a cui appartiene l’utente.</a:t>
+            </a:r>
+            <a:br>
+              <a:rPr lang="it" sz="2000" dirty="0"/>
+            </a:br>
+            <a:r>
+              <a:rPr lang="it" sz="2000" dirty="0"/>
+              <a:t>Qualsiasi contenuto visionato è stato prodotto utilizzanod le informazioni dell’Università Statale di Milano, perciò non ci sono costi di produzione.</a:t>
+            </a:r>
+            <a:br>
+              <a:rPr lang="it" sz="2000" dirty="0"/>
+            </a:br>
+            <a:r>
+              <a:rPr lang="it" sz="2000" dirty="0"/>
+              <a:t>L’archiviazione dei dati è effettuata tramite l’utilizzo di un database MySQL.</a:t>
+            </a:r>
+            <a:endParaRPr sz="2000" dirty="0"/>
+          </a:p>
+        </p:txBody>
+      </p:sp>
+    </p:spTree>
+    <p:extLst>
+      <p:ext uri="{BB962C8B-B14F-4D97-AF65-F5344CB8AC3E}">
+        <p14:creationId xmlns:p14="http://schemas.microsoft.com/office/powerpoint/2010/main" val="4286248912"/>
+      </p:ext>
+    </p:extLst>
+  </p:cSld>
+  <p:clrMapOvr>
+    <a:masterClrMapping/>
+  </p:clrMapOvr>
+</p:sld>
+</file>
+
+<file path=ppt/slides/slide13.xml><?xml version="1.0" encoding="utf-8"?>
+<p:sld xmlns:a="http://schemas.openxmlformats.org/drawingml/2006/main" xmlns:r="http://schemas.openxmlformats.org/officeDocument/2006/relationships" xmlns:p="http://schemas.openxmlformats.org/presentationml/2006/main">
+  <p:cSld>
+    <p:spTree>
+      <p:nvGrpSpPr>
+        <p:cNvPr id="1" name="Shape 99">
+          <a:extLst>
+            <a:ext uri="{FF2B5EF4-FFF2-40B4-BE49-F238E27FC236}">
+              <a16:creationId xmlns:a16="http://schemas.microsoft.com/office/drawing/2014/main" id="{5662C5CD-DF7E-6FDF-BD6F-EBEE38C49ED3}"/>
+            </a:ext>
+          </a:extLst>
+        </p:cNvPr>
+        <p:cNvGrpSpPr/>
+        <p:nvPr/>
+      </p:nvGrpSpPr>
+      <p:grpSpPr>
+        <a:xfrm>
+          <a:off x="0" y="0"/>
+          <a:ext cx="0" cy="0"/>
+          <a:chOff x="0" y="0"/>
+          <a:chExt cx="0" cy="0"/>
+        </a:xfrm>
+      </p:grpSpPr>
+      <p:sp>
+        <p:nvSpPr>
+          <p:cNvPr id="100" name="Google Shape;100;p21">
+            <a:extLst>
+              <a:ext uri="{FF2B5EF4-FFF2-40B4-BE49-F238E27FC236}">
+                <a16:creationId xmlns:a16="http://schemas.microsoft.com/office/drawing/2014/main" id="{DFA9FEDF-33F7-E081-221D-BFEB471069A4}"/>
+              </a:ext>
+            </a:extLst>
+          </p:cNvPr>
+          <p:cNvSpPr txBox="1">
+            <a:spLocks noGrp="1"/>
+          </p:cNvSpPr>
+          <p:nvPr>
+            <p:ph type="title"/>
+          </p:nvPr>
+        </p:nvSpPr>
+        <p:spPr>
+          <a:xfrm>
+            <a:off x="490250" y="526350"/>
+            <a:ext cx="8435100" cy="4090800"/>
+          </a:xfrm>
+          <a:prstGeom prst="rect">
+            <a:avLst/>
+          </a:prstGeom>
+        </p:spPr>
+        <p:txBody>
+          <a:bodyPr spcFirstLastPara="1" wrap="square" lIns="91425" tIns="91425" rIns="91425" bIns="91425" anchor="t" anchorCtr="0">
+            <a:noAutofit/>
+          </a:bodyPr>
+          <a:lstStyle/>
+          <a:p>
+            <a:pPr marL="0" lvl="0" indent="0" rtl="0">
+              <a:spcBef>
+                <a:spcPts val="0"/>
+              </a:spcBef>
+              <a:spcAft>
+                <a:spcPts val="0"/>
+              </a:spcAft>
+              <a:buNone/>
+            </a:pPr>
+            <a:r>
+              <a:rPr lang="it" sz="3000" dirty="0"/>
+              <a:t>1.1.4 Aspetti tecnologici</a:t>
+            </a:r>
+            <a:br>
+              <a:rPr lang="it" sz="3000" dirty="0"/>
+            </a:br>
+            <a:r>
+              <a:rPr lang="it" sz="2000" dirty="0"/>
+              <a:t>I contenuti sono raggruppati tramite formato JSON, sia locale sia da DB.</a:t>
+            </a:r>
+            <a:br>
+              <a:rPr lang="it" sz="2000" dirty="0"/>
+            </a:br>
+            <a:r>
+              <a:rPr lang="it" sz="2000" dirty="0"/>
+              <a:t>Il codice utilizza il modello AJAX</a:t>
+            </a:r>
+            <a:br>
+              <a:rPr lang="it" sz="2000" dirty="0"/>
+            </a:br>
+            <a:r>
+              <a:rPr lang="it" sz="2000" dirty="0"/>
+              <a:t>Si sono utilizzate tecnologie di storing e recupero dei dati; MySQL e Node.js</a:t>
+            </a:r>
+            <a:endParaRPr sz="2000" dirty="0"/>
+          </a:p>
+        </p:txBody>
+      </p:sp>
+    </p:spTree>
+    <p:extLst>
+      <p:ext uri="{BB962C8B-B14F-4D97-AF65-F5344CB8AC3E}">
+        <p14:creationId xmlns:p14="http://schemas.microsoft.com/office/powerpoint/2010/main" val="112325251"/>
+      </p:ext>
+    </p:extLst>
+  </p:cSld>
+  <p:clrMapOvr>
+    <a:masterClrMapping/>
+  </p:clrMapOvr>
+</p:sld>
+</file>
+
+<file path=ppt/slides/slide2.xml><?xml version="1.0" encoding="utf-8"?>
+<p:sld xmlns:a="http://schemas.openxmlformats.org/drawingml/2006/main" xmlns:r="http://schemas.openxmlformats.org/officeDocument/2006/relationships" xmlns:p="http://schemas.openxmlformats.org/presentationml/2006/main">
+  <p:cSld>
+    <p:spTree>
+      <p:nvGrpSpPr>
+        <p:cNvPr id="1" name="Shape 63"/>
         <p:cNvGrpSpPr/>
         <p:nvPr/>
       </p:nvGrpSpPr>
@@ -7167,7 +8283,9 @@
       <p:sp>
         <p:nvSpPr>
           <p:cNvPr id="64" name="Google Shape;64;p14"/>
-          <p:cNvSpPr txBox="1"/>
+          <p:cNvSpPr txBox="1">
+            <a:spLocks noGrp="1"/>
+          </p:cNvSpPr>
           <p:nvPr>
             <p:ph type="title"/>
           </p:nvPr>
@@ -7182,12 +8300,12 @@
           </a:prstGeom>
         </p:spPr>
         <p:txBody>
-          <a:bodyPr anchorCtr="0" anchor="b" bIns="91425" lIns="91425" spcFirstLastPara="1" rIns="91425" wrap="square" tIns="91425">
+          <a:bodyPr spcFirstLastPara="1" wrap="square" lIns="91425" tIns="91425" rIns="91425" bIns="91425" anchor="b" anchorCtr="0">
             <a:noAutofit/>
           </a:bodyPr>
           <a:lstStyle/>
           <a:p>
-            <a:pPr indent="0" lvl="0" marL="0" rtl="0" algn="ctr">
+            <a:pPr marL="0" lvl="0" indent="0" algn="ctr" rtl="0">
               <a:spcBef>
                 <a:spcPts val="0"/>
               </a:spcBef>
@@ -7203,7 +8321,7 @@
             <a:endParaRPr sz="3500"/>
           </a:p>
           <a:p>
-            <a:pPr indent="0" lvl="0" marL="0" rtl="0" algn="ctr">
+            <a:pPr marL="0" lvl="0" indent="0" algn="ctr" rtl="0">
               <a:spcBef>
                 <a:spcPts val="0"/>
               </a:spcBef>
@@ -7219,7 +8337,7 @@
             <a:endParaRPr sz="3500"/>
           </a:p>
           <a:p>
-            <a:pPr indent="0" lvl="0" marL="0" rtl="0" algn="ctr">
+            <a:pPr marL="0" lvl="0" indent="0" algn="ctr" rtl="0">
               <a:spcBef>
                 <a:spcPts val="0"/>
               </a:spcBef>
@@ -7235,7 +8353,7 @@
             <a:endParaRPr sz="3500"/>
           </a:p>
           <a:p>
-            <a:pPr indent="0" lvl="0" marL="0" rtl="0" algn="ctr">
+            <a:pPr marL="0" lvl="0" indent="0" algn="ctr" rtl="0">
               <a:spcBef>
                 <a:spcPts val="0"/>
               </a:spcBef>
@@ -7251,7 +8369,7 @@
             <a:endParaRPr sz="3500"/>
           </a:p>
           <a:p>
-            <a:pPr indent="0" lvl="0" marL="0" rtl="0" algn="ctr">
+            <a:pPr marL="0" lvl="0" indent="0" algn="ctr" rtl="0">
               <a:spcBef>
                 <a:spcPts val="0"/>
               </a:spcBef>
@@ -7277,11 +8395,11 @@
 </file>
 
 <file path=ppt/slides/slide3.xml><?xml version="1.0" encoding="utf-8"?>
-<p:sld xmlns:a="http://schemas.openxmlformats.org/drawingml/2006/main" xmlns:r="http://schemas.openxmlformats.org/officeDocument/2006/relationships" xmlns:mc="http://schemas.openxmlformats.org/markup-compatibility/2006" xmlns:mv="urn:schemas-microsoft-com:mac:vml" xmlns:p="http://schemas.openxmlformats.org/presentationml/2006/main" xmlns:c="http://schemas.openxmlformats.org/drawingml/2006/chart" xmlns:dgm="http://schemas.openxmlformats.org/drawingml/2006/diagram" xmlns:o="urn:schemas-microsoft-com:office:office" xmlns:v="urn:schemas-microsoft-com:vml" xmlns:pvml="urn:schemas-microsoft-com:office:powerpoint" xmlns:com="http://schemas.openxmlformats.org/drawingml/2006/compatibility" xmlns:p14="http://schemas.microsoft.com/office/powerpoint/2010/main" xmlns:p15="http://schemas.microsoft.com/office/powerpoint/2012/main" xmlns:ahyp="http://schemas.microsoft.com/office/drawing/2018/hyperlinkcolor">
+<p:sld xmlns:a="http://schemas.openxmlformats.org/drawingml/2006/main" xmlns:r="http://schemas.openxmlformats.org/officeDocument/2006/relationships" xmlns:p="http://schemas.openxmlformats.org/presentationml/2006/main">
   <p:cSld>
     <p:spTree>
       <p:nvGrpSpPr>
-        <p:cNvPr id="68" name="Shape 68"/>
+        <p:cNvPr id="1" name="Shape 68"/>
         <p:cNvGrpSpPr/>
         <p:nvPr/>
       </p:nvGrpSpPr>
@@ -7296,7 +8414,9 @@
       <p:sp>
         <p:nvSpPr>
           <p:cNvPr id="69" name="Google Shape;69;p15"/>
-          <p:cNvSpPr txBox="1"/>
+          <p:cNvSpPr txBox="1">
+            <a:spLocks noGrp="1"/>
+          </p:cNvSpPr>
           <p:nvPr>
             <p:ph type="ctrTitle"/>
           </p:nvPr>
@@ -7311,12 +8431,12 @@
           </a:prstGeom>
         </p:spPr>
         <p:txBody>
-          <a:bodyPr anchorCtr="0" anchor="b" bIns="91425" lIns="91425" spcFirstLastPara="1" rIns="91425" wrap="square" tIns="91425">
+          <a:bodyPr spcFirstLastPara="1" wrap="square" lIns="91425" tIns="91425" rIns="91425" bIns="91425" anchor="b" anchorCtr="0">
             <a:noAutofit/>
           </a:bodyPr>
           <a:lstStyle/>
           <a:p>
-            <a:pPr indent="0" lvl="0" marL="0" rtl="0" algn="l">
+            <a:pPr marL="0" lvl="0" indent="0" algn="l" rtl="0">
               <a:spcBef>
                 <a:spcPts val="0"/>
               </a:spcBef>
@@ -7336,9 +8456,11 @@
       <p:sp>
         <p:nvSpPr>
           <p:cNvPr id="70" name="Google Shape;70;p15"/>
-          <p:cNvSpPr txBox="1"/>
+          <p:cNvSpPr txBox="1">
+            <a:spLocks noGrp="1"/>
+          </p:cNvSpPr>
           <p:nvPr>
-            <p:ph idx="1" type="subTitle"/>
+            <p:ph type="subTitle" idx="1"/>
           </p:nvPr>
         </p:nvSpPr>
         <p:spPr>
@@ -7351,12 +8473,12 @@
           </a:prstGeom>
         </p:spPr>
         <p:txBody>
-          <a:bodyPr anchorCtr="0" anchor="t" bIns="91425" lIns="91425" spcFirstLastPara="1" rIns="91425" wrap="square" tIns="91425">
+          <a:bodyPr spcFirstLastPara="1" wrap="square" lIns="91425" tIns="91425" rIns="91425" bIns="91425" anchor="t" anchorCtr="0">
             <a:noAutofit/>
           </a:bodyPr>
           <a:lstStyle/>
           <a:p>
-            <a:pPr indent="0" lvl="0" marL="0" rtl="0" algn="l">
+            <a:pPr marL="0" lvl="0" indent="0" algn="l" rtl="0">
               <a:spcBef>
                 <a:spcPts val="0"/>
               </a:spcBef>
@@ -7365,9 +8487,6 @@
               </a:spcAft>
               <a:buNone/>
             </a:pPr>
-            <a:r>
-              <a:t/>
-            </a:r>
             <a:endParaRPr/>
           </a:p>
         </p:txBody>
@@ -7381,11 +8500,11 @@
 </file>
 
 <file path=ppt/slides/slide4.xml><?xml version="1.0" encoding="utf-8"?>
-<p:sld xmlns:a="http://schemas.openxmlformats.org/drawingml/2006/main" xmlns:r="http://schemas.openxmlformats.org/officeDocument/2006/relationships" xmlns:mc="http://schemas.openxmlformats.org/markup-compatibility/2006" xmlns:mv="urn:schemas-microsoft-com:mac:vml" xmlns:p="http://schemas.openxmlformats.org/presentationml/2006/main" xmlns:c="http://schemas.openxmlformats.org/drawingml/2006/chart" xmlns:dgm="http://schemas.openxmlformats.org/drawingml/2006/diagram" xmlns:o="urn:schemas-microsoft-com:office:office" xmlns:v="urn:schemas-microsoft-com:vml" xmlns:pvml="urn:schemas-microsoft-com:office:powerpoint" xmlns:com="http://schemas.openxmlformats.org/drawingml/2006/compatibility" xmlns:p14="http://schemas.microsoft.com/office/powerpoint/2010/main" xmlns:p15="http://schemas.microsoft.com/office/powerpoint/2012/main" xmlns:ahyp="http://schemas.microsoft.com/office/drawing/2018/hyperlinkcolor">
+<p:sld xmlns:a="http://schemas.openxmlformats.org/drawingml/2006/main" xmlns:r="http://schemas.openxmlformats.org/officeDocument/2006/relationships" xmlns:p="http://schemas.openxmlformats.org/presentationml/2006/main">
   <p:cSld>
     <p:spTree>
       <p:nvGrpSpPr>
-        <p:cNvPr id="74" name="Shape 74"/>
+        <p:cNvPr id="1" name="Shape 74"/>
         <p:cNvGrpSpPr/>
         <p:nvPr/>
       </p:nvGrpSpPr>
@@ -7400,7 +8519,9 @@
       <p:sp>
         <p:nvSpPr>
           <p:cNvPr id="75" name="Google Shape;75;p16"/>
-          <p:cNvSpPr txBox="1"/>
+          <p:cNvSpPr txBox="1">
+            <a:spLocks noGrp="1"/>
+          </p:cNvSpPr>
           <p:nvPr>
             <p:ph type="title"/>
           </p:nvPr>
@@ -7415,12 +8536,12 @@
           </a:prstGeom>
         </p:spPr>
         <p:txBody>
-          <a:bodyPr anchorCtr="0" anchor="t" bIns="91425" lIns="91425" spcFirstLastPara="1" rIns="91425" wrap="square" tIns="91425">
+          <a:bodyPr spcFirstLastPara="1" wrap="square" lIns="91425" tIns="91425" rIns="91425" bIns="91425" anchor="t" anchorCtr="0">
             <a:noAutofit/>
           </a:bodyPr>
           <a:lstStyle/>
           <a:p>
-            <a:pPr indent="0" lvl="0" marL="0" rtl="0" algn="l">
+            <a:pPr marL="0" lvl="0" indent="0" algn="l" rtl="0">
               <a:spcBef>
                 <a:spcPts val="0"/>
               </a:spcBef>
@@ -7431,20 +8552,12 @@
             </a:pPr>
             <a:r>
               <a:rPr lang="it" sz="3000"/>
-              <a:t>UniBookMi è </a:t>
-            </a:r>
-            <a:r>
-              <a:rPr lang="it" sz="3000"/>
-              <a:t>un'applicazione</a:t>
-            </a:r>
-            <a:r>
-              <a:rPr lang="it" sz="3000"/>
-              <a:t> web che consente la prenotazione di aule o stanze.</a:t>
+              <a:t>UniBookMi è un'applicazione web che consente la prenotazione di aule o stanze.</a:t>
             </a:r>
             <a:endParaRPr sz="3000"/>
           </a:p>
           <a:p>
-            <a:pPr indent="0" lvl="0" marL="0" rtl="0" algn="just">
+            <a:pPr marL="0" lvl="0" indent="0" algn="just" rtl="0">
               <a:spcBef>
                 <a:spcPts val="0"/>
               </a:spcBef>
@@ -7470,11 +8583,11 @@
 </file>
 
 <file path=ppt/slides/slide5.xml><?xml version="1.0" encoding="utf-8"?>
-<p:sld xmlns:a="http://schemas.openxmlformats.org/drawingml/2006/main" xmlns:r="http://schemas.openxmlformats.org/officeDocument/2006/relationships" xmlns:mc="http://schemas.openxmlformats.org/markup-compatibility/2006" xmlns:mv="urn:schemas-microsoft-com:mac:vml" xmlns:p="http://schemas.openxmlformats.org/presentationml/2006/main" xmlns:c="http://schemas.openxmlformats.org/drawingml/2006/chart" xmlns:dgm="http://schemas.openxmlformats.org/drawingml/2006/diagram" xmlns:o="urn:schemas-microsoft-com:office:office" xmlns:v="urn:schemas-microsoft-com:vml" xmlns:pvml="urn:schemas-microsoft-com:office:powerpoint" xmlns:com="http://schemas.openxmlformats.org/drawingml/2006/compatibility" xmlns:p14="http://schemas.microsoft.com/office/powerpoint/2010/main" xmlns:p15="http://schemas.microsoft.com/office/powerpoint/2012/main" xmlns:ahyp="http://schemas.microsoft.com/office/drawing/2018/hyperlinkcolor">
+<p:sld xmlns:a="http://schemas.openxmlformats.org/drawingml/2006/main" xmlns:r="http://schemas.openxmlformats.org/officeDocument/2006/relationships" xmlns:p="http://schemas.openxmlformats.org/presentationml/2006/main">
   <p:cSld>
     <p:spTree>
       <p:nvGrpSpPr>
-        <p:cNvPr id="79" name="Shape 79"/>
+        <p:cNvPr id="1" name="Shape 79"/>
         <p:cNvGrpSpPr/>
         <p:nvPr/>
       </p:nvGrpSpPr>
@@ -7489,7 +8602,9 @@
       <p:sp>
         <p:nvSpPr>
           <p:cNvPr id="80" name="Google Shape;80;p17"/>
-          <p:cNvSpPr txBox="1"/>
+          <p:cNvSpPr txBox="1">
+            <a:spLocks noGrp="1"/>
+          </p:cNvSpPr>
           <p:nvPr>
             <p:ph type="title"/>
           </p:nvPr>
@@ -7504,12 +8619,12 @@
           </a:prstGeom>
         </p:spPr>
         <p:txBody>
-          <a:bodyPr anchorCtr="0" anchor="t" bIns="91425" lIns="91425" spcFirstLastPara="1" rIns="91425" wrap="square" tIns="91425">
+          <a:bodyPr spcFirstLastPara="1" wrap="square" lIns="91425" tIns="91425" rIns="91425" bIns="91425" anchor="t" anchorCtr="0">
             <a:noAutofit/>
           </a:bodyPr>
           <a:lstStyle/>
           <a:p>
-            <a:pPr indent="0" lvl="0" marL="0" rtl="0" algn="just">
+            <a:pPr marL="0" lvl="0" indent="0" algn="just" rtl="0">
               <a:spcBef>
                 <a:spcPts val="0"/>
               </a:spcBef>
@@ -7525,7 +8640,7 @@
             <a:endParaRPr sz="3000"/>
           </a:p>
           <a:p>
-            <a:pPr indent="0" lvl="0" marL="0" rtl="0" algn="just">
+            <a:pPr marL="0" lvl="0" indent="0" algn="just" rtl="0">
               <a:spcBef>
                 <a:spcPts val="0"/>
               </a:spcBef>
@@ -7534,10 +8649,7 @@
               </a:spcAft>
               <a:buNone/>
             </a:pPr>
-            <a:r>
-              <a:t/>
-            </a:r>
-            <a:endParaRPr b="1" sz="1650">
+            <a:endParaRPr sz="1650" b="1">
               <a:solidFill>
                 <a:schemeClr val="dk1"/>
               </a:solidFill>
@@ -7551,7 +8663,7 @@
             </a:endParaRPr>
           </a:p>
           <a:p>
-            <a:pPr indent="0" lvl="0" marL="0" rtl="0" algn="just">
+            <a:pPr marL="0" lvl="0" indent="0" algn="just" rtl="0">
               <a:spcBef>
                 <a:spcPts val="0"/>
               </a:spcBef>
@@ -7567,7 +8679,7 @@
             <a:endParaRPr sz="2000"/>
           </a:p>
           <a:p>
-            <a:pPr indent="0" lvl="0" marL="0" rtl="0" algn="just">
+            <a:pPr marL="0" lvl="0" indent="0" algn="just" rtl="0">
               <a:spcBef>
                 <a:spcPts val="0"/>
               </a:spcBef>
@@ -7583,7 +8695,7 @@
             <a:endParaRPr sz="2000"/>
           </a:p>
           <a:p>
-            <a:pPr indent="0" lvl="0" marL="0" rtl="0" algn="just">
+            <a:pPr marL="0" lvl="0" indent="0" algn="just" rtl="0">
               <a:spcBef>
                 <a:spcPts val="0"/>
               </a:spcBef>
@@ -7599,7 +8711,7 @@
             <a:endParaRPr sz="2000"/>
           </a:p>
           <a:p>
-            <a:pPr indent="0" lvl="0" marL="0" rtl="0" algn="just">
+            <a:pPr marL="0" lvl="0" indent="0" algn="just" rtl="0">
               <a:spcBef>
                 <a:spcPts val="0"/>
               </a:spcBef>
@@ -7615,7 +8727,7 @@
             <a:endParaRPr sz="2000"/>
           </a:p>
           <a:p>
-            <a:pPr indent="0" lvl="0" marL="0" rtl="0" algn="just">
+            <a:pPr marL="0" lvl="0" indent="0" algn="just" rtl="0">
               <a:spcBef>
                 <a:spcPts val="0"/>
               </a:spcBef>
@@ -7631,7 +8743,7 @@
             <a:endParaRPr sz="2000"/>
           </a:p>
           <a:p>
-            <a:pPr indent="0" lvl="0" marL="0" rtl="0" algn="just">
+            <a:pPr marL="0" lvl="0" indent="0" algn="just" rtl="0">
               <a:spcBef>
                 <a:spcPts val="0"/>
               </a:spcBef>
@@ -7647,7 +8759,7 @@
             <a:endParaRPr sz="2000"/>
           </a:p>
           <a:p>
-            <a:pPr indent="0" lvl="0" marL="0" rtl="0" algn="just">
+            <a:pPr marL="0" lvl="0" indent="0" algn="just" rtl="0">
               <a:spcBef>
                 <a:spcPts val="0"/>
               </a:spcBef>
@@ -7673,11 +8785,11 @@
 </file>
 
 <file path=ppt/slides/slide6.xml><?xml version="1.0" encoding="utf-8"?>
-<p:sld xmlns:a="http://schemas.openxmlformats.org/drawingml/2006/main" xmlns:r="http://schemas.openxmlformats.org/officeDocument/2006/relationships" xmlns:mc="http://schemas.openxmlformats.org/markup-compatibility/2006" xmlns:mv="urn:schemas-microsoft-com:mac:vml" xmlns:p="http://schemas.openxmlformats.org/presentationml/2006/main" xmlns:c="http://schemas.openxmlformats.org/drawingml/2006/chart" xmlns:dgm="http://schemas.openxmlformats.org/drawingml/2006/diagram" xmlns:o="urn:schemas-microsoft-com:office:office" xmlns:v="urn:schemas-microsoft-com:vml" xmlns:pvml="urn:schemas-microsoft-com:office:powerpoint" xmlns:com="http://schemas.openxmlformats.org/drawingml/2006/compatibility" xmlns:p14="http://schemas.microsoft.com/office/powerpoint/2010/main" xmlns:p15="http://schemas.microsoft.com/office/powerpoint/2012/main" xmlns:ahyp="http://schemas.microsoft.com/office/drawing/2018/hyperlinkcolor">
+<p:sld xmlns:a="http://schemas.openxmlformats.org/drawingml/2006/main" xmlns:r="http://schemas.openxmlformats.org/officeDocument/2006/relationships" xmlns:p="http://schemas.openxmlformats.org/presentationml/2006/main">
   <p:cSld>
     <p:spTree>
       <p:nvGrpSpPr>
-        <p:cNvPr id="84" name="Shape 84"/>
+        <p:cNvPr id="1" name="Shape 84"/>
         <p:cNvGrpSpPr/>
         <p:nvPr/>
       </p:nvGrpSpPr>
@@ -7692,7 +8804,9 @@
       <p:sp>
         <p:nvSpPr>
           <p:cNvPr id="85" name="Google Shape;85;p18"/>
-          <p:cNvSpPr txBox="1"/>
+          <p:cNvSpPr txBox="1">
+            <a:spLocks noGrp="1"/>
+          </p:cNvSpPr>
           <p:nvPr>
             <p:ph type="title"/>
           </p:nvPr>
@@ -7707,12 +8821,12 @@
           </a:prstGeom>
         </p:spPr>
         <p:txBody>
-          <a:bodyPr anchorCtr="0" anchor="t" bIns="91425" lIns="91425" spcFirstLastPara="1" rIns="91425" wrap="square" tIns="91425">
+          <a:bodyPr spcFirstLastPara="1" wrap="square" lIns="91425" tIns="91425" rIns="91425" bIns="91425" anchor="t" anchorCtr="0">
             <a:noAutofit/>
           </a:bodyPr>
           <a:lstStyle/>
           <a:p>
-            <a:pPr indent="0" lvl="0" marL="0" rtl="0" algn="just">
+            <a:pPr marL="0" lvl="0" indent="0" algn="just" rtl="0">
               <a:spcBef>
                 <a:spcPts val="0"/>
               </a:spcBef>
@@ -7725,7 +8839,7 @@
               <a:rPr lang="it" sz="3000"/>
               <a:t>1.1.0 Analisi Requisiti - Requisiti funzionali</a:t>
             </a:r>
-            <a:endParaRPr b="1" sz="1650">
+            <a:endParaRPr sz="1650" b="1">
               <a:solidFill>
                 <a:schemeClr val="dk1"/>
               </a:solidFill>
@@ -7739,7 +8853,7 @@
             </a:endParaRPr>
           </a:p>
           <a:p>
-            <a:pPr indent="0" lvl="0" marL="0" rtl="0" algn="just">
+            <a:pPr marL="0" lvl="0" indent="0" algn="just" rtl="0">
               <a:spcBef>
                 <a:spcPts val="0"/>
               </a:spcBef>
@@ -7748,13 +8862,10 @@
               </a:spcAft>
               <a:buNone/>
             </a:pPr>
-            <a:r>
-              <a:t/>
-            </a:r>
             <a:endParaRPr sz="3000"/>
           </a:p>
           <a:p>
-            <a:pPr indent="0" lvl="0" marL="0" rtl="0" algn="just">
+            <a:pPr marL="0" lvl="0" indent="0" algn="just" rtl="0">
               <a:spcBef>
                 <a:spcPts val="0"/>
               </a:spcBef>
@@ -7770,7 +8881,7 @@
             <a:endParaRPr sz="2000"/>
           </a:p>
           <a:p>
-            <a:pPr indent="0" lvl="0" marL="0" rtl="0" algn="just">
+            <a:pPr marL="0" lvl="0" indent="0" algn="just" rtl="0">
               <a:spcBef>
                 <a:spcPts val="0"/>
               </a:spcBef>
@@ -7786,7 +8897,7 @@
             <a:endParaRPr sz="2000"/>
           </a:p>
           <a:p>
-            <a:pPr indent="0" lvl="0" marL="0" rtl="0" algn="just">
+            <a:pPr marL="0" lvl="0" indent="0" algn="just" rtl="0">
               <a:spcBef>
                 <a:spcPts val="0"/>
               </a:spcBef>
@@ -7795,9 +8906,6 @@
               </a:spcAft>
               <a:buNone/>
             </a:pPr>
-            <a:r>
-              <a:t/>
-            </a:r>
             <a:endParaRPr sz="2000"/>
           </a:p>
         </p:txBody>
@@ -7811,11 +8919,11 @@
 </file>
 
 <file path=ppt/slides/slide7.xml><?xml version="1.0" encoding="utf-8"?>
-<p:sld xmlns:a="http://schemas.openxmlformats.org/drawingml/2006/main" xmlns:r="http://schemas.openxmlformats.org/officeDocument/2006/relationships" xmlns:mc="http://schemas.openxmlformats.org/markup-compatibility/2006" xmlns:mv="urn:schemas-microsoft-com:mac:vml" xmlns:p="http://schemas.openxmlformats.org/presentationml/2006/main" xmlns:c="http://schemas.openxmlformats.org/drawingml/2006/chart" xmlns:dgm="http://schemas.openxmlformats.org/drawingml/2006/diagram" xmlns:o="urn:schemas-microsoft-com:office:office" xmlns:v="urn:schemas-microsoft-com:vml" xmlns:pvml="urn:schemas-microsoft-com:office:powerpoint" xmlns:com="http://schemas.openxmlformats.org/drawingml/2006/compatibility" xmlns:p14="http://schemas.microsoft.com/office/powerpoint/2010/main" xmlns:p15="http://schemas.microsoft.com/office/powerpoint/2012/main" xmlns:ahyp="http://schemas.microsoft.com/office/drawing/2018/hyperlinkcolor">
+<p:sld xmlns:a="http://schemas.openxmlformats.org/drawingml/2006/main" xmlns:r="http://schemas.openxmlformats.org/officeDocument/2006/relationships" xmlns:p="http://schemas.openxmlformats.org/presentationml/2006/main">
   <p:cSld>
     <p:spTree>
       <p:nvGrpSpPr>
-        <p:cNvPr id="89" name="Shape 89"/>
+        <p:cNvPr id="1" name="Shape 89"/>
         <p:cNvGrpSpPr/>
         <p:nvPr/>
       </p:nvGrpSpPr>
@@ -7830,7 +8938,9 @@
       <p:sp>
         <p:nvSpPr>
           <p:cNvPr id="90" name="Google Shape;90;p19"/>
-          <p:cNvSpPr txBox="1"/>
+          <p:cNvSpPr txBox="1">
+            <a:spLocks noGrp="1"/>
+          </p:cNvSpPr>
           <p:nvPr>
             <p:ph type="title"/>
           </p:nvPr>
@@ -7845,12 +8955,12 @@
           </a:prstGeom>
         </p:spPr>
         <p:txBody>
-          <a:bodyPr anchorCtr="0" anchor="t" bIns="91425" lIns="91425" spcFirstLastPara="1" rIns="91425" wrap="square" tIns="91425">
+          <a:bodyPr spcFirstLastPara="1" wrap="square" lIns="91425" tIns="91425" rIns="91425" bIns="91425" anchor="t" anchorCtr="0">
             <a:noAutofit/>
           </a:bodyPr>
           <a:lstStyle/>
           <a:p>
-            <a:pPr indent="0" lvl="0" marL="0" rtl="0" algn="just">
+            <a:pPr marL="0" lvl="0" indent="0" algn="just" rtl="0">
               <a:spcBef>
                 <a:spcPts val="0"/>
               </a:spcBef>
@@ -7861,16 +8971,12 @@
             </a:pPr>
             <a:r>
               <a:rPr lang="it" sz="3000"/>
-              <a:t>1.1.0 Analisi Requisiti</a:t>
-            </a:r>
-            <a:r>
-              <a:rPr lang="it" sz="3000"/>
-              <a:t> - Requisiti non funzionali</a:t>
+              <a:t>1.1.0 Analisi Requisiti - Requisiti non funzionali</a:t>
             </a:r>
             <a:endParaRPr sz="3000"/>
           </a:p>
           <a:p>
-            <a:pPr indent="0" lvl="0" marL="0" rtl="0" algn="just">
+            <a:pPr marL="0" lvl="0" indent="0" algn="just" rtl="0">
               <a:spcBef>
                 <a:spcPts val="0"/>
               </a:spcBef>
@@ -7879,13 +8985,10 @@
               </a:spcAft>
               <a:buNone/>
             </a:pPr>
-            <a:r>
-              <a:t/>
-            </a:r>
             <a:endParaRPr sz="3000"/>
           </a:p>
           <a:p>
-            <a:pPr indent="0" lvl="0" marL="0" rtl="0" algn="just">
+            <a:pPr marL="0" lvl="0" indent="0" algn="just" rtl="0">
               <a:spcBef>
                 <a:spcPts val="0"/>
               </a:spcBef>
@@ -7911,11 +9014,11 @@
 </file>
 
 <file path=ppt/slides/slide8.xml><?xml version="1.0" encoding="utf-8"?>
-<p:sld xmlns:a="http://schemas.openxmlformats.org/drawingml/2006/main" xmlns:r="http://schemas.openxmlformats.org/officeDocument/2006/relationships" xmlns:mc="http://schemas.openxmlformats.org/markup-compatibility/2006" xmlns:mv="urn:schemas-microsoft-com:mac:vml" xmlns:p="http://schemas.openxmlformats.org/presentationml/2006/main" xmlns:c="http://schemas.openxmlformats.org/drawingml/2006/chart" xmlns:dgm="http://schemas.openxmlformats.org/drawingml/2006/diagram" xmlns:o="urn:schemas-microsoft-com:office:office" xmlns:v="urn:schemas-microsoft-com:vml" xmlns:pvml="urn:schemas-microsoft-com:office:powerpoint" xmlns:com="http://schemas.openxmlformats.org/drawingml/2006/compatibility" xmlns:p14="http://schemas.microsoft.com/office/powerpoint/2010/main" xmlns:p15="http://schemas.microsoft.com/office/powerpoint/2012/main" xmlns:ahyp="http://schemas.microsoft.com/office/drawing/2018/hyperlinkcolor">
+<p:sld xmlns:a="http://schemas.openxmlformats.org/drawingml/2006/main" xmlns:r="http://schemas.openxmlformats.org/officeDocument/2006/relationships" xmlns:p="http://schemas.openxmlformats.org/presentationml/2006/main">
   <p:cSld>
     <p:spTree>
       <p:nvGrpSpPr>
-        <p:cNvPr id="94" name="Shape 94"/>
+        <p:cNvPr id="1" name="Shape 94"/>
         <p:cNvGrpSpPr/>
         <p:nvPr/>
       </p:nvGrpSpPr>
@@ -7930,7 +9033,9 @@
       <p:sp>
         <p:nvSpPr>
           <p:cNvPr id="95" name="Google Shape;95;p20"/>
-          <p:cNvSpPr txBox="1"/>
+          <p:cNvSpPr txBox="1">
+            <a:spLocks noGrp="1"/>
+          </p:cNvSpPr>
           <p:nvPr>
             <p:ph type="title"/>
           </p:nvPr>
@@ -7945,12 +9050,12 @@
           </a:prstGeom>
         </p:spPr>
         <p:txBody>
-          <a:bodyPr anchorCtr="0" anchor="t" bIns="91425" lIns="91425" spcFirstLastPara="1" rIns="91425" wrap="square" tIns="91425">
+          <a:bodyPr spcFirstLastPara="1" wrap="square" lIns="91425" tIns="91425" rIns="91425" bIns="91425" anchor="t" anchorCtr="0">
             <a:noAutofit/>
           </a:bodyPr>
           <a:lstStyle/>
           <a:p>
-            <a:pPr indent="0" lvl="0" marL="0" rtl="0" algn="just">
+            <a:pPr marL="0" lvl="0" indent="0" algn="just" rtl="0">
               <a:spcBef>
                 <a:spcPts val="0"/>
               </a:spcBef>
@@ -7966,7 +9071,7 @@
             <a:endParaRPr sz="3000"/>
           </a:p>
           <a:p>
-            <a:pPr indent="0" lvl="0" marL="0" rtl="0" algn="just">
+            <a:pPr marL="0" lvl="0" indent="0" algn="just" rtl="0">
               <a:spcBef>
                 <a:spcPts val="0"/>
               </a:spcBef>
@@ -7992,11 +9097,11 @@
 </file>
 
 <file path=ppt/slides/slide9.xml><?xml version="1.0" encoding="utf-8"?>
-<p:sld xmlns:a="http://schemas.openxmlformats.org/drawingml/2006/main" xmlns:r="http://schemas.openxmlformats.org/officeDocument/2006/relationships" xmlns:mc="http://schemas.openxmlformats.org/markup-compatibility/2006" xmlns:mv="urn:schemas-microsoft-com:mac:vml" xmlns:p="http://schemas.openxmlformats.org/presentationml/2006/main" xmlns:c="http://schemas.openxmlformats.org/drawingml/2006/chart" xmlns:dgm="http://schemas.openxmlformats.org/drawingml/2006/diagram" xmlns:o="urn:schemas-microsoft-com:office:office" xmlns:v="urn:schemas-microsoft-com:vml" xmlns:pvml="urn:schemas-microsoft-com:office:powerpoint" xmlns:com="http://schemas.openxmlformats.org/drawingml/2006/compatibility" xmlns:p14="http://schemas.microsoft.com/office/powerpoint/2010/main" xmlns:p15="http://schemas.microsoft.com/office/powerpoint/2012/main" xmlns:ahyp="http://schemas.microsoft.com/office/drawing/2018/hyperlinkcolor">
+<p:sld xmlns:a="http://schemas.openxmlformats.org/drawingml/2006/main" xmlns:r="http://schemas.openxmlformats.org/officeDocument/2006/relationships" xmlns:p="http://schemas.openxmlformats.org/presentationml/2006/main">
   <p:cSld>
     <p:spTree>
       <p:nvGrpSpPr>
-        <p:cNvPr id="99" name="Shape 99"/>
+        <p:cNvPr id="1" name="Shape 99"/>
         <p:cNvGrpSpPr/>
         <p:nvPr/>
       </p:nvGrpSpPr>
@@ -8011,7 +9116,9 @@
       <p:sp>
         <p:nvSpPr>
           <p:cNvPr id="100" name="Google Shape;100;p21"/>
-          <p:cNvSpPr txBox="1"/>
+          <p:cNvSpPr txBox="1">
+            <a:spLocks noGrp="1"/>
+          </p:cNvSpPr>
           <p:nvPr>
             <p:ph type="title"/>
           </p:nvPr>
@@ -8026,12 +9133,12 @@
           </a:prstGeom>
         </p:spPr>
         <p:txBody>
-          <a:bodyPr anchorCtr="0" anchor="t" bIns="91425" lIns="91425" spcFirstLastPara="1" rIns="91425" wrap="square" tIns="91425">
+          <a:bodyPr spcFirstLastPara="1" wrap="square" lIns="91425" tIns="91425" rIns="91425" bIns="91425" anchor="t" anchorCtr="0">
             <a:noAutofit/>
           </a:bodyPr>
           <a:lstStyle/>
           <a:p>
-            <a:pPr indent="0" lvl="0" marL="0" rtl="0" algn="just">
+            <a:pPr marL="0" lvl="0" indent="0" algn="just" rtl="0">
               <a:spcBef>
                 <a:spcPts val="0"/>
               </a:spcBef>
@@ -8047,7 +9154,7 @@
             <a:endParaRPr sz="3000"/>
           </a:p>
           <a:p>
-            <a:pPr indent="0" lvl="0" marL="0" rtl="0" algn="just">
+            <a:pPr marL="0" lvl="0" indent="0" algn="just" rtl="0">
               <a:spcBef>
                 <a:spcPts val="0"/>
               </a:spcBef>
@@ -8063,7 +9170,7 @@
             <a:endParaRPr sz="2000"/>
           </a:p>
           <a:p>
-            <a:pPr indent="0" lvl="0" marL="0" rtl="0" algn="just">
+            <a:pPr marL="0" lvl="0" indent="0" algn="just" rtl="0">
               <a:spcBef>
                 <a:spcPts val="0"/>
               </a:spcBef>
@@ -8079,7 +9186,7 @@
             <a:endParaRPr sz="2000"/>
           </a:p>
           <a:p>
-            <a:pPr indent="0" lvl="0" marL="0" rtl="0" algn="just">
+            <a:pPr marL="0" lvl="0" indent="0" algn="just" rtl="0">
               <a:spcBef>
                 <a:spcPts val="0"/>
               </a:spcBef>
@@ -8105,7 +9212,7 @@
 </file>
 
 <file path=ppt/theme/theme1.xml><?xml version="1.0" encoding="utf-8"?>
-<a:theme xmlns:a="http://schemas.openxmlformats.org/drawingml/2006/main" xmlns:r="http://schemas.openxmlformats.org/officeDocument/2006/relationships" name="Paperback">
+<a:theme xmlns:a="http://schemas.openxmlformats.org/drawingml/2006/main" name="Paperback">
   <a:themeElements>
     <a:clrScheme name="Paperback">
       <a:dk1>
@@ -8380,11 +9487,13 @@
       </a:bgFillStyleLst>
     </a:fmtScheme>
   </a:themeElements>
+  <a:objectDefaults/>
+  <a:extraClrSchemeLst/>
 </a:theme>
 </file>
 
 <file path=ppt/theme/theme2.xml><?xml version="1.0" encoding="utf-8"?>
-<a:theme xmlns:a="http://schemas.openxmlformats.org/drawingml/2006/main" xmlns:r="http://schemas.openxmlformats.org/officeDocument/2006/relationships">
+<a:theme xmlns:a="http://schemas.openxmlformats.org/drawingml/2006/main">
   <a:themeElements>
     <a:clrScheme name="Default">
       <a:dk1>
@@ -8659,5 +9768,7 @@
       </a:bgFillStyleLst>
     </a:fmtScheme>
   </a:themeElements>
+  <a:objectDefaults/>
+  <a:extraClrSchemeLst/>
 </a:theme>
 </file>
--- a/others/Relazione UniBookMi.pptx
+++ b/others/Relazione UniBookMi.pptx
@@ -5,7 +5,7 @@
     <p:sldMasterId id="2147483659" r:id="rId1"/>
   </p:sldMasterIdLst>
   <p:notesMasterIdLst>
-    <p:notesMasterId r:id="rId15"/>
+    <p:notesMasterId r:id="rId19"/>
   </p:notesMasterIdLst>
   <p:sldIdLst>
     <p:sldId id="256" r:id="rId2"/>
@@ -21,22 +21,26 @@
     <p:sldId id="266" r:id="rId12"/>
     <p:sldId id="267" r:id="rId13"/>
     <p:sldId id="268" r:id="rId14"/>
+    <p:sldId id="269" r:id="rId15"/>
+    <p:sldId id="270" r:id="rId16"/>
+    <p:sldId id="271" r:id="rId17"/>
+    <p:sldId id="272" r:id="rId18"/>
   </p:sldIdLst>
   <p:sldSz cx="9144000" cy="5143500" type="screen16x9"/>
   <p:notesSz cx="6858000" cy="9144000"/>
   <p:embeddedFontLst>
     <p:embeddedFont>
       <p:font typeface="Old Standard TT" pitchFamily="2" charset="77"/>
-      <p:regular r:id="rId16"/>
-      <p:bold r:id="rId17"/>
-      <p:italic r:id="rId18"/>
+      <p:regular r:id="rId20"/>
+      <p:bold r:id="rId21"/>
+      <p:italic r:id="rId22"/>
     </p:embeddedFont>
     <p:embeddedFont>
       <p:font typeface="Roboto" panose="02000000000000000000" pitchFamily="2" charset="0"/>
-      <p:regular r:id="rId19"/>
-      <p:bold r:id="rId20"/>
-      <p:italic r:id="rId21"/>
-      <p:boldItalic r:id="rId22"/>
+      <p:regular r:id="rId23"/>
+      <p:bold r:id="rId24"/>
+      <p:italic r:id="rId25"/>
+      <p:boldItalic r:id="rId26"/>
     </p:embeddedFont>
   </p:embeddedFontLst>
   <p:defaultTextStyle>
@@ -1331,6 +1335,514 @@
     <p:extLst>
       <p:ext uri="{BB962C8B-B14F-4D97-AF65-F5344CB8AC3E}">
         <p14:creationId xmlns:p14="http://schemas.microsoft.com/office/powerpoint/2010/main" val="1994440368"/>
+      </p:ext>
+    </p:extLst>
+  </p:cSld>
+  <p:clrMapOvr>
+    <a:masterClrMapping/>
+  </p:clrMapOvr>
+</p:notes>
+</file>
+
+<file path=ppt/notesSlides/notesSlide14.xml><?xml version="1.0" encoding="utf-8"?>
+<p:notes xmlns:a="http://schemas.openxmlformats.org/drawingml/2006/main" xmlns:r="http://schemas.openxmlformats.org/officeDocument/2006/relationships" xmlns:p="http://schemas.openxmlformats.org/presentationml/2006/main" showMasterSp="0" showMasterPhAnim="0">
+  <p:cSld>
+    <p:spTree>
+      <p:nvGrpSpPr>
+        <p:cNvPr id="1" name="Shape 96">
+          <a:extLst>
+            <a:ext uri="{FF2B5EF4-FFF2-40B4-BE49-F238E27FC236}">
+              <a16:creationId xmlns:a16="http://schemas.microsoft.com/office/drawing/2014/main" id="{274724CC-6029-7943-D481-92CE9F5EB6FF}"/>
+            </a:ext>
+          </a:extLst>
+        </p:cNvPr>
+        <p:cNvGrpSpPr/>
+        <p:nvPr/>
+      </p:nvGrpSpPr>
+      <p:grpSpPr>
+        <a:xfrm>
+          <a:off x="0" y="0"/>
+          <a:ext cx="0" cy="0"/>
+          <a:chOff x="0" y="0"/>
+          <a:chExt cx="0" cy="0"/>
+        </a:xfrm>
+      </p:grpSpPr>
+      <p:sp>
+        <p:nvSpPr>
+          <p:cNvPr id="97" name="Google Shape;97;g2a611630393_0_29:notes">
+            <a:extLst>
+              <a:ext uri="{FF2B5EF4-FFF2-40B4-BE49-F238E27FC236}">
+                <a16:creationId xmlns:a16="http://schemas.microsoft.com/office/drawing/2014/main" id="{3AB866F0-1F85-4BAC-F10D-3459502F10AB}"/>
+              </a:ext>
+            </a:extLst>
+          </p:cNvPr>
+          <p:cNvSpPr>
+            <a:spLocks noGrp="1" noRot="1" noChangeAspect="1"/>
+          </p:cNvSpPr>
+          <p:nvPr>
+            <p:ph type="sldImg" idx="2"/>
+          </p:nvPr>
+        </p:nvSpPr>
+        <p:spPr>
+          <a:xfrm>
+            <a:off x="381000" y="685800"/>
+            <a:ext cx="6096000" cy="3429000"/>
+          </a:xfrm>
+          <a:custGeom>
+            <a:avLst/>
+            <a:gdLst/>
+            <a:ahLst/>
+            <a:cxnLst/>
+            <a:rect l="l" t="t" r="r" b="b"/>
+            <a:pathLst>
+              <a:path w="120000" h="120000" extrusionOk="0">
+                <a:moveTo>
+                  <a:pt x="0" y="0"/>
+                </a:moveTo>
+                <a:lnTo>
+                  <a:pt x="120000" y="0"/>
+                </a:lnTo>
+                <a:lnTo>
+                  <a:pt x="120000" y="120000"/>
+                </a:lnTo>
+                <a:lnTo>
+                  <a:pt x="0" y="120000"/>
+                </a:lnTo>
+                <a:close/>
+              </a:path>
+            </a:pathLst>
+          </a:custGeom>
+        </p:spPr>
+      </p:sp>
+      <p:sp>
+        <p:nvSpPr>
+          <p:cNvPr id="98" name="Google Shape;98;g2a611630393_0_29:notes">
+            <a:extLst>
+              <a:ext uri="{FF2B5EF4-FFF2-40B4-BE49-F238E27FC236}">
+                <a16:creationId xmlns:a16="http://schemas.microsoft.com/office/drawing/2014/main" id="{0E33D044-3BDB-2227-32B6-DC41D3E4EE09}"/>
+              </a:ext>
+            </a:extLst>
+          </p:cNvPr>
+          <p:cNvSpPr txBox="1">
+            <a:spLocks noGrp="1"/>
+          </p:cNvSpPr>
+          <p:nvPr>
+            <p:ph type="body" idx="1"/>
+          </p:nvPr>
+        </p:nvSpPr>
+        <p:spPr>
+          <a:xfrm>
+            <a:off x="685800" y="4343400"/>
+            <a:ext cx="5486400" cy="4114800"/>
+          </a:xfrm>
+          <a:prstGeom prst="rect">
+            <a:avLst/>
+          </a:prstGeom>
+        </p:spPr>
+        <p:txBody>
+          <a:bodyPr spcFirstLastPara="1" wrap="square" lIns="91425" tIns="91425" rIns="91425" bIns="91425" anchor="t" anchorCtr="0">
+            <a:noAutofit/>
+          </a:bodyPr>
+          <a:lstStyle/>
+          <a:p>
+            <a:pPr marL="0" lvl="0" indent="0" algn="l" rtl="0">
+              <a:spcBef>
+                <a:spcPts val="0"/>
+              </a:spcBef>
+              <a:spcAft>
+                <a:spcPts val="0"/>
+              </a:spcAft>
+              <a:buNone/>
+            </a:pPr>
+            <a:endParaRPr/>
+          </a:p>
+        </p:txBody>
+      </p:sp>
+    </p:spTree>
+    <p:extLst>
+      <p:ext uri="{BB962C8B-B14F-4D97-AF65-F5344CB8AC3E}">
+        <p14:creationId xmlns:p14="http://schemas.microsoft.com/office/powerpoint/2010/main" val="2108764270"/>
+      </p:ext>
+    </p:extLst>
+  </p:cSld>
+  <p:clrMapOvr>
+    <a:masterClrMapping/>
+  </p:clrMapOvr>
+</p:notes>
+</file>
+
+<file path=ppt/notesSlides/notesSlide15.xml><?xml version="1.0" encoding="utf-8"?>
+<p:notes xmlns:a="http://schemas.openxmlformats.org/drawingml/2006/main" xmlns:r="http://schemas.openxmlformats.org/officeDocument/2006/relationships" xmlns:p="http://schemas.openxmlformats.org/presentationml/2006/main" showMasterSp="0" showMasterPhAnim="0">
+  <p:cSld>
+    <p:spTree>
+      <p:nvGrpSpPr>
+        <p:cNvPr id="1" name="Shape 96">
+          <a:extLst>
+            <a:ext uri="{FF2B5EF4-FFF2-40B4-BE49-F238E27FC236}">
+              <a16:creationId xmlns:a16="http://schemas.microsoft.com/office/drawing/2014/main" id="{7C4C5988-5707-4523-B798-CCDD779DC1C0}"/>
+            </a:ext>
+          </a:extLst>
+        </p:cNvPr>
+        <p:cNvGrpSpPr/>
+        <p:nvPr/>
+      </p:nvGrpSpPr>
+      <p:grpSpPr>
+        <a:xfrm>
+          <a:off x="0" y="0"/>
+          <a:ext cx="0" cy="0"/>
+          <a:chOff x="0" y="0"/>
+          <a:chExt cx="0" cy="0"/>
+        </a:xfrm>
+      </p:grpSpPr>
+      <p:sp>
+        <p:nvSpPr>
+          <p:cNvPr id="97" name="Google Shape;97;g2a611630393_0_29:notes">
+            <a:extLst>
+              <a:ext uri="{FF2B5EF4-FFF2-40B4-BE49-F238E27FC236}">
+                <a16:creationId xmlns:a16="http://schemas.microsoft.com/office/drawing/2014/main" id="{56580F14-B29F-3858-B148-331F5F325041}"/>
+              </a:ext>
+            </a:extLst>
+          </p:cNvPr>
+          <p:cNvSpPr>
+            <a:spLocks noGrp="1" noRot="1" noChangeAspect="1"/>
+          </p:cNvSpPr>
+          <p:nvPr>
+            <p:ph type="sldImg" idx="2"/>
+          </p:nvPr>
+        </p:nvSpPr>
+        <p:spPr>
+          <a:xfrm>
+            <a:off x="381000" y="685800"/>
+            <a:ext cx="6096000" cy="3429000"/>
+          </a:xfrm>
+          <a:custGeom>
+            <a:avLst/>
+            <a:gdLst/>
+            <a:ahLst/>
+            <a:cxnLst/>
+            <a:rect l="l" t="t" r="r" b="b"/>
+            <a:pathLst>
+              <a:path w="120000" h="120000" extrusionOk="0">
+                <a:moveTo>
+                  <a:pt x="0" y="0"/>
+                </a:moveTo>
+                <a:lnTo>
+                  <a:pt x="120000" y="0"/>
+                </a:lnTo>
+                <a:lnTo>
+                  <a:pt x="120000" y="120000"/>
+                </a:lnTo>
+                <a:lnTo>
+                  <a:pt x="0" y="120000"/>
+                </a:lnTo>
+                <a:close/>
+              </a:path>
+            </a:pathLst>
+          </a:custGeom>
+        </p:spPr>
+      </p:sp>
+      <p:sp>
+        <p:nvSpPr>
+          <p:cNvPr id="98" name="Google Shape;98;g2a611630393_0_29:notes">
+            <a:extLst>
+              <a:ext uri="{FF2B5EF4-FFF2-40B4-BE49-F238E27FC236}">
+                <a16:creationId xmlns:a16="http://schemas.microsoft.com/office/drawing/2014/main" id="{3E8EF8C1-97EE-C9EC-79B4-8BBD08BA22B2}"/>
+              </a:ext>
+            </a:extLst>
+          </p:cNvPr>
+          <p:cNvSpPr txBox="1">
+            <a:spLocks noGrp="1"/>
+          </p:cNvSpPr>
+          <p:nvPr>
+            <p:ph type="body" idx="1"/>
+          </p:nvPr>
+        </p:nvSpPr>
+        <p:spPr>
+          <a:xfrm>
+            <a:off x="685800" y="4343400"/>
+            <a:ext cx="5486400" cy="4114800"/>
+          </a:xfrm>
+          <a:prstGeom prst="rect">
+            <a:avLst/>
+          </a:prstGeom>
+        </p:spPr>
+        <p:txBody>
+          <a:bodyPr spcFirstLastPara="1" wrap="square" lIns="91425" tIns="91425" rIns="91425" bIns="91425" anchor="t" anchorCtr="0">
+            <a:noAutofit/>
+          </a:bodyPr>
+          <a:lstStyle/>
+          <a:p>
+            <a:pPr marL="0" lvl="0" indent="0" algn="l" rtl="0">
+              <a:spcBef>
+                <a:spcPts val="0"/>
+              </a:spcBef>
+              <a:spcAft>
+                <a:spcPts val="0"/>
+              </a:spcAft>
+              <a:buNone/>
+            </a:pPr>
+            <a:endParaRPr/>
+          </a:p>
+        </p:txBody>
+      </p:sp>
+    </p:spTree>
+    <p:extLst>
+      <p:ext uri="{BB962C8B-B14F-4D97-AF65-F5344CB8AC3E}">
+        <p14:creationId xmlns:p14="http://schemas.microsoft.com/office/powerpoint/2010/main" val="350265695"/>
+      </p:ext>
+    </p:extLst>
+  </p:cSld>
+  <p:clrMapOvr>
+    <a:masterClrMapping/>
+  </p:clrMapOvr>
+</p:notes>
+</file>
+
+<file path=ppt/notesSlides/notesSlide16.xml><?xml version="1.0" encoding="utf-8"?>
+<p:notes xmlns:a="http://schemas.openxmlformats.org/drawingml/2006/main" xmlns:r="http://schemas.openxmlformats.org/officeDocument/2006/relationships" xmlns:p="http://schemas.openxmlformats.org/presentationml/2006/main" showMasterSp="0" showMasterPhAnim="0">
+  <p:cSld>
+    <p:spTree>
+      <p:nvGrpSpPr>
+        <p:cNvPr id="1" name="Shape 96">
+          <a:extLst>
+            <a:ext uri="{FF2B5EF4-FFF2-40B4-BE49-F238E27FC236}">
+              <a16:creationId xmlns:a16="http://schemas.microsoft.com/office/drawing/2014/main" id="{E3747C20-B4BA-FA13-EE9D-8370DFB34E18}"/>
+            </a:ext>
+          </a:extLst>
+        </p:cNvPr>
+        <p:cNvGrpSpPr/>
+        <p:nvPr/>
+      </p:nvGrpSpPr>
+      <p:grpSpPr>
+        <a:xfrm>
+          <a:off x="0" y="0"/>
+          <a:ext cx="0" cy="0"/>
+          <a:chOff x="0" y="0"/>
+          <a:chExt cx="0" cy="0"/>
+        </a:xfrm>
+      </p:grpSpPr>
+      <p:sp>
+        <p:nvSpPr>
+          <p:cNvPr id="97" name="Google Shape;97;g2a611630393_0_29:notes">
+            <a:extLst>
+              <a:ext uri="{FF2B5EF4-FFF2-40B4-BE49-F238E27FC236}">
+                <a16:creationId xmlns:a16="http://schemas.microsoft.com/office/drawing/2014/main" id="{1D3C4699-0393-EAB6-1374-47C9B0A7A21A}"/>
+              </a:ext>
+            </a:extLst>
+          </p:cNvPr>
+          <p:cNvSpPr>
+            <a:spLocks noGrp="1" noRot="1" noChangeAspect="1"/>
+          </p:cNvSpPr>
+          <p:nvPr>
+            <p:ph type="sldImg" idx="2"/>
+          </p:nvPr>
+        </p:nvSpPr>
+        <p:spPr>
+          <a:xfrm>
+            <a:off x="381000" y="685800"/>
+            <a:ext cx="6096000" cy="3429000"/>
+          </a:xfrm>
+          <a:custGeom>
+            <a:avLst/>
+            <a:gdLst/>
+            <a:ahLst/>
+            <a:cxnLst/>
+            <a:rect l="l" t="t" r="r" b="b"/>
+            <a:pathLst>
+              <a:path w="120000" h="120000" extrusionOk="0">
+                <a:moveTo>
+                  <a:pt x="0" y="0"/>
+                </a:moveTo>
+                <a:lnTo>
+                  <a:pt x="120000" y="0"/>
+                </a:lnTo>
+                <a:lnTo>
+                  <a:pt x="120000" y="120000"/>
+                </a:lnTo>
+                <a:lnTo>
+                  <a:pt x="0" y="120000"/>
+                </a:lnTo>
+                <a:close/>
+              </a:path>
+            </a:pathLst>
+          </a:custGeom>
+        </p:spPr>
+      </p:sp>
+      <p:sp>
+        <p:nvSpPr>
+          <p:cNvPr id="98" name="Google Shape;98;g2a611630393_0_29:notes">
+            <a:extLst>
+              <a:ext uri="{FF2B5EF4-FFF2-40B4-BE49-F238E27FC236}">
+                <a16:creationId xmlns:a16="http://schemas.microsoft.com/office/drawing/2014/main" id="{5556ABD9-8D44-1C08-62C4-3EE73AF93140}"/>
+              </a:ext>
+            </a:extLst>
+          </p:cNvPr>
+          <p:cNvSpPr txBox="1">
+            <a:spLocks noGrp="1"/>
+          </p:cNvSpPr>
+          <p:nvPr>
+            <p:ph type="body" idx="1"/>
+          </p:nvPr>
+        </p:nvSpPr>
+        <p:spPr>
+          <a:xfrm>
+            <a:off x="685800" y="4343400"/>
+            <a:ext cx="5486400" cy="4114800"/>
+          </a:xfrm>
+          <a:prstGeom prst="rect">
+            <a:avLst/>
+          </a:prstGeom>
+        </p:spPr>
+        <p:txBody>
+          <a:bodyPr spcFirstLastPara="1" wrap="square" lIns="91425" tIns="91425" rIns="91425" bIns="91425" anchor="t" anchorCtr="0">
+            <a:noAutofit/>
+          </a:bodyPr>
+          <a:lstStyle/>
+          <a:p>
+            <a:pPr marL="0" lvl="0" indent="0" algn="l" rtl="0">
+              <a:spcBef>
+                <a:spcPts val="0"/>
+              </a:spcBef>
+              <a:spcAft>
+                <a:spcPts val="0"/>
+              </a:spcAft>
+              <a:buNone/>
+            </a:pPr>
+            <a:endParaRPr/>
+          </a:p>
+        </p:txBody>
+      </p:sp>
+    </p:spTree>
+    <p:extLst>
+      <p:ext uri="{BB962C8B-B14F-4D97-AF65-F5344CB8AC3E}">
+        <p14:creationId xmlns:p14="http://schemas.microsoft.com/office/powerpoint/2010/main" val="3347817524"/>
+      </p:ext>
+    </p:extLst>
+  </p:cSld>
+  <p:clrMapOvr>
+    <a:masterClrMapping/>
+  </p:clrMapOvr>
+</p:notes>
+</file>
+
+<file path=ppt/notesSlides/notesSlide17.xml><?xml version="1.0" encoding="utf-8"?>
+<p:notes xmlns:a="http://schemas.openxmlformats.org/drawingml/2006/main" xmlns:r="http://schemas.openxmlformats.org/officeDocument/2006/relationships" xmlns:p="http://schemas.openxmlformats.org/presentationml/2006/main" showMasterSp="0" showMasterPhAnim="0">
+  <p:cSld>
+    <p:spTree>
+      <p:nvGrpSpPr>
+        <p:cNvPr id="1" name="Shape 96">
+          <a:extLst>
+            <a:ext uri="{FF2B5EF4-FFF2-40B4-BE49-F238E27FC236}">
+              <a16:creationId xmlns:a16="http://schemas.microsoft.com/office/drawing/2014/main" id="{751F977F-D3DC-1CB7-CD38-88D79543B69C}"/>
+            </a:ext>
+          </a:extLst>
+        </p:cNvPr>
+        <p:cNvGrpSpPr/>
+        <p:nvPr/>
+      </p:nvGrpSpPr>
+      <p:grpSpPr>
+        <a:xfrm>
+          <a:off x="0" y="0"/>
+          <a:ext cx="0" cy="0"/>
+          <a:chOff x="0" y="0"/>
+          <a:chExt cx="0" cy="0"/>
+        </a:xfrm>
+      </p:grpSpPr>
+      <p:sp>
+        <p:nvSpPr>
+          <p:cNvPr id="97" name="Google Shape;97;g2a611630393_0_29:notes">
+            <a:extLst>
+              <a:ext uri="{FF2B5EF4-FFF2-40B4-BE49-F238E27FC236}">
+                <a16:creationId xmlns:a16="http://schemas.microsoft.com/office/drawing/2014/main" id="{8490D1BB-A47C-D8F4-0E6B-88A46738B184}"/>
+              </a:ext>
+            </a:extLst>
+          </p:cNvPr>
+          <p:cNvSpPr>
+            <a:spLocks noGrp="1" noRot="1" noChangeAspect="1"/>
+          </p:cNvSpPr>
+          <p:nvPr>
+            <p:ph type="sldImg" idx="2"/>
+          </p:nvPr>
+        </p:nvSpPr>
+        <p:spPr>
+          <a:xfrm>
+            <a:off x="381000" y="685800"/>
+            <a:ext cx="6096000" cy="3429000"/>
+          </a:xfrm>
+          <a:custGeom>
+            <a:avLst/>
+            <a:gdLst/>
+            <a:ahLst/>
+            <a:cxnLst/>
+            <a:rect l="l" t="t" r="r" b="b"/>
+            <a:pathLst>
+              <a:path w="120000" h="120000" extrusionOk="0">
+                <a:moveTo>
+                  <a:pt x="0" y="0"/>
+                </a:moveTo>
+                <a:lnTo>
+                  <a:pt x="120000" y="0"/>
+                </a:lnTo>
+                <a:lnTo>
+                  <a:pt x="120000" y="120000"/>
+                </a:lnTo>
+                <a:lnTo>
+                  <a:pt x="0" y="120000"/>
+                </a:lnTo>
+                <a:close/>
+              </a:path>
+            </a:pathLst>
+          </a:custGeom>
+        </p:spPr>
+      </p:sp>
+      <p:sp>
+        <p:nvSpPr>
+          <p:cNvPr id="98" name="Google Shape;98;g2a611630393_0_29:notes">
+            <a:extLst>
+              <a:ext uri="{FF2B5EF4-FFF2-40B4-BE49-F238E27FC236}">
+                <a16:creationId xmlns:a16="http://schemas.microsoft.com/office/drawing/2014/main" id="{618593E9-18D6-F06B-3F83-B751ABA54B06}"/>
+              </a:ext>
+            </a:extLst>
+          </p:cNvPr>
+          <p:cNvSpPr txBox="1">
+            <a:spLocks noGrp="1"/>
+          </p:cNvSpPr>
+          <p:nvPr>
+            <p:ph type="body" idx="1"/>
+          </p:nvPr>
+        </p:nvSpPr>
+        <p:spPr>
+          <a:xfrm>
+            <a:off x="685800" y="4343400"/>
+            <a:ext cx="5486400" cy="4114800"/>
+          </a:xfrm>
+          <a:prstGeom prst="rect">
+            <a:avLst/>
+          </a:prstGeom>
+        </p:spPr>
+        <p:txBody>
+          <a:bodyPr spcFirstLastPara="1" wrap="square" lIns="91425" tIns="91425" rIns="91425" bIns="91425" anchor="t" anchorCtr="0">
+            <a:noAutofit/>
+          </a:bodyPr>
+          <a:lstStyle/>
+          <a:p>
+            <a:pPr marL="0" lvl="0" indent="0" algn="l" rtl="0">
+              <a:spcBef>
+                <a:spcPts val="0"/>
+              </a:spcBef>
+              <a:spcAft>
+                <a:spcPts val="0"/>
+              </a:spcAft>
+              <a:buNone/>
+            </a:pPr>
+            <a:endParaRPr/>
+          </a:p>
+        </p:txBody>
+      </p:sp>
+    </p:spTree>
+    <p:extLst>
+      <p:ext uri="{BB962C8B-B14F-4D97-AF65-F5344CB8AC3E}">
+        <p14:creationId xmlns:p14="http://schemas.microsoft.com/office/powerpoint/2010/main" val="3461597198"/>
       </p:ext>
     </p:extLst>
   </p:cSld>
@@ -8263,6 +8775,450 @@
 </p:sld>
 </file>
 
+<file path=ppt/slides/slide14.xml><?xml version="1.0" encoding="utf-8"?>
+<p:sld xmlns:a="http://schemas.openxmlformats.org/drawingml/2006/main" xmlns:r="http://schemas.openxmlformats.org/officeDocument/2006/relationships" xmlns:p="http://schemas.openxmlformats.org/presentationml/2006/main">
+  <p:cSld>
+    <p:spTree>
+      <p:nvGrpSpPr>
+        <p:cNvPr id="1" name="Shape 99">
+          <a:extLst>
+            <a:ext uri="{FF2B5EF4-FFF2-40B4-BE49-F238E27FC236}">
+              <a16:creationId xmlns:a16="http://schemas.microsoft.com/office/drawing/2014/main" id="{C17F1F97-BEF2-0E68-5DF6-8CF66F1FA23C}"/>
+            </a:ext>
+          </a:extLst>
+        </p:cNvPr>
+        <p:cNvGrpSpPr/>
+        <p:nvPr/>
+      </p:nvGrpSpPr>
+      <p:grpSpPr>
+        <a:xfrm>
+          <a:off x="0" y="0"/>
+          <a:ext cx="0" cy="0"/>
+          <a:chOff x="0" y="0"/>
+          <a:chExt cx="0" cy="0"/>
+        </a:xfrm>
+      </p:grpSpPr>
+      <p:sp>
+        <p:nvSpPr>
+          <p:cNvPr id="100" name="Google Shape;100;p21">
+            <a:extLst>
+              <a:ext uri="{FF2B5EF4-FFF2-40B4-BE49-F238E27FC236}">
+                <a16:creationId xmlns:a16="http://schemas.microsoft.com/office/drawing/2014/main" id="{C629607F-A5EC-7F57-DB69-752E67CF855D}"/>
+              </a:ext>
+            </a:extLst>
+          </p:cNvPr>
+          <p:cNvSpPr txBox="1">
+            <a:spLocks noGrp="1"/>
+          </p:cNvSpPr>
+          <p:nvPr>
+            <p:ph type="title"/>
+          </p:nvPr>
+        </p:nvSpPr>
+        <p:spPr>
+          <a:xfrm>
+            <a:off x="490250" y="526350"/>
+            <a:ext cx="8435100" cy="4090800"/>
+          </a:xfrm>
+          <a:prstGeom prst="rect">
+            <a:avLst/>
+          </a:prstGeom>
+        </p:spPr>
+        <p:txBody>
+          <a:bodyPr spcFirstLastPara="1" wrap="square" lIns="91425" tIns="91425" rIns="91425" bIns="91425" anchor="t" anchorCtr="0">
+            <a:noAutofit/>
+          </a:bodyPr>
+          <a:lstStyle/>
+          <a:p>
+            <a:pPr marL="0" lvl="0" indent="0" rtl="0">
+              <a:spcBef>
+                <a:spcPts val="0"/>
+              </a:spcBef>
+              <a:spcAft>
+                <a:spcPts val="0"/>
+              </a:spcAft>
+              <a:buNone/>
+            </a:pPr>
+            <a:r>
+              <a:rPr lang="it" sz="3000" dirty="0"/>
+              <a:t>2.0.0</a:t>
+            </a:r>
+            <a:br>
+              <a:rPr lang="it" sz="3000" dirty="0"/>
+            </a:br>
+            <a:r>
+              <a:rPr lang="it" sz="2000" dirty="0"/>
+              <a:t>Nell’applicativo sono presenti 5 schermate ogniuna collegata tramite link in sovraimpressione in app.</a:t>
+            </a:r>
+            <a:br>
+              <a:rPr lang="it" sz="2000" dirty="0"/>
+            </a:br>
+            <a:r>
+              <a:rPr lang="it" sz="2000" dirty="0"/>
+              <a:t>Login</a:t>
+            </a:r>
+            <a:br>
+              <a:rPr lang="it" sz="2000" dirty="0"/>
+            </a:br>
+            <a:r>
+              <a:rPr lang="it" sz="2000" dirty="0"/>
+              <a:t>Home page</a:t>
+            </a:r>
+            <a:br>
+              <a:rPr lang="it" sz="2000" dirty="0"/>
+            </a:br>
+            <a:r>
+              <a:rPr lang="it" sz="2000" dirty="0"/>
+              <a:t>Prenotazione aule</a:t>
+            </a:r>
+            <a:br>
+              <a:rPr lang="it" sz="2000" dirty="0"/>
+            </a:br>
+            <a:r>
+              <a:rPr lang="it" sz="2000" dirty="0"/>
+              <a:t>Utente</a:t>
+            </a:r>
+            <a:br>
+              <a:rPr lang="it" sz="2000" dirty="0"/>
+            </a:br>
+            <a:r>
+              <a:rPr lang="it" sz="2000" dirty="0"/>
+              <a:t>News</a:t>
+            </a:r>
+            <a:br>
+              <a:rPr lang="it" sz="2000" dirty="0"/>
+            </a:br>
+            <a:endParaRPr sz="2000" dirty="0"/>
+          </a:p>
+        </p:txBody>
+      </p:sp>
+    </p:spTree>
+    <p:extLst>
+      <p:ext uri="{BB962C8B-B14F-4D97-AF65-F5344CB8AC3E}">
+        <p14:creationId xmlns:p14="http://schemas.microsoft.com/office/powerpoint/2010/main" val="1026440416"/>
+      </p:ext>
+    </p:extLst>
+  </p:cSld>
+  <p:clrMapOvr>
+    <a:masterClrMapping/>
+  </p:clrMapOvr>
+</p:sld>
+</file>
+
+<file path=ppt/slides/slide15.xml><?xml version="1.0" encoding="utf-8"?>
+<p:sld xmlns:a="http://schemas.openxmlformats.org/drawingml/2006/main" xmlns:r="http://schemas.openxmlformats.org/officeDocument/2006/relationships" xmlns:p="http://schemas.openxmlformats.org/presentationml/2006/main">
+  <p:cSld>
+    <p:spTree>
+      <p:nvGrpSpPr>
+        <p:cNvPr id="1" name="Shape 99">
+          <a:extLst>
+            <a:ext uri="{FF2B5EF4-FFF2-40B4-BE49-F238E27FC236}">
+              <a16:creationId xmlns:a16="http://schemas.microsoft.com/office/drawing/2014/main" id="{D3E2CA84-2FBB-663F-A9CB-139DE49044E8}"/>
+            </a:ext>
+          </a:extLst>
+        </p:cNvPr>
+        <p:cNvGrpSpPr/>
+        <p:nvPr/>
+      </p:nvGrpSpPr>
+      <p:grpSpPr>
+        <a:xfrm>
+          <a:off x="0" y="0"/>
+          <a:ext cx="0" cy="0"/>
+          <a:chOff x="0" y="0"/>
+          <a:chExt cx="0" cy="0"/>
+        </a:xfrm>
+      </p:grpSpPr>
+      <p:sp>
+        <p:nvSpPr>
+          <p:cNvPr id="100" name="Google Shape;100;p21">
+            <a:extLst>
+              <a:ext uri="{FF2B5EF4-FFF2-40B4-BE49-F238E27FC236}">
+                <a16:creationId xmlns:a16="http://schemas.microsoft.com/office/drawing/2014/main" id="{B23ADC71-E819-18B0-2C6A-7F6B558B10B2}"/>
+              </a:ext>
+            </a:extLst>
+          </p:cNvPr>
+          <p:cNvSpPr txBox="1">
+            <a:spLocks noGrp="1"/>
+          </p:cNvSpPr>
+          <p:nvPr>
+            <p:ph type="title"/>
+          </p:nvPr>
+        </p:nvSpPr>
+        <p:spPr>
+          <a:xfrm>
+            <a:off x="490250" y="526350"/>
+            <a:ext cx="8435100" cy="4090800"/>
+          </a:xfrm>
+          <a:prstGeom prst="rect">
+            <a:avLst/>
+          </a:prstGeom>
+        </p:spPr>
+        <p:txBody>
+          <a:bodyPr spcFirstLastPara="1" wrap="square" lIns="91425" tIns="91425" rIns="91425" bIns="91425" anchor="t" anchorCtr="0">
+            <a:noAutofit/>
+          </a:bodyPr>
+          <a:lstStyle/>
+          <a:p>
+            <a:pPr marL="0" lvl="0" indent="0" rtl="0">
+              <a:spcBef>
+                <a:spcPts val="0"/>
+              </a:spcBef>
+              <a:spcAft>
+                <a:spcPts val="0"/>
+              </a:spcAft>
+              <a:buNone/>
+            </a:pPr>
+            <a:r>
+              <a:rPr lang="it" sz="3000" dirty="0"/>
+              <a:t>3.0.0</a:t>
+            </a:r>
+            <a:br>
+              <a:rPr lang="it" sz="3000" dirty="0"/>
+            </a:br>
+            <a:br>
+              <a:rPr lang="it" sz="2000" dirty="0"/>
+            </a:br>
+            <a:endParaRPr sz="2000" dirty="0"/>
+          </a:p>
+        </p:txBody>
+      </p:sp>
+      <p:pic>
+        <p:nvPicPr>
+          <p:cNvPr id="3" name="Immagine 2" descr="Immagine che contiene testo, diagramma, schermata, Piano&#10;&#10;Descrizione generata automaticamente">
+            <a:extLst>
+              <a:ext uri="{FF2B5EF4-FFF2-40B4-BE49-F238E27FC236}">
+                <a16:creationId xmlns:a16="http://schemas.microsoft.com/office/drawing/2014/main" id="{CBE37D30-ACFD-5E91-AFC6-583A16C87B4A}"/>
+              </a:ext>
+            </a:extLst>
+          </p:cNvPr>
+          <p:cNvPicPr>
+            <a:picLocks noChangeAspect="1"/>
+          </p:cNvPicPr>
+          <p:nvPr/>
+        </p:nvPicPr>
+        <p:blipFill>
+          <a:blip r:embed="rId3"/>
+          <a:stretch>
+            <a:fillRect/>
+          </a:stretch>
+        </p:blipFill>
+        <p:spPr>
+          <a:xfrm>
+            <a:off x="2213707" y="643200"/>
+            <a:ext cx="6711643" cy="4142901"/>
+          </a:xfrm>
+          <a:prstGeom prst="rect">
+            <a:avLst/>
+          </a:prstGeom>
+        </p:spPr>
+      </p:pic>
+    </p:spTree>
+    <p:extLst>
+      <p:ext uri="{BB962C8B-B14F-4D97-AF65-F5344CB8AC3E}">
+        <p14:creationId xmlns:p14="http://schemas.microsoft.com/office/powerpoint/2010/main" val="2482309136"/>
+      </p:ext>
+    </p:extLst>
+  </p:cSld>
+  <p:clrMapOvr>
+    <a:masterClrMapping/>
+  </p:clrMapOvr>
+</p:sld>
+</file>
+
+<file path=ppt/slides/slide16.xml><?xml version="1.0" encoding="utf-8"?>
+<p:sld xmlns:a="http://schemas.openxmlformats.org/drawingml/2006/main" xmlns:r="http://schemas.openxmlformats.org/officeDocument/2006/relationships" xmlns:p="http://schemas.openxmlformats.org/presentationml/2006/main">
+  <p:cSld>
+    <p:spTree>
+      <p:nvGrpSpPr>
+        <p:cNvPr id="1" name="Shape 99">
+          <a:extLst>
+            <a:ext uri="{FF2B5EF4-FFF2-40B4-BE49-F238E27FC236}">
+              <a16:creationId xmlns:a16="http://schemas.microsoft.com/office/drawing/2014/main" id="{D4059DE4-D0AF-E7F2-4D7E-0F8F4E0E6945}"/>
+            </a:ext>
+          </a:extLst>
+        </p:cNvPr>
+        <p:cNvGrpSpPr/>
+        <p:nvPr/>
+      </p:nvGrpSpPr>
+      <p:grpSpPr>
+        <a:xfrm>
+          <a:off x="0" y="0"/>
+          <a:ext cx="0" cy="0"/>
+          <a:chOff x="0" y="0"/>
+          <a:chExt cx="0" cy="0"/>
+        </a:xfrm>
+      </p:grpSpPr>
+      <p:sp>
+        <p:nvSpPr>
+          <p:cNvPr id="100" name="Google Shape;100;p21">
+            <a:extLst>
+              <a:ext uri="{FF2B5EF4-FFF2-40B4-BE49-F238E27FC236}">
+                <a16:creationId xmlns:a16="http://schemas.microsoft.com/office/drawing/2014/main" id="{735DF789-F1A1-9420-8A2A-3501F7028C5E}"/>
+              </a:ext>
+            </a:extLst>
+          </p:cNvPr>
+          <p:cNvSpPr txBox="1">
+            <a:spLocks noGrp="1"/>
+          </p:cNvSpPr>
+          <p:nvPr>
+            <p:ph type="title"/>
+          </p:nvPr>
+        </p:nvSpPr>
+        <p:spPr>
+          <a:xfrm>
+            <a:off x="490250" y="526350"/>
+            <a:ext cx="8435100" cy="4090800"/>
+          </a:xfrm>
+          <a:prstGeom prst="rect">
+            <a:avLst/>
+          </a:prstGeom>
+        </p:spPr>
+        <p:txBody>
+          <a:bodyPr spcFirstLastPara="1" wrap="square" lIns="91425" tIns="91425" rIns="91425" bIns="91425" anchor="t" anchorCtr="0">
+            <a:noAutofit/>
+          </a:bodyPr>
+          <a:lstStyle/>
+          <a:p>
+            <a:pPr marL="0" lvl="0" indent="0" rtl="0">
+              <a:spcBef>
+                <a:spcPts val="0"/>
+              </a:spcBef>
+              <a:spcAft>
+                <a:spcPts val="0"/>
+              </a:spcAft>
+              <a:buNone/>
+            </a:pPr>
+            <a:r>
+              <a:rPr lang="it" sz="3000" dirty="0"/>
+              <a:t>3.2</a:t>
+            </a:r>
+            <a:br>
+              <a:rPr lang="it" sz="3000" dirty="0"/>
+            </a:br>
+            <a:br>
+              <a:rPr lang="it" sz="3000" dirty="0"/>
+            </a:br>
+            <a:br>
+              <a:rPr lang="it" sz="3000" dirty="0"/>
+            </a:br>
+            <a:br>
+              <a:rPr lang="it" sz="2000" dirty="0"/>
+            </a:br>
+            <a:endParaRPr sz="2000" dirty="0"/>
+          </a:p>
+        </p:txBody>
+      </p:sp>
+    </p:spTree>
+    <p:extLst>
+      <p:ext uri="{BB962C8B-B14F-4D97-AF65-F5344CB8AC3E}">
+        <p14:creationId xmlns:p14="http://schemas.microsoft.com/office/powerpoint/2010/main" val="2282268848"/>
+      </p:ext>
+    </p:extLst>
+  </p:cSld>
+  <p:clrMapOvr>
+    <a:masterClrMapping/>
+  </p:clrMapOvr>
+</p:sld>
+</file>
+
+<file path=ppt/slides/slide17.xml><?xml version="1.0" encoding="utf-8"?>
+<p:sld xmlns:a="http://schemas.openxmlformats.org/drawingml/2006/main" xmlns:r="http://schemas.openxmlformats.org/officeDocument/2006/relationships" xmlns:p="http://schemas.openxmlformats.org/presentationml/2006/main">
+  <p:cSld>
+    <p:spTree>
+      <p:nvGrpSpPr>
+        <p:cNvPr id="1" name="Shape 99">
+          <a:extLst>
+            <a:ext uri="{FF2B5EF4-FFF2-40B4-BE49-F238E27FC236}">
+              <a16:creationId xmlns:a16="http://schemas.microsoft.com/office/drawing/2014/main" id="{7B62CD36-BA91-BC38-D8B7-D3563C9115A0}"/>
+            </a:ext>
+          </a:extLst>
+        </p:cNvPr>
+        <p:cNvGrpSpPr/>
+        <p:nvPr/>
+      </p:nvGrpSpPr>
+      <p:grpSpPr>
+        <a:xfrm>
+          <a:off x="0" y="0"/>
+          <a:ext cx="0" cy="0"/>
+          <a:chOff x="0" y="0"/>
+          <a:chExt cx="0" cy="0"/>
+        </a:xfrm>
+      </p:grpSpPr>
+      <p:sp>
+        <p:nvSpPr>
+          <p:cNvPr id="100" name="Google Shape;100;p21">
+            <a:extLst>
+              <a:ext uri="{FF2B5EF4-FFF2-40B4-BE49-F238E27FC236}">
+                <a16:creationId xmlns:a16="http://schemas.microsoft.com/office/drawing/2014/main" id="{BDFEC352-36DA-EAB7-CD91-5D46BB82A783}"/>
+              </a:ext>
+            </a:extLst>
+          </p:cNvPr>
+          <p:cNvSpPr txBox="1">
+            <a:spLocks noGrp="1"/>
+          </p:cNvSpPr>
+          <p:nvPr>
+            <p:ph type="title"/>
+          </p:nvPr>
+        </p:nvSpPr>
+        <p:spPr>
+          <a:xfrm>
+            <a:off x="490250" y="526350"/>
+            <a:ext cx="8435100" cy="4090800"/>
+          </a:xfrm>
+          <a:prstGeom prst="rect">
+            <a:avLst/>
+          </a:prstGeom>
+        </p:spPr>
+        <p:txBody>
+          <a:bodyPr spcFirstLastPara="1" wrap="square" lIns="91425" tIns="91425" rIns="91425" bIns="91425" anchor="t" anchorCtr="0">
+            <a:noAutofit/>
+          </a:bodyPr>
+          <a:lstStyle/>
+          <a:p>
+            <a:pPr marL="0" lvl="0" indent="0" rtl="0">
+              <a:spcBef>
+                <a:spcPts val="0"/>
+              </a:spcBef>
+              <a:spcAft>
+                <a:spcPts val="0"/>
+              </a:spcAft>
+              <a:buNone/>
+            </a:pPr>
+            <a:r>
+              <a:rPr lang="it" sz="3000" dirty="0"/>
+              <a:t>5.0.0 - Conclusioni</a:t>
+            </a:r>
+            <a:br>
+              <a:rPr lang="it" sz="3000" dirty="0"/>
+            </a:br>
+            <a:br>
+              <a:rPr lang="it" sz="3000" dirty="0"/>
+            </a:br>
+            <a:br>
+              <a:rPr lang="it" sz="3000" dirty="0"/>
+            </a:br>
+            <a:br>
+              <a:rPr lang="it" sz="3000" dirty="0"/>
+            </a:br>
+            <a:br>
+              <a:rPr lang="it" sz="2000" dirty="0"/>
+            </a:br>
+            <a:endParaRPr sz="2000" dirty="0"/>
+          </a:p>
+        </p:txBody>
+      </p:sp>
+    </p:spTree>
+    <p:extLst>
+      <p:ext uri="{BB962C8B-B14F-4D97-AF65-F5344CB8AC3E}">
+        <p14:creationId xmlns:p14="http://schemas.microsoft.com/office/powerpoint/2010/main" val="832892932"/>
+      </p:ext>
+    </p:extLst>
+  </p:cSld>
+  <p:clrMapOvr>
+    <a:masterClrMapping/>
+  </p:clrMapOvr>
+</p:sld>
+</file>
+
 <file path=ppt/slides/slide2.xml><?xml version="1.0" encoding="utf-8"?>
 <p:sld xmlns:a="http://schemas.openxmlformats.org/drawingml/2006/main" xmlns:r="http://schemas.openxmlformats.org/officeDocument/2006/relationships" xmlns:p="http://schemas.openxmlformats.org/presentationml/2006/main">
   <p:cSld>
@@ -9065,10 +10021,10 @@
               <a:buNone/>
             </a:pPr>
             <a:r>
-              <a:rPr lang="it" sz="3000"/>
+              <a:rPr lang="it" sz="3000" dirty="0"/>
               <a:t>1.1.0 Analisi Requisiti - Requisiti di sistema</a:t>
             </a:r>
-            <a:endParaRPr sz="3000"/>
+            <a:endParaRPr sz="3000" dirty="0"/>
           </a:p>
           <a:p>
             <a:pPr marL="0" lvl="0" indent="0" algn="just" rtl="0">
@@ -9081,10 +10037,10 @@
               <a:buNone/>
             </a:pPr>
             <a:r>
-              <a:rPr lang="it" sz="2000"/>
+              <a:rPr lang="it" sz="2000" dirty="0"/>
               <a:t>Non ci sono requisiti espliciti per l’utilizzo dell’applicazione</a:t>
             </a:r>
-            <a:endParaRPr sz="2000"/>
+            <a:endParaRPr sz="2000" dirty="0"/>
           </a:p>
         </p:txBody>
       </p:sp>

--- a/others/Relazione UniBookMi.pptx
+++ b/others/Relazione UniBookMi.pptx
@@ -2089,7 +2089,7 @@
         </p:nvSpPr>
         <p:spPr>
           <a:xfrm>
-            <a:off x="381300" y="685800"/>
+            <a:off x="381000" y="685800"/>
             <a:ext cx="6096000" cy="3429000"/>
           </a:xfrm>
           <a:custGeom>
@@ -2193,7 +2193,7 @@
         </p:nvSpPr>
         <p:spPr>
           <a:xfrm>
-            <a:off x="381300" y="685800"/>
+            <a:off x="381000" y="685800"/>
             <a:ext cx="6096000" cy="3429000"/>
           </a:xfrm>
           <a:custGeom>
@@ -2297,7 +2297,7 @@
         </p:nvSpPr>
         <p:spPr>
           <a:xfrm>
-            <a:off x="381300" y="685800"/>
+            <a:off x="381000" y="685800"/>
             <a:ext cx="6096000" cy="3429000"/>
           </a:xfrm>
           <a:custGeom>
@@ -2401,7 +2401,7 @@
         </p:nvSpPr>
         <p:spPr>
           <a:xfrm>
-            <a:off x="381300" y="685800"/>
+            <a:off x="381000" y="685800"/>
             <a:ext cx="6096000" cy="3429000"/>
           </a:xfrm>
           <a:custGeom>
@@ -2505,7 +2505,7 @@
         </p:nvSpPr>
         <p:spPr>
           <a:xfrm>
-            <a:off x="381300" y="685800"/>
+            <a:off x="381000" y="685800"/>
             <a:ext cx="6096000" cy="3429000"/>
           </a:xfrm>
           <a:custGeom>
@@ -2609,7 +2609,7 @@
         </p:nvSpPr>
         <p:spPr>
           <a:xfrm>
-            <a:off x="381300" y="685800"/>
+            <a:off x="381000" y="685800"/>
             <a:ext cx="6096000" cy="3429000"/>
           </a:xfrm>
           <a:custGeom>
@@ -8409,6 +8409,9 @@
               </a:spcAft>
               <a:buNone/>
             </a:pPr>
+            <a:br>
+              <a:rPr lang="it-IT" sz="2000" dirty="0"/>
+            </a:br>
             <a:r>
               <a:rPr lang="it-IT" sz="2000" dirty="0"/>
               <a:t>L’applicazione WEB è prettamente per uso organizzativo, viene distribuita per utenti che ricercano una postazione o un aula di studio</a:t>
@@ -8519,6 +8522,9 @@
               </a:spcAft>
               <a:buNone/>
             </a:pPr>
+            <a:br>
+              <a:rPr lang="it-IT" sz="2000" dirty="0"/>
+            </a:br>
             <a:r>
               <a:rPr lang="it-IT" sz="2000" dirty="0"/>
               <a:t>I contenuti che danno valore all’applicazione sono le aule e le date che possono essere visionate per la prenotazione.</a:t>
@@ -8635,6 +8641,9 @@
             <a:br>
               <a:rPr lang="it" sz="3000" dirty="0"/>
             </a:br>
+            <a:br>
+              <a:rPr lang="it" sz="3000" dirty="0"/>
+            </a:br>
             <a:r>
               <a:rPr lang="it" sz="2000" dirty="0"/>
               <a:t>I contenuti sono standardizzati in base ad uno schema che si presenta ad ogni dipartimento a cui appartiene l’utente.</a:t>
@@ -8644,7 +8653,7 @@
             </a:br>
             <a:r>
               <a:rPr lang="it" sz="2000" dirty="0"/>
-              <a:t>Qualsiasi contenuto visionato è stato prodotto utilizzanod le informazioni dell’Università Statale di Milano, perciò non ci sono costi di produzione.</a:t>
+              <a:t>Qualsiasi contenuto visionato è stato prodotto utilizzando le informazioni dell’Università Statale di Milano, perciò non ci sono costi di produzione.</a:t>
             </a:r>
             <a:br>
               <a:rPr lang="it" sz="2000" dirty="0"/>
@@ -8737,6 +8746,9 @@
               <a:rPr lang="it" sz="3000" dirty="0"/>
               <a:t>1.1.4 Aspetti tecnologici</a:t>
             </a:r>
+            <a:br>
+              <a:rPr lang="it" sz="3000" dirty="0"/>
+            </a:br>
             <a:br>
               <a:rPr lang="it" sz="3000" dirty="0"/>
             </a:br>
@@ -8845,9 +8857,12 @@
             <a:br>
               <a:rPr lang="it" sz="3000" dirty="0"/>
             </a:br>
+            <a:br>
+              <a:rPr lang="it" sz="3000" dirty="0"/>
+            </a:br>
             <a:r>
               <a:rPr lang="it" sz="2000" dirty="0"/>
-              <a:t>Nell’applicativo sono presenti 5 schermate ogniuna collegata tramite link in sovraimpressione in app.</a:t>
+              <a:t>Nell’applicativo sono presenti 6 schermate ogniuna collegata tramite link in sovraimpressione in app.</a:t>
             </a:r>
             <a:br>
               <a:rPr lang="it" sz="2000" dirty="0"/>
@@ -8883,6 +8898,13 @@
             <a:r>
               <a:rPr lang="it" sz="2000" dirty="0"/>
               <a:t>News</a:t>
+            </a:r>
+            <a:br>
+              <a:rPr lang="it" sz="2000" dirty="0"/>
+            </a:br>
+            <a:r>
+              <a:rPr lang="it" sz="2000" dirty="0"/>
+              <a:t>Contatti</a:t>
             </a:r>
             <a:br>
               <a:rPr lang="it" sz="2000" dirty="0"/>
@@ -8983,10 +9005,10 @@
       </p:sp>
       <p:pic>
         <p:nvPicPr>
-          <p:cNvPr id="3" name="Immagine 2" descr="Immagine che contiene testo, diagramma, schermata, Piano&#10;&#10;Descrizione generata automaticamente">
+          <p:cNvPr id="4" name="Immagine 3" descr="Immagine che contiene testo, schermata, diagramma, Rettangolo&#10;&#10;Descrizione generata automaticamente">
             <a:extLst>
               <a:ext uri="{FF2B5EF4-FFF2-40B4-BE49-F238E27FC236}">
-                <a16:creationId xmlns:a16="http://schemas.microsoft.com/office/drawing/2014/main" id="{CBE37D30-ACFD-5E91-AFC6-583A16C87B4A}"/>
+                <a16:creationId xmlns:a16="http://schemas.microsoft.com/office/drawing/2014/main" id="{C0BB0700-4BB1-8F54-B70D-67EAD335D39B}"/>
               </a:ext>
             </a:extLst>
           </p:cNvPr>
@@ -9003,8 +9025,8 @@
         </p:blipFill>
         <p:spPr>
           <a:xfrm>
-            <a:off x="2213707" y="643200"/>
-            <a:ext cx="6711643" cy="4142901"/>
+            <a:off x="1772737" y="968278"/>
+            <a:ext cx="6881013" cy="3894816"/>
           </a:xfrm>
           <a:prstGeom prst="rect">
             <a:avLst/>
@@ -9089,16 +9111,139 @@
             </a:pPr>
             <a:r>
               <a:rPr lang="it" sz="3000" dirty="0"/>
-              <a:t>3.2</a:t>
+              <a:t>3.1 – 3.2 Risorse</a:t>
             </a:r>
             <a:br>
               <a:rPr lang="it" sz="3000" dirty="0"/>
             </a:br>
+            <a:r>
+              <a:rPr lang="it-IT" sz="2000" dirty="0"/>
+              <a:t>Tecnologie e framework: </a:t>
+            </a:r>
+            <a:r>
+              <a:rPr lang="it-IT" sz="2000" dirty="0" err="1"/>
+              <a:t>NodeJs</a:t>
+            </a:r>
+            <a:r>
+              <a:rPr lang="it-IT" sz="2000" dirty="0"/>
+              <a:t>, </a:t>
+            </a:r>
+            <a:r>
+              <a:rPr lang="it-IT" sz="2000" dirty="0" err="1"/>
+              <a:t>MySql</a:t>
+            </a:r>
+            <a:r>
+              <a:rPr lang="it-IT" sz="2000" dirty="0"/>
+              <a:t>, </a:t>
+            </a:r>
+            <a:r>
+              <a:rPr lang="it-IT" sz="2000" dirty="0" err="1"/>
+              <a:t>Express.js</a:t>
+            </a:r>
+            <a:r>
+              <a:rPr lang="it-IT" sz="2000" dirty="0"/>
+              <a:t>, </a:t>
+            </a:r>
+            <a:r>
+              <a:rPr lang="it-IT" sz="2000" dirty="0" err="1"/>
+              <a:t>javascript</a:t>
+            </a:r>
             <a:br>
-              <a:rPr lang="it" sz="3000" dirty="0"/>
+              <a:rPr lang="it-IT" sz="2000" dirty="0"/>
             </a:br>
+            <a:r>
+              <a:rPr lang="it-IT" sz="2000" dirty="0"/>
+              <a:t>Strumenti di sviluppo: Visual Studio Code, GitHub, </a:t>
+            </a:r>
+            <a:r>
+              <a:rPr lang="it-IT" sz="2000" dirty="0" err="1"/>
+              <a:t>Fork</a:t>
+            </a:r>
+            <a:r>
+              <a:rPr lang="it-IT" sz="2000" dirty="0"/>
+              <a:t> (</a:t>
+            </a:r>
+            <a:r>
+              <a:rPr lang="it-IT" sz="2000" dirty="0" err="1"/>
+              <a:t>git</a:t>
+            </a:r>
+            <a:r>
+              <a:rPr lang="it-IT" sz="2000" dirty="0"/>
+              <a:t> client)</a:t>
+            </a:r>
             <a:br>
-              <a:rPr lang="it" sz="3000" dirty="0"/>
+              <a:rPr lang="it-IT" sz="2000" dirty="0"/>
+            </a:br>
+            <a:r>
+              <a:rPr lang="it-IT" sz="2000" dirty="0" err="1"/>
+              <a:t>Hostato</a:t>
+            </a:r>
+            <a:r>
+              <a:rPr lang="it-IT" sz="2000" dirty="0"/>
+              <a:t> su </a:t>
+            </a:r>
+            <a:r>
+              <a:rPr lang="it-IT" sz="2000" dirty="0" err="1"/>
+              <a:t>Altervista</a:t>
+            </a:r>
+            <a:r>
+              <a:rPr lang="it-IT" sz="2000" dirty="0"/>
+              <a:t> </a:t>
+            </a:r>
+            <a:r>
+              <a:rPr lang="it-IT" sz="2000" dirty="0">
+                <a:hlinkClick r:id="rId3"/>
+              </a:rPr>
+              <a:t>https://www.unibookmi.altervista.org/</a:t>
+            </a:r>
+            <a:br>
+              <a:rPr lang="it" sz="2000" dirty="0">
+                <a:hlinkClick r:id="rId3"/>
+              </a:rPr>
+            </a:br>
+            <a:r>
+              <a:rPr lang="it" sz="2000" dirty="0"/>
+              <a:t>Contenuti e risorse multimediali: foto, video e colori presi da siti stock gratuiti</a:t>
+            </a:r>
+            <a:br>
+              <a:rPr lang="it" sz="2000" dirty="0"/>
+            </a:br>
+            <a:r>
+              <a:rPr lang="it" sz="2000" dirty="0"/>
+              <a:t>API: chiamate GET e POST con server locale Express e Node.js</a:t>
+            </a:r>
+            <a:br>
+              <a:rPr lang="it" sz="2000" dirty="0"/>
+            </a:br>
+            <a:r>
+              <a:rPr lang="it" sz="2000" dirty="0"/>
+              <a:t>Budget e spese: nessun budget previsto e nessuna spesa prevista</a:t>
+            </a:r>
+            <a:br>
+              <a:rPr lang="it" sz="2000" dirty="0"/>
+            </a:br>
+            <a:r>
+              <a:rPr lang="it" sz="2000" dirty="0"/>
+              <a:t>Tempistiche: inizio progetto </a:t>
+            </a:r>
+            <a:r>
+              <a:rPr lang="it-IT" sz="2000" dirty="0" err="1"/>
+              <a:t>Nov</a:t>
+            </a:r>
+            <a:r>
+              <a:rPr lang="it-IT" sz="2000" dirty="0"/>
+              <a:t> 25 2023, fine progetto </a:t>
+            </a:r>
+            <a:r>
+              <a:rPr lang="it-IT" sz="2000" dirty="0" err="1"/>
+              <a:t>Feb</a:t>
+            </a:r>
+            <a:r>
+              <a:rPr lang="it-IT" sz="2000" dirty="0"/>
+              <a:t> 20 2024</a:t>
+            </a:r>
+            <a:br>
+              <a:rPr lang="it" sz="2000" dirty="0"/>
             </a:br>
             <a:br>
               <a:rPr lang="it" sz="2000" dirty="0"/>
@@ -9507,10 +9652,10 @@
               <a:buNone/>
             </a:pPr>
             <a:r>
-              <a:rPr lang="it" sz="3000"/>
+              <a:rPr lang="it" sz="3000" dirty="0"/>
               <a:t>UniBookMi è un'applicazione web che consente la prenotazione di aule o stanze.</a:t>
             </a:r>
-            <a:endParaRPr sz="3000"/>
+            <a:endParaRPr sz="3000" dirty="0"/>
           </a:p>
           <a:p>
             <a:pPr marL="0" lvl="0" indent="0" algn="just" rtl="0">
@@ -9523,10 +9668,10 @@
               <a:buNone/>
             </a:pPr>
             <a:r>
-              <a:rPr lang="it" sz="3000"/>
-              <a:t>Questo avviene l’utilizzo di un account con mail Unimi e la scelta tramite piattaforma dell’aula e la data</a:t>
+              <a:rPr lang="it" sz="3000" dirty="0"/>
+              <a:t>Questo avviene con l’utilizzo di un account mail Unimi, le opzioni di prenotazione tramite piattaforma</a:t>
             </a:r>
-            <a:endParaRPr sz="3000"/>
+            <a:endParaRPr sz="3000" dirty="0"/>
           </a:p>
         </p:txBody>
       </p:sp>
@@ -9590,10 +9735,10 @@
               <a:buNone/>
             </a:pPr>
             <a:r>
-              <a:rPr lang="it" sz="3000"/>
+              <a:rPr lang="it" sz="3000" dirty="0"/>
               <a:t>1.1.0 Analisi Requisiti - Descrizione generale</a:t>
             </a:r>
-            <a:endParaRPr sz="3000"/>
+            <a:endParaRPr sz="3000" dirty="0"/>
           </a:p>
           <a:p>
             <a:pPr marL="0" lvl="0" indent="0" algn="just" rtl="0">
@@ -9605,7 +9750,7 @@
               </a:spcAft>
               <a:buNone/>
             </a:pPr>
-            <a:endParaRPr sz="1650" b="1">
+            <a:endParaRPr sz="1650" b="1" dirty="0">
               <a:solidFill>
                 <a:schemeClr val="dk1"/>
               </a:solidFill>
@@ -9629,10 +9774,10 @@
               <a:buNone/>
             </a:pPr>
             <a:r>
-              <a:rPr lang="it" sz="2000"/>
+              <a:rPr lang="it" sz="2000" dirty="0"/>
               <a:t>L’applicazione web dovrà consentire la prenotazione di stanze da parte di studenti o docenti tramite un apposito form.</a:t>
             </a:r>
-            <a:endParaRPr sz="2000"/>
+            <a:endParaRPr sz="2000" dirty="0"/>
           </a:p>
           <a:p>
             <a:pPr marL="0" lvl="0" indent="0" algn="just" rtl="0">
@@ -9645,13 +9790,13 @@
               <a:buNone/>
             </a:pPr>
             <a:r>
-              <a:rPr lang="it" sz="2000"/>
+              <a:rPr lang="it" sz="2000" dirty="0"/>
               <a:t>Le sezioni principali dell’app web sono</a:t>
             </a:r>
-            <a:endParaRPr sz="2000"/>
+            <a:endParaRPr sz="2000" dirty="0"/>
           </a:p>
           <a:p>
-            <a:pPr marL="0" lvl="0" indent="0" algn="just" rtl="0">
+            <a:pPr marL="0" lvl="0" indent="0" rtl="0">
               <a:spcBef>
                 <a:spcPts val="0"/>
               </a:spcBef>
@@ -9661,13 +9806,34 @@
               <a:buNone/>
             </a:pPr>
             <a:r>
-              <a:rPr lang="it" sz="2000"/>
-              <a:t>	-Login</a:t>
+              <a:rPr lang="it" sz="2000" dirty="0"/>
+              <a:t>-Login</a:t>
             </a:r>
-            <a:endParaRPr sz="2000"/>
+            <a:br>
+              <a:rPr lang="it" sz="2000" dirty="0"/>
+            </a:br>
+            <a:r>
+              <a:rPr lang="it" sz="2000" dirty="0"/>
+              <a:t>-Home page</a:t>
+            </a:r>
+            <a:br>
+              <a:rPr lang="it" sz="2000" dirty="0"/>
+            </a:br>
+            <a:r>
+              <a:rPr lang="it" sz="2000" dirty="0"/>
+              <a:t>-Pagina utente	</a:t>
+            </a:r>
+            <a:br>
+              <a:rPr lang="it" sz="2000" dirty="0"/>
+            </a:br>
+            <a:r>
+              <a:rPr lang="it" sz="2000" dirty="0"/>
+              <a:t>-Pagina contatti</a:t>
+            </a:r>
+            <a:endParaRPr sz="2000" dirty="0"/>
           </a:p>
           <a:p>
-            <a:pPr marL="0" lvl="0" indent="0" algn="just" rtl="0">
+            <a:pPr marL="0" lvl="0" indent="0" rtl="0">
               <a:spcBef>
                 <a:spcPts val="0"/>
               </a:spcBef>
@@ -9677,13 +9843,13 @@
               <a:buNone/>
             </a:pPr>
             <a:r>
-              <a:rPr lang="it" sz="2000"/>
-              <a:t>	-Home page</a:t>
+              <a:rPr lang="it" sz="2000" dirty="0"/>
+              <a:t>-Pagina prenotazione</a:t>
             </a:r>
-            <a:endParaRPr sz="2000"/>
+            <a:endParaRPr sz="2000" dirty="0"/>
           </a:p>
           <a:p>
-            <a:pPr marL="0" lvl="0" indent="0" algn="just" rtl="0">
+            <a:pPr marL="0" lvl="0" indent="0" rtl="0">
               <a:spcBef>
                 <a:spcPts val="0"/>
               </a:spcBef>
@@ -9693,42 +9859,10 @@
               <a:buNone/>
             </a:pPr>
             <a:r>
-              <a:rPr lang="it" sz="2000"/>
-              <a:t>	-Pagina utente</a:t>
+              <a:rPr lang="it" sz="2000" dirty="0"/>
+              <a:t>-Pagina News Statale</a:t>
             </a:r>
-            <a:endParaRPr sz="2000"/>
-          </a:p>
-          <a:p>
-            <a:pPr marL="0" lvl="0" indent="0" algn="just" rtl="0">
-              <a:spcBef>
-                <a:spcPts val="0"/>
-              </a:spcBef>
-              <a:spcAft>
-                <a:spcPts val="0"/>
-              </a:spcAft>
-              <a:buNone/>
-            </a:pPr>
-            <a:r>
-              <a:rPr lang="it" sz="2000"/>
-              <a:t>	-Pagina prenotazione</a:t>
-            </a:r>
-            <a:endParaRPr sz="2000"/>
-          </a:p>
-          <a:p>
-            <a:pPr marL="0" lvl="0" indent="0" algn="just" rtl="0">
-              <a:spcBef>
-                <a:spcPts val="0"/>
-              </a:spcBef>
-              <a:spcAft>
-                <a:spcPts val="0"/>
-              </a:spcAft>
-              <a:buNone/>
-            </a:pPr>
-            <a:r>
-              <a:rPr lang="it" sz="2000"/>
-              <a:t>	-News</a:t>
-            </a:r>
-            <a:endParaRPr sz="2000"/>
+            <a:endParaRPr sz="2000" dirty="0"/>
           </a:p>
         </p:txBody>
       </p:sp>
@@ -9792,10 +9926,10 @@
               <a:buNone/>
             </a:pPr>
             <a:r>
-              <a:rPr lang="it" sz="3000"/>
+              <a:rPr lang="it" sz="3000" dirty="0"/>
               <a:t>1.1.0 Analisi Requisiti - Requisiti funzionali</a:t>
             </a:r>
-            <a:endParaRPr sz="1650" b="1">
+            <a:endParaRPr sz="1650" b="1" dirty="0">
               <a:solidFill>
                 <a:schemeClr val="dk1"/>
               </a:solidFill>
@@ -9818,7 +9952,7 @@
               </a:spcAft>
               <a:buNone/>
             </a:pPr>
-            <a:endParaRPr sz="3000"/>
+            <a:endParaRPr sz="3000" dirty="0"/>
           </a:p>
           <a:p>
             <a:pPr marL="0" lvl="0" indent="0" algn="just" rtl="0">
@@ -9831,10 +9965,10 @@
               <a:buNone/>
             </a:pPr>
             <a:r>
-              <a:rPr lang="it" sz="2000"/>
-              <a:t>L’applicazione web una volta fatto il login tramite credenziali Unimi farà accedere alla schermata principale, dove vi è possibile navigare tra le due pagine principali, utente e prenotazione e la terza sezione extra, le notizie.</a:t>
+              <a:rPr lang="it" sz="2000" dirty="0"/>
+              <a:t>L’applicazione web una, volta fatto il login tramite credenziali Unimi, farà accedere alla schermata principale, dove vi è possibile navigare tra le pagine.</a:t>
             </a:r>
-            <a:endParaRPr sz="2000"/>
+            <a:endParaRPr sz="2000" dirty="0"/>
           </a:p>
           <a:p>
             <a:pPr marL="0" lvl="0" indent="0" algn="just" rtl="0">
@@ -9847,10 +9981,10 @@
               <a:buNone/>
             </a:pPr>
             <a:r>
-              <a:rPr lang="it" sz="2000"/>
-              <a:t>Quando il fruitore dell’app prenota una stanza, nella pagina utente è possibile visualizzare quest’ultima, comprese le prenotazioni passate.</a:t>
+              <a:rPr lang="it" sz="2000" dirty="0"/>
+              <a:t>Quando il fruitore dell’app prenota una stanza, nella pagina utente è possibile visualizzare quest’ultima.</a:t>
             </a:r>
-            <a:endParaRPr sz="2000"/>
+            <a:endParaRPr sz="2000" dirty="0"/>
           </a:p>
           <a:p>
             <a:pPr marL="0" lvl="0" indent="0" algn="just" rtl="0">
@@ -9862,7 +9996,7 @@
               </a:spcAft>
               <a:buNone/>
             </a:pPr>
-            <a:endParaRPr sz="2000"/>
+            <a:endParaRPr sz="2000" dirty="0"/>
           </a:p>
         </p:txBody>
       </p:sp>
@@ -9926,10 +10060,10 @@
               <a:buNone/>
             </a:pPr>
             <a:r>
-              <a:rPr lang="it" sz="3000"/>
+              <a:rPr lang="it" sz="3000" dirty="0"/>
               <a:t>1.1.0 Analisi Requisiti - Requisiti non funzionali</a:t>
             </a:r>
-            <a:endParaRPr sz="3000"/>
+            <a:endParaRPr sz="3000" dirty="0"/>
           </a:p>
           <a:p>
             <a:pPr marL="0" lvl="0" indent="0" algn="just" rtl="0">
@@ -9941,10 +10075,10 @@
               </a:spcAft>
               <a:buNone/>
             </a:pPr>
-            <a:endParaRPr sz="3000"/>
+            <a:endParaRPr sz="3000" dirty="0"/>
           </a:p>
           <a:p>
-            <a:pPr marL="0" lvl="0" indent="0" algn="just" rtl="0">
+            <a:pPr marL="0" lvl="0" indent="0" rtl="0">
               <a:spcBef>
                 <a:spcPts val="0"/>
               </a:spcBef>
@@ -9954,10 +10088,17 @@
               <a:buNone/>
             </a:pPr>
             <a:r>
-              <a:rPr lang="it" sz="2000"/>
-              <a:t>l’applicazione è usabile da tutti gli utenti, presenta un'interfaccia semplice con poche diramazioni</a:t>
+              <a:rPr lang="it" sz="2000" dirty="0"/>
+              <a:t>l’applicazione è usabile da tutti gli utenti, presenta un'interfaccia semplice e di facile intuizione.</a:t>
             </a:r>
-            <a:endParaRPr sz="2000"/>
+            <a:br>
+              <a:rPr lang="it" sz="2000" dirty="0"/>
+            </a:br>
+            <a:r>
+              <a:rPr lang="it" sz="2000" dirty="0"/>
+              <a:t>Viene semplice navigare all’interno delle schermate tramite bottoni che inoltrano a queste</a:t>
+            </a:r>
+            <a:endParaRPr sz="2000" dirty="0"/>
           </a:p>
         </p:txBody>
       </p:sp>
@@ -10036,9 +10177,12 @@
               </a:spcAft>
               <a:buNone/>
             </a:pPr>
+            <a:br>
+              <a:rPr lang="it" sz="2000" dirty="0"/>
+            </a:br>
             <a:r>
               <a:rPr lang="it" sz="2000" dirty="0"/>
-              <a:t>Non ci sono requisiti espliciti per l’utilizzo dell’applicazione</a:t>
+              <a:t>Bisogna poter essere connessi ad internet e avere un account unimi per utilizzare la web app</a:t>
             </a:r>
             <a:endParaRPr sz="2000" dirty="0"/>
           </a:p>
@@ -10104,10 +10248,10 @@
               <a:buNone/>
             </a:pPr>
             <a:r>
-              <a:rPr lang="it" sz="3000"/>
+              <a:rPr lang="it" sz="3000" dirty="0"/>
               <a:t>1.1.1 Destinatari</a:t>
             </a:r>
-            <a:endParaRPr sz="3000"/>
+            <a:endParaRPr sz="3000" dirty="0"/>
           </a:p>
           <a:p>
             <a:pPr marL="0" lvl="0" indent="0" algn="just" rtl="0">
@@ -10119,11 +10263,14 @@
               </a:spcAft>
               <a:buNone/>
             </a:pPr>
+            <a:br>
+              <a:rPr lang="it" sz="2000" dirty="0"/>
+            </a:br>
             <a:r>
-              <a:rPr lang="it" sz="2000"/>
+              <a:rPr lang="it" sz="2000" dirty="0"/>
               <a:t>L’applicazione web è designata per studenti e docenti dell’università Statale di Milano che vorranno prenotare le aule per attività didattiche.</a:t>
             </a:r>
-            <a:endParaRPr sz="2000"/>
+            <a:endParaRPr sz="2000" dirty="0"/>
           </a:p>
           <a:p>
             <a:pPr marL="0" lvl="0" indent="0" algn="just" rtl="0">
@@ -10136,10 +10283,10 @@
               <a:buNone/>
             </a:pPr>
             <a:r>
-              <a:rPr lang="it" sz="2000"/>
+              <a:rPr lang="it" sz="2000" dirty="0"/>
               <a:t>L’interfaccia è chiara ed intuibile e non sarà necessario avere conoscenze tecniche per poter effettuare le operazioni.</a:t>
             </a:r>
-            <a:endParaRPr sz="2000"/>
+            <a:endParaRPr sz="2000" dirty="0"/>
           </a:p>
           <a:p>
             <a:pPr marL="0" lvl="0" indent="0" algn="just" rtl="0">
@@ -10152,10 +10299,10 @@
               <a:buNone/>
             </a:pPr>
             <a:r>
-              <a:rPr lang="it" sz="2000"/>
+              <a:rPr lang="it" sz="2000" dirty="0"/>
               <a:t>Il device ottimizzato per l’utilizzo dell’applicazione è un computer, sia fisso che portatile</a:t>
             </a:r>
-            <a:endParaRPr sz="2000"/>
+            <a:endParaRPr sz="2000" dirty="0"/>
           </a:p>
         </p:txBody>
       </p:sp>

--- a/others/Relazione UniBookMi.pptx
+++ b/others/Relazione UniBookMi.pptx
@@ -9335,8 +9335,19 @@
             <a:br>
               <a:rPr lang="it" sz="3000" dirty="0"/>
             </a:br>
+            <a:r>
+              <a:rPr lang="it-IT" sz="2000" dirty="0"/>
+              <a:t>Il progetto ha dimostrato la fattibilità di sviluppare un'applicazione web per la gestione del registro di accesso a una stanza utilizzando le tecnologie indicate precedentemente.</a:t>
+            </a:r>
             <a:br>
-              <a:rPr lang="it" sz="3000" dirty="0"/>
+              <a:rPr lang="it-IT" sz="2000" dirty="0"/>
+            </a:br>
+            <a:r>
+              <a:rPr lang="it-IT" sz="2000" dirty="0"/>
+              <a:t>Lo studio di fattibilità e la ricerca costante hanno contribuito al successo del progetto. L'applicazione sviluppata offre una soluzione pratica e conforme alle normative vigenti per la gestione degli accessi in contesti che richiedono il rispetto delle norme di distanziamento.</a:t>
+            </a:r>
+            <a:br>
+              <a:rPr lang="it" sz="2000" dirty="0"/>
             </a:br>
             <a:br>
               <a:rPr lang="it" sz="3000" dirty="0"/>

--- a/others/Relazione UniBookMi.pptx
+++ b/others/Relazione UniBookMi.pptx
@@ -9344,7 +9344,14 @@
             </a:br>
             <a:r>
               <a:rPr lang="it-IT" sz="2000" dirty="0"/>
-              <a:t>Lo studio di fattibilità e la ricerca costante hanno contribuito al successo del progetto. L'applicazione sviluppata offre una soluzione pratica e conforme alle normative vigenti per la gestione degli accessi in contesti che richiedono il rispetto delle norme di distanziamento.</a:t>
+              <a:t>Lo studio di fattibilità e la ricerca costante hanno contribuito al successo del progetto. </a:t>
+            </a:r>
+            <a:br>
+              <a:rPr lang="it-IT" sz="2000" dirty="0"/>
+            </a:br>
+            <a:r>
+              <a:rPr lang="it-IT" sz="2000" dirty="0"/>
+              <a:t>L'applicazione web sviluppata offre una soluzione pratica e conforme alle normative vigenti per la gestione degli delle prenotazioni delle aule.</a:t>
             </a:r>
             <a:br>
               <a:rPr lang="it" sz="2000" dirty="0"/>
